--- a/Slides.pptx
+++ b/Slides.pptx
@@ -5,25 +5,22 @@
     <p:sldMasterId id="2147483686" r:id="rId4"/>
   </p:sldMasterIdLst>
   <p:notesMasterIdLst>
-    <p:notesMasterId r:id="rId18"/>
+    <p:notesMasterId r:id="rId15"/>
   </p:notesMasterIdLst>
   <p:handoutMasterIdLst>
-    <p:handoutMasterId r:id="rId19"/>
+    <p:handoutMasterId r:id="rId16"/>
   </p:handoutMasterIdLst>
   <p:sldIdLst>
     <p:sldId id="315" r:id="rId5"/>
     <p:sldId id="266" r:id="rId6"/>
-    <p:sldId id="314" r:id="rId7"/>
-    <p:sldId id="271" r:id="rId8"/>
-    <p:sldId id="309" r:id="rId9"/>
-    <p:sldId id="256" r:id="rId10"/>
-    <p:sldId id="312" r:id="rId11"/>
-    <p:sldId id="305" r:id="rId12"/>
-    <p:sldId id="310" r:id="rId13"/>
-    <p:sldId id="316" r:id="rId14"/>
-    <p:sldId id="313" r:id="rId15"/>
-    <p:sldId id="300" r:id="rId16"/>
-    <p:sldId id="295" r:id="rId17"/>
+    <p:sldId id="312" r:id="rId7"/>
+    <p:sldId id="310" r:id="rId8"/>
+    <p:sldId id="305" r:id="rId9"/>
+    <p:sldId id="317" r:id="rId10"/>
+    <p:sldId id="318" r:id="rId11"/>
+    <p:sldId id="319" r:id="rId12"/>
+    <p:sldId id="313" r:id="rId13"/>
+    <p:sldId id="295" r:id="rId14"/>
   </p:sldIdLst>
   <p:sldSz cx="12192000" cy="6858000"/>
   <p:notesSz cx="6858000" cy="9144000"/>
@@ -234,7 +231,7 @@
           <a:p>
             <a:fld id="{367A1AC4-3AE8-4F87-AAED-904EC6054702}" type="datetimeFigureOut">
               <a:rPr lang="en-US" smtClean="0"/>
-              <a:t>4/28/2024</a:t>
+              <a:t>4/30/2024</a:t>
             </a:fld>
             <a:endParaRPr lang="en-US" dirty="0"/>
           </a:p>
@@ -411,7 +408,7 @@
           <a:p>
             <a:fld id="{C5556653-6123-4FE4-861F-5F9583BF59B0}" type="datetimeFigureOut">
               <a:rPr lang="en-US" smtClean="0"/>
-              <a:t>4/28/2024</a:t>
+              <a:t>4/30/2024</a:t>
             </a:fld>
             <a:endParaRPr lang="en-US" dirty="0"/>
           </a:p>
@@ -806,258 +803,6 @@
           <a:bodyPr/>
           <a:lstStyle/>
           <a:p>
-            <a:endParaRPr lang="en-US" dirty="0"/>
-          </a:p>
-        </p:txBody>
-      </p:sp>
-      <p:sp>
-        <p:nvSpPr>
-          <p:cNvPr id="4" name="Slide Number Placeholder 3"/>
-          <p:cNvSpPr>
-            <a:spLocks noGrp="1"/>
-          </p:cNvSpPr>
-          <p:nvPr>
-            <p:ph type="sldNum" sz="quarter" idx="5"/>
-          </p:nvPr>
-        </p:nvSpPr>
-        <p:spPr/>
-        <p:txBody>
-          <a:bodyPr/>
-          <a:lstStyle/>
-          <a:p>
-            <a:fld id="{54EEB602-95FC-483A-B12D-216A7AD7EA24}" type="slidenum">
-              <a:rPr lang="en-US" smtClean="0"/>
-              <a:t>10</a:t>
-            </a:fld>
-            <a:endParaRPr lang="en-US" dirty="0"/>
-          </a:p>
-        </p:txBody>
-      </p:sp>
-    </p:spTree>
-    <p:extLst>
-      <p:ext uri="{BB962C8B-B14F-4D97-AF65-F5344CB8AC3E}">
-        <p14:creationId xmlns:p14="http://schemas.microsoft.com/office/powerpoint/2010/main" val="601518118"/>
-      </p:ext>
-    </p:extLst>
-  </p:cSld>
-  <p:clrMapOvr>
-    <a:masterClrMapping/>
-  </p:clrMapOvr>
-</p:notes>
-</file>
-
-<file path=ppt/notesSlides/notesSlide11.xml><?xml version="1.0" encoding="utf-8"?>
-<p:notes xmlns:a="http://schemas.openxmlformats.org/drawingml/2006/main" xmlns:r="http://schemas.openxmlformats.org/officeDocument/2006/relationships" xmlns:p="http://schemas.openxmlformats.org/presentationml/2006/main">
-  <p:cSld>
-    <p:spTree>
-      <p:nvGrpSpPr>
-        <p:cNvPr id="1" name=""/>
-        <p:cNvGrpSpPr/>
-        <p:nvPr/>
-      </p:nvGrpSpPr>
-      <p:grpSpPr>
-        <a:xfrm>
-          <a:off x="0" y="0"/>
-          <a:ext cx="0" cy="0"/>
-          <a:chOff x="0" y="0"/>
-          <a:chExt cx="0" cy="0"/>
-        </a:xfrm>
-      </p:grpSpPr>
-      <p:sp>
-        <p:nvSpPr>
-          <p:cNvPr id="2" name="Slide Image Placeholder 1"/>
-          <p:cNvSpPr>
-            <a:spLocks noGrp="1" noRot="1" noChangeAspect="1"/>
-          </p:cNvSpPr>
-          <p:nvPr>
-            <p:ph type="sldImg"/>
-          </p:nvPr>
-        </p:nvSpPr>
-        <p:spPr/>
-      </p:sp>
-      <p:sp>
-        <p:nvSpPr>
-          <p:cNvPr id="3" name="Notes Placeholder 2"/>
-          <p:cNvSpPr>
-            <a:spLocks noGrp="1"/>
-          </p:cNvSpPr>
-          <p:nvPr>
-            <p:ph type="body" idx="1"/>
-          </p:nvPr>
-        </p:nvSpPr>
-        <p:spPr/>
-        <p:txBody>
-          <a:bodyPr/>
-          <a:lstStyle/>
-          <a:p>
-            <a:endParaRPr lang="en-US" dirty="0"/>
-          </a:p>
-        </p:txBody>
-      </p:sp>
-      <p:sp>
-        <p:nvSpPr>
-          <p:cNvPr id="4" name="Slide Number Placeholder 3"/>
-          <p:cNvSpPr>
-            <a:spLocks noGrp="1"/>
-          </p:cNvSpPr>
-          <p:nvPr>
-            <p:ph type="sldNum" sz="quarter" idx="5"/>
-          </p:nvPr>
-        </p:nvSpPr>
-        <p:spPr/>
-        <p:txBody>
-          <a:bodyPr/>
-          <a:lstStyle/>
-          <a:p>
-            <a:fld id="{54EEB602-95FC-483A-B12D-216A7AD7EA24}" type="slidenum">
-              <a:rPr lang="en-US" smtClean="0"/>
-              <a:t>11</a:t>
-            </a:fld>
-            <a:endParaRPr lang="en-US" dirty="0"/>
-          </a:p>
-        </p:txBody>
-      </p:sp>
-    </p:spTree>
-    <p:extLst>
-      <p:ext uri="{BB962C8B-B14F-4D97-AF65-F5344CB8AC3E}">
-        <p14:creationId xmlns:p14="http://schemas.microsoft.com/office/powerpoint/2010/main" val="3986912794"/>
-      </p:ext>
-    </p:extLst>
-  </p:cSld>
-  <p:clrMapOvr>
-    <a:masterClrMapping/>
-  </p:clrMapOvr>
-</p:notes>
-</file>
-
-<file path=ppt/notesSlides/notesSlide12.xml><?xml version="1.0" encoding="utf-8"?>
-<p:notes xmlns:a="http://schemas.openxmlformats.org/drawingml/2006/main" xmlns:r="http://schemas.openxmlformats.org/officeDocument/2006/relationships" xmlns:p="http://schemas.openxmlformats.org/presentationml/2006/main">
-  <p:cSld>
-    <p:spTree>
-      <p:nvGrpSpPr>
-        <p:cNvPr id="1" name=""/>
-        <p:cNvGrpSpPr/>
-        <p:nvPr/>
-      </p:nvGrpSpPr>
-      <p:grpSpPr>
-        <a:xfrm>
-          <a:off x="0" y="0"/>
-          <a:ext cx="0" cy="0"/>
-          <a:chOff x="0" y="0"/>
-          <a:chExt cx="0" cy="0"/>
-        </a:xfrm>
-      </p:grpSpPr>
-      <p:sp>
-        <p:nvSpPr>
-          <p:cNvPr id="2" name="Slide Image Placeholder 1"/>
-          <p:cNvSpPr>
-            <a:spLocks noGrp="1" noRot="1" noChangeAspect="1"/>
-          </p:cNvSpPr>
-          <p:nvPr>
-            <p:ph type="sldImg"/>
-          </p:nvPr>
-        </p:nvSpPr>
-        <p:spPr/>
-      </p:sp>
-      <p:sp>
-        <p:nvSpPr>
-          <p:cNvPr id="3" name="Notes Placeholder 2"/>
-          <p:cNvSpPr>
-            <a:spLocks noGrp="1"/>
-          </p:cNvSpPr>
-          <p:nvPr>
-            <p:ph type="body" idx="1"/>
-          </p:nvPr>
-        </p:nvSpPr>
-        <p:spPr/>
-        <p:txBody>
-          <a:bodyPr/>
-          <a:lstStyle/>
-          <a:p>
-            <a:endParaRPr lang="en-US" dirty="0"/>
-          </a:p>
-        </p:txBody>
-      </p:sp>
-      <p:sp>
-        <p:nvSpPr>
-          <p:cNvPr id="4" name="Slide Number Placeholder 3"/>
-          <p:cNvSpPr>
-            <a:spLocks noGrp="1"/>
-          </p:cNvSpPr>
-          <p:nvPr>
-            <p:ph type="sldNum" sz="quarter" idx="5"/>
-          </p:nvPr>
-        </p:nvSpPr>
-        <p:spPr/>
-        <p:txBody>
-          <a:bodyPr/>
-          <a:lstStyle/>
-          <a:p>
-            <a:fld id="{54EEB602-95FC-483A-B12D-216A7AD7EA24}" type="slidenum">
-              <a:rPr lang="en-US" smtClean="0"/>
-              <a:t>12</a:t>
-            </a:fld>
-            <a:endParaRPr lang="en-US" dirty="0"/>
-          </a:p>
-        </p:txBody>
-      </p:sp>
-    </p:spTree>
-    <p:extLst>
-      <p:ext uri="{BB962C8B-B14F-4D97-AF65-F5344CB8AC3E}">
-        <p14:creationId xmlns:p14="http://schemas.microsoft.com/office/powerpoint/2010/main" val="2125366021"/>
-      </p:ext>
-    </p:extLst>
-  </p:cSld>
-  <p:clrMapOvr>
-    <a:masterClrMapping/>
-  </p:clrMapOvr>
-</p:notes>
-</file>
-
-<file path=ppt/notesSlides/notesSlide13.xml><?xml version="1.0" encoding="utf-8"?>
-<p:notes xmlns:a="http://schemas.openxmlformats.org/drawingml/2006/main" xmlns:r="http://schemas.openxmlformats.org/officeDocument/2006/relationships" xmlns:p="http://schemas.openxmlformats.org/presentationml/2006/main">
-  <p:cSld>
-    <p:spTree>
-      <p:nvGrpSpPr>
-        <p:cNvPr id="1" name=""/>
-        <p:cNvGrpSpPr/>
-        <p:nvPr/>
-      </p:nvGrpSpPr>
-      <p:grpSpPr>
-        <a:xfrm>
-          <a:off x="0" y="0"/>
-          <a:ext cx="0" cy="0"/>
-          <a:chOff x="0" y="0"/>
-          <a:chExt cx="0" cy="0"/>
-        </a:xfrm>
-      </p:grpSpPr>
-      <p:sp>
-        <p:nvSpPr>
-          <p:cNvPr id="2" name="Slide Image Placeholder 1"/>
-          <p:cNvSpPr>
-            <a:spLocks noGrp="1" noRot="1" noChangeAspect="1"/>
-          </p:cNvSpPr>
-          <p:nvPr>
-            <p:ph type="sldImg"/>
-          </p:nvPr>
-        </p:nvSpPr>
-        <p:spPr/>
-      </p:sp>
-      <p:sp>
-        <p:nvSpPr>
-          <p:cNvPr id="3" name="Notes Placeholder 2"/>
-          <p:cNvSpPr>
-            <a:spLocks noGrp="1"/>
-          </p:cNvSpPr>
-          <p:nvPr>
-            <p:ph type="body" idx="1"/>
-          </p:nvPr>
-        </p:nvSpPr>
-        <p:spPr/>
-        <p:txBody>
-          <a:bodyPr/>
-          <a:lstStyle/>
-          <a:p>
             <a:pPr marL="0" marR="0" lvl="0" indent="0" algn="l" defTabSz="914400" rtl="0" eaLnBrk="1" fontAlgn="auto" latinLnBrk="0" hangingPunct="1">
               <a:lnSpc>
                 <a:spcPct val="100000"/>
@@ -1096,7 +841,7 @@
           <a:p>
             <a:fld id="{F07F282E-55F5-4803-B60F-09BA4600E538}" type="slidenum">
               <a:rPr lang="en-US" smtClean="0"/>
-              <a:t>13</a:t>
+              <a:t>10</a:t>
             </a:fld>
             <a:endParaRPr lang="en-US" dirty="0"/>
           </a:p>
@@ -1290,7 +1035,7 @@
     </p:spTree>
     <p:extLst>
       <p:ext uri="{BB962C8B-B14F-4D97-AF65-F5344CB8AC3E}">
-        <p14:creationId xmlns:p14="http://schemas.microsoft.com/office/powerpoint/2010/main" val="3743899043"/>
+        <p14:creationId xmlns:p14="http://schemas.microsoft.com/office/powerpoint/2010/main" val="3572555010"/>
       </p:ext>
     </p:extLst>
   </p:cSld>
@@ -1344,23 +1089,6 @@
           <a:bodyPr/>
           <a:lstStyle/>
           <a:p>
-            <a:pPr marL="0" marR="0" lvl="0" indent="0" algn="l" defTabSz="914400" rtl="0" eaLnBrk="1" fontAlgn="auto" latinLnBrk="0" hangingPunct="1">
-              <a:lnSpc>
-                <a:spcPct val="100000"/>
-              </a:lnSpc>
-              <a:spcBef>
-                <a:spcPts val="0"/>
-              </a:spcBef>
-              <a:spcAft>
-                <a:spcPts val="0"/>
-              </a:spcAft>
-              <a:buClrTx/>
-              <a:buSzTx/>
-              <a:buFontTx/>
-              <a:buNone/>
-              <a:tabLst/>
-              <a:defRPr/>
-            </a:pPr>
             <a:endParaRPr lang="en-US" dirty="0"/>
           </a:p>
         </p:txBody>
@@ -1380,7 +1108,7 @@
           <a:bodyPr/>
           <a:lstStyle/>
           <a:p>
-            <a:fld id="{F07F282E-55F5-4803-B60F-09BA4600E538}" type="slidenum">
+            <a:fld id="{54EEB602-95FC-483A-B12D-216A7AD7EA24}" type="slidenum">
               <a:rPr lang="en-US" smtClean="0"/>
               <a:t>4</a:t>
             </a:fld>
@@ -1391,7 +1119,7 @@
     </p:spTree>
     <p:extLst>
       <p:ext uri="{BB962C8B-B14F-4D97-AF65-F5344CB8AC3E}">
-        <p14:creationId xmlns:p14="http://schemas.microsoft.com/office/powerpoint/2010/main" val="4200283822"/>
+        <p14:creationId xmlns:p14="http://schemas.microsoft.com/office/powerpoint/2010/main" val="2221603058"/>
       </p:ext>
     </p:extLst>
   </p:cSld>
@@ -1475,7 +1203,7 @@
     </p:spTree>
     <p:extLst>
       <p:ext uri="{BB962C8B-B14F-4D97-AF65-F5344CB8AC3E}">
-        <p14:creationId xmlns:p14="http://schemas.microsoft.com/office/powerpoint/2010/main" val="2191268297"/>
+        <p14:creationId xmlns:p14="http://schemas.microsoft.com/office/powerpoint/2010/main" val="2714327902"/>
       </p:ext>
     </p:extLst>
   </p:cSld>
@@ -1559,7 +1287,7 @@
     </p:spTree>
     <p:extLst>
       <p:ext uri="{BB962C8B-B14F-4D97-AF65-F5344CB8AC3E}">
-        <p14:creationId xmlns:p14="http://schemas.microsoft.com/office/powerpoint/2010/main" val="303174507"/>
+        <p14:creationId xmlns:p14="http://schemas.microsoft.com/office/powerpoint/2010/main" val="3254109051"/>
       </p:ext>
     </p:extLst>
   </p:cSld>
@@ -1643,7 +1371,7 @@
     </p:spTree>
     <p:extLst>
       <p:ext uri="{BB962C8B-B14F-4D97-AF65-F5344CB8AC3E}">
-        <p14:creationId xmlns:p14="http://schemas.microsoft.com/office/powerpoint/2010/main" val="3572555010"/>
+        <p14:creationId xmlns:p14="http://schemas.microsoft.com/office/powerpoint/2010/main" val="4076400386"/>
       </p:ext>
     </p:extLst>
   </p:cSld>
@@ -1727,7 +1455,7 @@
     </p:spTree>
     <p:extLst>
       <p:ext uri="{BB962C8B-B14F-4D97-AF65-F5344CB8AC3E}">
-        <p14:creationId xmlns:p14="http://schemas.microsoft.com/office/powerpoint/2010/main" val="2714327902"/>
+        <p14:creationId xmlns:p14="http://schemas.microsoft.com/office/powerpoint/2010/main" val="2189721569"/>
       </p:ext>
     </p:extLst>
   </p:cSld>
@@ -1811,7 +1539,7 @@
     </p:spTree>
     <p:extLst>
       <p:ext uri="{BB962C8B-B14F-4D97-AF65-F5344CB8AC3E}">
-        <p14:creationId xmlns:p14="http://schemas.microsoft.com/office/powerpoint/2010/main" val="2221603058"/>
+        <p14:creationId xmlns:p14="http://schemas.microsoft.com/office/powerpoint/2010/main" val="3986912794"/>
       </p:ext>
     </p:extLst>
   </p:cSld>
@@ -3464,2098 +3192,6 @@
 
 <file path=ppt/slideLayouts/slideLayout13.xml><?xml version="1.0" encoding="utf-8"?>
 <p:sldLayout xmlns:a="http://schemas.openxmlformats.org/drawingml/2006/main" xmlns:r="http://schemas.openxmlformats.org/officeDocument/2006/relationships" xmlns:p="http://schemas.openxmlformats.org/presentationml/2006/main" showMasterSp="0" userDrawn="1">
-  <p:cSld name="Title + Picture">
-    <p:spTree>
-      <p:nvGrpSpPr>
-        <p:cNvPr id="1" name=""/>
-        <p:cNvGrpSpPr/>
-        <p:nvPr/>
-      </p:nvGrpSpPr>
-      <p:grpSpPr>
-        <a:xfrm>
-          <a:off x="0" y="0"/>
-          <a:ext cx="0" cy="0"/>
-          <a:chOff x="0" y="0"/>
-          <a:chExt cx="0" cy="0"/>
-        </a:xfrm>
-      </p:grpSpPr>
-      <p:sp useBgFill="1">
-        <p:nvSpPr>
-          <p:cNvPr id="52" name="Rectangle 51">
-            <a:extLst>
-              <a:ext uri="{FF2B5EF4-FFF2-40B4-BE49-F238E27FC236}">
-                <a16:creationId xmlns:a16="http://schemas.microsoft.com/office/drawing/2014/main" id="{EA8D8870-8337-4ABD-9EA6-3D5AAB7E42D9}"/>
-              </a:ext>
-              <a:ext uri="{C183D7F6-B498-43B3-948B-1728B52AA6E4}">
-                <adec:decorative xmlns:adec="http://schemas.microsoft.com/office/drawing/2017/decorative" val="1"/>
-              </a:ext>
-            </a:extLst>
-          </p:cNvPr>
-          <p:cNvSpPr/>
-          <p:nvPr userDrawn="1"/>
-        </p:nvSpPr>
-        <p:spPr>
-          <a:xfrm flipH="1">
-            <a:off x="0" y="0"/>
-            <a:ext cx="12192001" cy="6858000"/>
-          </a:xfrm>
-          <a:prstGeom prst="rect">
-            <a:avLst/>
-          </a:prstGeom>
-          <a:ln>
-            <a:noFill/>
-          </a:ln>
-        </p:spPr>
-        <p:style>
-          <a:lnRef idx="2">
-            <a:schemeClr val="accent1">
-              <a:shade val="50000"/>
-            </a:schemeClr>
-          </a:lnRef>
-          <a:fillRef idx="1">
-            <a:schemeClr val="accent1"/>
-          </a:fillRef>
-          <a:effectRef idx="0">
-            <a:schemeClr val="accent1"/>
-          </a:effectRef>
-          <a:fontRef idx="minor">
-            <a:schemeClr val="lt1"/>
-          </a:fontRef>
-        </p:style>
-        <p:txBody>
-          <a:bodyPr rtlCol="0" anchor="ctr"/>
-          <a:lstStyle/>
-          <a:p>
-            <a:pPr algn="ctr"/>
-            <a:endParaRPr lang="en-US" dirty="0"/>
-          </a:p>
-        </p:txBody>
-      </p:sp>
-      <p:sp>
-        <p:nvSpPr>
-          <p:cNvPr id="53" name="Rectangle 52">
-            <a:extLst>
-              <a:ext uri="{FF2B5EF4-FFF2-40B4-BE49-F238E27FC236}">
-                <a16:creationId xmlns:a16="http://schemas.microsoft.com/office/drawing/2014/main" id="{BAC3B2DB-2CCA-4BD4-8D63-98257049E273}"/>
-              </a:ext>
-              <a:ext uri="{C183D7F6-B498-43B3-948B-1728B52AA6E4}">
-                <adec:decorative xmlns:adec="http://schemas.microsoft.com/office/drawing/2017/decorative" val="1"/>
-              </a:ext>
-            </a:extLst>
-          </p:cNvPr>
-          <p:cNvSpPr/>
-          <p:nvPr userDrawn="1"/>
-        </p:nvSpPr>
-        <p:spPr>
-          <a:xfrm>
-            <a:off x="1" y="825689"/>
-            <a:ext cx="7685728" cy="3741549"/>
-          </a:xfrm>
-          <a:prstGeom prst="rect">
-            <a:avLst/>
-          </a:prstGeom>
-          <a:solidFill>
-            <a:schemeClr val="tx2"/>
-          </a:solidFill>
-          <a:ln>
-            <a:noFill/>
-          </a:ln>
-        </p:spPr>
-        <p:style>
-          <a:lnRef idx="2">
-            <a:schemeClr val="accent1">
-              <a:shade val="50000"/>
-            </a:schemeClr>
-          </a:lnRef>
-          <a:fillRef idx="1">
-            <a:schemeClr val="accent1"/>
-          </a:fillRef>
-          <a:effectRef idx="0">
-            <a:schemeClr val="accent1"/>
-          </a:effectRef>
-          <a:fontRef idx="minor">
-            <a:schemeClr val="lt1"/>
-          </a:fontRef>
-        </p:style>
-        <p:txBody>
-          <a:bodyPr rtlCol="0" anchor="ctr"/>
-          <a:lstStyle/>
-          <a:p>
-            <a:pPr algn="ctr"/>
-            <a:endParaRPr lang="en-US" dirty="0"/>
-          </a:p>
-        </p:txBody>
-      </p:sp>
-      <p:sp>
-        <p:nvSpPr>
-          <p:cNvPr id="54" name="Title 1">
-            <a:extLst>
-              <a:ext uri="{FF2B5EF4-FFF2-40B4-BE49-F238E27FC236}">
-                <a16:creationId xmlns:a16="http://schemas.microsoft.com/office/drawing/2014/main" id="{324DAAC3-FA37-4838-A298-327679F99F8A}"/>
-              </a:ext>
-            </a:extLst>
-          </p:cNvPr>
-          <p:cNvSpPr>
-            <a:spLocks noGrp="1"/>
-          </p:cNvSpPr>
-          <p:nvPr>
-            <p:ph type="ctrTitle" hasCustomPrompt="1"/>
-          </p:nvPr>
-        </p:nvSpPr>
-        <p:spPr>
-          <a:xfrm>
-            <a:off x="1386630" y="825687"/>
-            <a:ext cx="5957384" cy="3741551"/>
-          </a:xfrm>
-        </p:spPr>
-        <p:txBody>
-          <a:bodyPr tIns="182880" anchor="ctr" anchorCtr="0">
-            <a:noAutofit/>
-          </a:bodyPr>
-          <a:lstStyle>
-            <a:lvl1pPr>
-              <a:lnSpc>
-                <a:spcPct val="100000"/>
-              </a:lnSpc>
-              <a:defRPr sz="4000" cap="all" baseline="0">
-                <a:solidFill>
-                  <a:schemeClr val="bg1"/>
-                </a:solidFill>
-              </a:defRPr>
-            </a:lvl1pPr>
-          </a:lstStyle>
-          <a:p>
-            <a:r>
-              <a:rPr lang="en-US" sz="4400" dirty="0">
-                <a:solidFill>
-                  <a:schemeClr val="bg1"/>
-                </a:solidFill>
-              </a:rPr>
-              <a:t>CLICK TO ADD TITLE</a:t>
-            </a:r>
-          </a:p>
-        </p:txBody>
-      </p:sp>
-      <p:sp>
-        <p:nvSpPr>
-          <p:cNvPr id="56" name="Rectangle 55">
-            <a:extLst>
-              <a:ext uri="{FF2B5EF4-FFF2-40B4-BE49-F238E27FC236}">
-                <a16:creationId xmlns:a16="http://schemas.microsoft.com/office/drawing/2014/main" id="{FB792E4C-AD3B-4E88-8540-E75759746368}"/>
-              </a:ext>
-              <a:ext uri="{C183D7F6-B498-43B3-948B-1728B52AA6E4}">
-                <adec:decorative xmlns:adec="http://schemas.microsoft.com/office/drawing/2017/decorative" val="1"/>
-              </a:ext>
-            </a:extLst>
-          </p:cNvPr>
-          <p:cNvSpPr/>
-          <p:nvPr userDrawn="1"/>
-        </p:nvSpPr>
-        <p:spPr>
-          <a:xfrm>
-            <a:off x="-1" y="889696"/>
-            <a:ext cx="1070775" cy="3601342"/>
-          </a:xfrm>
-          <a:prstGeom prst="rect">
-            <a:avLst/>
-          </a:prstGeom>
-          <a:solidFill>
-            <a:schemeClr val="accent1"/>
-          </a:solidFill>
-          <a:ln>
-            <a:noFill/>
-          </a:ln>
-        </p:spPr>
-        <p:style>
-          <a:lnRef idx="2">
-            <a:schemeClr val="accent1">
-              <a:shade val="50000"/>
-            </a:schemeClr>
-          </a:lnRef>
-          <a:fillRef idx="1">
-            <a:schemeClr val="accent1"/>
-          </a:fillRef>
-          <a:effectRef idx="0">
-            <a:schemeClr val="accent1"/>
-          </a:effectRef>
-          <a:fontRef idx="minor">
-            <a:schemeClr val="lt1"/>
-          </a:fontRef>
-        </p:style>
-        <p:txBody>
-          <a:bodyPr rtlCol="0" anchor="ctr"/>
-          <a:lstStyle/>
-          <a:p>
-            <a:pPr algn="ctr"/>
-            <a:endParaRPr lang="en-US" dirty="0"/>
-          </a:p>
-        </p:txBody>
-      </p:sp>
-      <p:sp>
-        <p:nvSpPr>
-          <p:cNvPr id="57" name="Rectangle 56">
-            <a:extLst>
-              <a:ext uri="{FF2B5EF4-FFF2-40B4-BE49-F238E27FC236}">
-                <a16:creationId xmlns:a16="http://schemas.microsoft.com/office/drawing/2014/main" id="{6A32632F-9ED1-4328-BBE3-B4E014156A29}"/>
-              </a:ext>
-              <a:ext uri="{C183D7F6-B498-43B3-948B-1728B52AA6E4}">
-                <adec:decorative xmlns:adec="http://schemas.microsoft.com/office/drawing/2017/decorative" val="1"/>
-              </a:ext>
-            </a:extLst>
-          </p:cNvPr>
-          <p:cNvSpPr/>
-          <p:nvPr userDrawn="1"/>
-        </p:nvSpPr>
-        <p:spPr>
-          <a:xfrm rot="5400000">
-            <a:off x="-2365125" y="3396997"/>
-            <a:ext cx="6858002" cy="64008"/>
-          </a:xfrm>
-          <a:prstGeom prst="rect">
-            <a:avLst/>
-          </a:prstGeom>
-          <a:solidFill>
-            <a:schemeClr val="tx2"/>
-          </a:solidFill>
-          <a:ln>
-            <a:noFill/>
-          </a:ln>
-        </p:spPr>
-        <p:style>
-          <a:lnRef idx="2">
-            <a:schemeClr val="accent1">
-              <a:shade val="50000"/>
-            </a:schemeClr>
-          </a:lnRef>
-          <a:fillRef idx="1">
-            <a:schemeClr val="accent1"/>
-          </a:fillRef>
-          <a:effectRef idx="0">
-            <a:schemeClr val="accent1"/>
-          </a:effectRef>
-          <a:fontRef idx="minor">
-            <a:schemeClr val="lt1"/>
-          </a:fontRef>
-        </p:style>
-        <p:txBody>
-          <a:bodyPr rtlCol="0" anchor="ctr"/>
-          <a:lstStyle/>
-          <a:p>
-            <a:pPr algn="ctr"/>
-            <a:endParaRPr lang="en-US" dirty="0"/>
-          </a:p>
-        </p:txBody>
-      </p:sp>
-      <p:sp>
-        <p:nvSpPr>
-          <p:cNvPr id="65" name="Picture Placeholder 64">
-            <a:extLst>
-              <a:ext uri="{FF2B5EF4-FFF2-40B4-BE49-F238E27FC236}">
-                <a16:creationId xmlns:a16="http://schemas.microsoft.com/office/drawing/2014/main" id="{D60E3C33-714C-4528-93A6-4470C3E89AE4}"/>
-              </a:ext>
-            </a:extLst>
-          </p:cNvPr>
-          <p:cNvSpPr>
-            <a:spLocks noGrp="1"/>
-          </p:cNvSpPr>
-          <p:nvPr>
-            <p:ph type="pic" sz="quarter" idx="13"/>
-          </p:nvPr>
-        </p:nvSpPr>
-        <p:spPr>
-          <a:xfrm>
-            <a:off x="7710836" y="-2"/>
-            <a:ext cx="4481164" cy="6858002"/>
-          </a:xfrm>
-          <a:custGeom>
-            <a:avLst/>
-            <a:gdLst>
-              <a:gd name="connsiteX0" fmla="*/ 0 w 5332064"/>
-              <a:gd name="connsiteY0" fmla="*/ 0 h 6858002"/>
-              <a:gd name="connsiteX1" fmla="*/ 5332064 w 5332064"/>
-              <a:gd name="connsiteY1" fmla="*/ 0 h 6858002"/>
-              <a:gd name="connsiteX2" fmla="*/ 5332064 w 5332064"/>
-              <a:gd name="connsiteY2" fmla="*/ 6858002 h 6858002"/>
-              <a:gd name="connsiteX3" fmla="*/ 0 w 5332064"/>
-              <a:gd name="connsiteY3" fmla="*/ 6858002 h 6858002"/>
-            </a:gdLst>
-            <a:ahLst/>
-            <a:cxnLst>
-              <a:cxn ang="0">
-                <a:pos x="connsiteX0" y="connsiteY0"/>
-              </a:cxn>
-              <a:cxn ang="0">
-                <a:pos x="connsiteX1" y="connsiteY1"/>
-              </a:cxn>
-              <a:cxn ang="0">
-                <a:pos x="connsiteX2" y="connsiteY2"/>
-              </a:cxn>
-              <a:cxn ang="0">
-                <a:pos x="connsiteX3" y="connsiteY3"/>
-              </a:cxn>
-            </a:cxnLst>
-            <a:rect l="l" t="t" r="r" b="b"/>
-            <a:pathLst>
-              <a:path w="5332064" h="6858002">
-                <a:moveTo>
-                  <a:pt x="0" y="0"/>
-                </a:moveTo>
-                <a:lnTo>
-                  <a:pt x="5332064" y="0"/>
-                </a:lnTo>
-                <a:lnTo>
-                  <a:pt x="5332064" y="6858002"/>
-                </a:lnTo>
-                <a:lnTo>
-                  <a:pt x="0" y="6858002"/>
-                </a:lnTo>
-                <a:close/>
-              </a:path>
-            </a:pathLst>
-          </a:custGeom>
-        </p:spPr>
-        <p:txBody>
-          <a:bodyPr wrap="square" anchor="t">
-            <a:noAutofit/>
-          </a:bodyPr>
-          <a:lstStyle>
-            <a:lvl1pPr marL="0" indent="0" algn="ctr">
-              <a:buNone/>
-              <a:defRPr sz="1400"/>
-            </a:lvl1pPr>
-          </a:lstStyle>
-          <a:p>
-            <a:r>
-              <a:rPr lang="en-US"/>
-              <a:t>Click icon to add picture</a:t>
-            </a:r>
-            <a:endParaRPr lang="en-US" dirty="0"/>
-          </a:p>
-        </p:txBody>
-      </p:sp>
-      <p:sp>
-        <p:nvSpPr>
-          <p:cNvPr id="59" name="Rectangle 58">
-            <a:extLst>
-              <a:ext uri="{FF2B5EF4-FFF2-40B4-BE49-F238E27FC236}">
-                <a16:creationId xmlns:a16="http://schemas.microsoft.com/office/drawing/2014/main" id="{EA124D3C-01E3-4B96-BDF0-54851D1739D0}"/>
-              </a:ext>
-              <a:ext uri="{C183D7F6-B498-43B3-948B-1728B52AA6E4}">
-                <adec:decorative xmlns:adec="http://schemas.microsoft.com/office/drawing/2017/decorative" val="1"/>
-              </a:ext>
-            </a:extLst>
-          </p:cNvPr>
-          <p:cNvSpPr/>
-          <p:nvPr userDrawn="1"/>
-        </p:nvSpPr>
-        <p:spPr>
-          <a:xfrm rot="5400000">
-            <a:off x="4249831" y="3396997"/>
-            <a:ext cx="6858002" cy="64008"/>
-          </a:xfrm>
-          <a:prstGeom prst="rect">
-            <a:avLst/>
-          </a:prstGeom>
-          <a:solidFill>
-            <a:schemeClr val="tx2"/>
-          </a:solidFill>
-          <a:ln>
-            <a:noFill/>
-          </a:ln>
-        </p:spPr>
-        <p:style>
-          <a:lnRef idx="2">
-            <a:schemeClr val="accent1">
-              <a:shade val="50000"/>
-            </a:schemeClr>
-          </a:lnRef>
-          <a:fillRef idx="1">
-            <a:schemeClr val="accent1"/>
-          </a:fillRef>
-          <a:effectRef idx="0">
-            <a:schemeClr val="accent1"/>
-          </a:effectRef>
-          <a:fontRef idx="minor">
-            <a:schemeClr val="lt1"/>
-          </a:fontRef>
-        </p:style>
-        <p:txBody>
-          <a:bodyPr rtlCol="0" anchor="ctr"/>
-          <a:lstStyle/>
-          <a:p>
-            <a:pPr algn="ctr"/>
-            <a:endParaRPr lang="en-US" dirty="0"/>
-          </a:p>
-        </p:txBody>
-      </p:sp>
-    </p:spTree>
-    <p:extLst>
-      <p:ext uri="{BB962C8B-B14F-4D97-AF65-F5344CB8AC3E}">
-        <p14:creationId xmlns:p14="http://schemas.microsoft.com/office/powerpoint/2010/main" val="3991430795"/>
-      </p:ext>
-    </p:extLst>
-  </p:cSld>
-  <p:clrMapOvr>
-    <a:masterClrMapping/>
-  </p:clrMapOvr>
-  <p:extLst>
-    <p:ext uri="{DCECCB84-F9BA-43D5-87BE-67443E8EF086}">
-      <p15:sldGuideLst xmlns:p15="http://schemas.microsoft.com/office/powerpoint/2012/main">
-        <p15:guide id="1" orient="horz" pos="4056">
-          <p15:clr>
-            <a:srgbClr val="FBAE40"/>
-          </p15:clr>
-        </p15:guide>
-      </p15:sldGuideLst>
-    </p:ext>
-  </p:extLst>
-</p:sldLayout>
-</file>
-
-<file path=ppt/slideLayouts/slideLayout14.xml><?xml version="1.0" encoding="utf-8"?>
-<p:sldLayout xmlns:a="http://schemas.openxmlformats.org/drawingml/2006/main" xmlns:r="http://schemas.openxmlformats.org/officeDocument/2006/relationships" xmlns:p="http://schemas.openxmlformats.org/presentationml/2006/main" userDrawn="1">
-  <p:cSld name="Title + Subtitle + Picture">
-    <p:spTree>
-      <p:nvGrpSpPr>
-        <p:cNvPr id="1" name=""/>
-        <p:cNvGrpSpPr/>
-        <p:nvPr/>
-      </p:nvGrpSpPr>
-      <p:grpSpPr>
-        <a:xfrm>
-          <a:off x="0" y="0"/>
-          <a:ext cx="0" cy="0"/>
-          <a:chOff x="0" y="0"/>
-          <a:chExt cx="0" cy="0"/>
-        </a:xfrm>
-      </p:grpSpPr>
-      <p:sp useBgFill="1">
-        <p:nvSpPr>
-          <p:cNvPr id="24" name="Rectangle 23">
-            <a:extLst>
-              <a:ext uri="{FF2B5EF4-FFF2-40B4-BE49-F238E27FC236}">
-                <a16:creationId xmlns:a16="http://schemas.microsoft.com/office/drawing/2014/main" id="{E7E77A60-3019-43AE-AA38-E130C04CFD8D}"/>
-              </a:ext>
-              <a:ext uri="{C183D7F6-B498-43B3-948B-1728B52AA6E4}">
-                <adec:decorative xmlns:adec="http://schemas.microsoft.com/office/drawing/2017/decorative" val="1"/>
-              </a:ext>
-            </a:extLst>
-          </p:cNvPr>
-          <p:cNvSpPr/>
-          <p:nvPr userDrawn="1"/>
-        </p:nvSpPr>
-        <p:spPr>
-          <a:xfrm>
-            <a:off x="0" y="0"/>
-            <a:ext cx="12192001" cy="6858000"/>
-          </a:xfrm>
-          <a:prstGeom prst="rect">
-            <a:avLst/>
-          </a:prstGeom>
-          <a:ln>
-            <a:noFill/>
-          </a:ln>
-        </p:spPr>
-        <p:style>
-          <a:lnRef idx="2">
-            <a:schemeClr val="accent1">
-              <a:shade val="50000"/>
-            </a:schemeClr>
-          </a:lnRef>
-          <a:fillRef idx="1">
-            <a:schemeClr val="accent1"/>
-          </a:fillRef>
-          <a:effectRef idx="0">
-            <a:schemeClr val="accent1"/>
-          </a:effectRef>
-          <a:fontRef idx="minor">
-            <a:schemeClr val="lt1"/>
-          </a:fontRef>
-        </p:style>
-        <p:txBody>
-          <a:bodyPr rtlCol="0" anchor="ctr"/>
-          <a:lstStyle/>
-          <a:p>
-            <a:pPr algn="ctr"/>
-            <a:endParaRPr lang="en-US" dirty="0"/>
-          </a:p>
-        </p:txBody>
-      </p:sp>
-      <p:sp>
-        <p:nvSpPr>
-          <p:cNvPr id="25" name="Rectangle 24">
-            <a:extLst>
-              <a:ext uri="{FF2B5EF4-FFF2-40B4-BE49-F238E27FC236}">
-                <a16:creationId xmlns:a16="http://schemas.microsoft.com/office/drawing/2014/main" id="{3FDBF0FB-88D2-4271-BFAF-D129CF8C2F68}"/>
-              </a:ext>
-              <a:ext uri="{C183D7F6-B498-43B3-948B-1728B52AA6E4}">
-                <adec:decorative xmlns:adec="http://schemas.microsoft.com/office/drawing/2017/decorative" val="1"/>
-              </a:ext>
-            </a:extLst>
-          </p:cNvPr>
-          <p:cNvSpPr/>
-          <p:nvPr userDrawn="1"/>
-        </p:nvSpPr>
-        <p:spPr>
-          <a:xfrm>
-            <a:off x="6410325" y="-4078"/>
-            <a:ext cx="5787773" cy="1056542"/>
-          </a:xfrm>
-          <a:prstGeom prst="rect">
-            <a:avLst/>
-          </a:prstGeom>
-          <a:solidFill>
-            <a:schemeClr val="tx2"/>
-          </a:solidFill>
-          <a:ln>
-            <a:noFill/>
-          </a:ln>
-        </p:spPr>
-        <p:style>
-          <a:lnRef idx="2">
-            <a:schemeClr val="accent1">
-              <a:shade val="50000"/>
-            </a:schemeClr>
-          </a:lnRef>
-          <a:fillRef idx="1">
-            <a:schemeClr val="accent1"/>
-          </a:fillRef>
-          <a:effectRef idx="0">
-            <a:schemeClr val="accent1"/>
-          </a:effectRef>
-          <a:fontRef idx="minor">
-            <a:schemeClr val="lt1"/>
-          </a:fontRef>
-        </p:style>
-        <p:txBody>
-          <a:bodyPr rtlCol="0" anchor="ctr"/>
-          <a:lstStyle/>
-          <a:p>
-            <a:pPr algn="ctr"/>
-            <a:endParaRPr lang="en-US" dirty="0"/>
-          </a:p>
-        </p:txBody>
-      </p:sp>
-      <p:sp>
-        <p:nvSpPr>
-          <p:cNvPr id="27" name="Rectangle 26">
-            <a:extLst>
-              <a:ext uri="{FF2B5EF4-FFF2-40B4-BE49-F238E27FC236}">
-                <a16:creationId xmlns:a16="http://schemas.microsoft.com/office/drawing/2014/main" id="{862B807B-6DFA-471C-B675-016416207F0E}"/>
-              </a:ext>
-              <a:ext uri="{C183D7F6-B498-43B3-948B-1728B52AA6E4}">
-                <adec:decorative xmlns:adec="http://schemas.microsoft.com/office/drawing/2017/decorative" val="1"/>
-              </a:ext>
-            </a:extLst>
-          </p:cNvPr>
-          <p:cNvSpPr/>
-          <p:nvPr userDrawn="1"/>
-        </p:nvSpPr>
-        <p:spPr>
-          <a:xfrm>
-            <a:off x="1524" y="1031500"/>
-            <a:ext cx="12190475" cy="64160"/>
-          </a:xfrm>
-          <a:prstGeom prst="rect">
-            <a:avLst/>
-          </a:prstGeom>
-          <a:solidFill>
-            <a:schemeClr val="tx2"/>
-          </a:solidFill>
-          <a:ln>
-            <a:noFill/>
-          </a:ln>
-        </p:spPr>
-        <p:style>
-          <a:lnRef idx="2">
-            <a:schemeClr val="accent1">
-              <a:shade val="50000"/>
-            </a:schemeClr>
-          </a:lnRef>
-          <a:fillRef idx="1">
-            <a:schemeClr val="accent1"/>
-          </a:fillRef>
-          <a:effectRef idx="0">
-            <a:schemeClr val="accent1"/>
-          </a:effectRef>
-          <a:fontRef idx="minor">
-            <a:schemeClr val="lt1"/>
-          </a:fontRef>
-        </p:style>
-        <p:txBody>
-          <a:bodyPr rtlCol="0" anchor="ctr"/>
-          <a:lstStyle/>
-          <a:p>
-            <a:pPr algn="ctr"/>
-            <a:endParaRPr lang="en-US" dirty="0"/>
-          </a:p>
-        </p:txBody>
-      </p:sp>
-      <p:sp>
-        <p:nvSpPr>
-          <p:cNvPr id="28" name="Rectangle 27">
-            <a:extLst>
-              <a:ext uri="{FF2B5EF4-FFF2-40B4-BE49-F238E27FC236}">
-                <a16:creationId xmlns:a16="http://schemas.microsoft.com/office/drawing/2014/main" id="{0555D4C0-9882-489D-AD77-A9F38B3784A6}"/>
-              </a:ext>
-              <a:ext uri="{C183D7F6-B498-43B3-948B-1728B52AA6E4}">
-                <adec:decorative xmlns:adec="http://schemas.microsoft.com/office/drawing/2017/decorative" val="1"/>
-              </a:ext>
-            </a:extLst>
-          </p:cNvPr>
-          <p:cNvSpPr/>
-          <p:nvPr userDrawn="1"/>
-        </p:nvSpPr>
-        <p:spPr>
-          <a:xfrm>
-            <a:off x="6446677" y="1095508"/>
-            <a:ext cx="5742273" cy="5016893"/>
-          </a:xfrm>
-          <a:prstGeom prst="rect">
-            <a:avLst/>
-          </a:prstGeom>
-          <a:solidFill>
-            <a:schemeClr val="bg1">
-              <a:alpha val="75000"/>
-            </a:schemeClr>
-          </a:solidFill>
-          <a:ln>
-            <a:noFill/>
-          </a:ln>
-        </p:spPr>
-        <p:style>
-          <a:lnRef idx="2">
-            <a:schemeClr val="accent1">
-              <a:shade val="50000"/>
-            </a:schemeClr>
-          </a:lnRef>
-          <a:fillRef idx="1">
-            <a:schemeClr val="accent1"/>
-          </a:fillRef>
-          <a:effectRef idx="0">
-            <a:schemeClr val="accent1"/>
-          </a:effectRef>
-          <a:fontRef idx="minor">
-            <a:schemeClr val="lt1"/>
-          </a:fontRef>
-        </p:style>
-        <p:txBody>
-          <a:bodyPr rtlCol="0" anchor="ctr"/>
-          <a:lstStyle/>
-          <a:p>
-            <a:pPr algn="ctr"/>
-            <a:endParaRPr lang="en-US" dirty="0"/>
-          </a:p>
-        </p:txBody>
-      </p:sp>
-      <p:sp>
-        <p:nvSpPr>
-          <p:cNvPr id="2" name="Title 1">
-            <a:extLst>
-              <a:ext uri="{FF2B5EF4-FFF2-40B4-BE49-F238E27FC236}">
-                <a16:creationId xmlns:a16="http://schemas.microsoft.com/office/drawing/2014/main" id="{D68EC5ED-FCAE-682A-C050-58786819ECD3}"/>
-              </a:ext>
-            </a:extLst>
-          </p:cNvPr>
-          <p:cNvSpPr>
-            <a:spLocks noGrp="1"/>
-          </p:cNvSpPr>
-          <p:nvPr>
-            <p:ph type="title"/>
-          </p:nvPr>
-        </p:nvSpPr>
-        <p:spPr>
-          <a:xfrm>
-            <a:off x="6757416" y="1316736"/>
-            <a:ext cx="5120640" cy="3392424"/>
-          </a:xfrm>
-        </p:spPr>
-        <p:txBody>
-          <a:bodyPr anchor="b"/>
-          <a:lstStyle>
-            <a:lvl1pPr>
-              <a:lnSpc>
-                <a:spcPct val="100000"/>
-              </a:lnSpc>
-              <a:defRPr/>
-            </a:lvl1pPr>
-          </a:lstStyle>
-          <a:p>
-            <a:r>
-              <a:rPr lang="en-US"/>
-              <a:t>Click to edit Master title style</a:t>
-            </a:r>
-          </a:p>
-        </p:txBody>
-      </p:sp>
-      <p:sp>
-        <p:nvSpPr>
-          <p:cNvPr id="30" name="Subtitle 2">
-            <a:extLst>
-              <a:ext uri="{FF2B5EF4-FFF2-40B4-BE49-F238E27FC236}">
-                <a16:creationId xmlns:a16="http://schemas.microsoft.com/office/drawing/2014/main" id="{15C8BDC7-F09C-40A3-B14E-9A49781EE6CE}"/>
-              </a:ext>
-            </a:extLst>
-          </p:cNvPr>
-          <p:cNvSpPr>
-            <a:spLocks noGrp="1"/>
-          </p:cNvSpPr>
-          <p:nvPr>
-            <p:ph type="subTitle" idx="1" hasCustomPrompt="1"/>
-          </p:nvPr>
-        </p:nvSpPr>
-        <p:spPr>
-          <a:xfrm>
-            <a:off x="6749828" y="4816366"/>
-            <a:ext cx="5125300" cy="1068929"/>
-          </a:xfrm>
-        </p:spPr>
-        <p:txBody>
-          <a:bodyPr anchor="t" anchorCtr="0">
-            <a:noAutofit/>
-          </a:bodyPr>
-          <a:lstStyle>
-            <a:lvl1pPr marL="0" indent="0">
-              <a:lnSpc>
-                <a:spcPct val="100000"/>
-              </a:lnSpc>
-              <a:buNone/>
-              <a:defRPr sz="2000" b="0"/>
-            </a:lvl1pPr>
-          </a:lstStyle>
-          <a:p>
-            <a:r>
-              <a:rPr lang="en-US" sz="2000" dirty="0">
-                <a:solidFill>
-                  <a:schemeClr val="tx2"/>
-                </a:solidFill>
-              </a:rPr>
-              <a:t>Click to add subtitle</a:t>
-            </a:r>
-          </a:p>
-        </p:txBody>
-      </p:sp>
-      <p:sp>
-        <p:nvSpPr>
-          <p:cNvPr id="40" name="Picture Placeholder 38">
-            <a:extLst>
-              <a:ext uri="{FF2B5EF4-FFF2-40B4-BE49-F238E27FC236}">
-                <a16:creationId xmlns:a16="http://schemas.microsoft.com/office/drawing/2014/main" id="{AB2070F4-085F-4F8D-A1E8-A58E5F8F0687}"/>
-              </a:ext>
-            </a:extLst>
-          </p:cNvPr>
-          <p:cNvSpPr>
-            <a:spLocks noGrp="1"/>
-          </p:cNvSpPr>
-          <p:nvPr>
-            <p:ph type="pic" sz="quarter" idx="13"/>
-          </p:nvPr>
-        </p:nvSpPr>
-        <p:spPr>
-          <a:xfrm>
-            <a:off x="-6099" y="1095509"/>
-            <a:ext cx="6391656" cy="5016892"/>
-          </a:xfrm>
-        </p:spPr>
-        <p:txBody>
-          <a:bodyPr anchor="t">
-            <a:normAutofit/>
-          </a:bodyPr>
-          <a:lstStyle>
-            <a:lvl1pPr marL="0" indent="0" algn="ctr">
-              <a:buNone/>
-              <a:defRPr sz="1400"/>
-            </a:lvl1pPr>
-          </a:lstStyle>
-          <a:p>
-            <a:r>
-              <a:rPr lang="en-US"/>
-              <a:t>Click icon to add picture</a:t>
-            </a:r>
-            <a:endParaRPr lang="en-US" dirty="0"/>
-          </a:p>
-        </p:txBody>
-      </p:sp>
-      <p:sp>
-        <p:nvSpPr>
-          <p:cNvPr id="32" name="Rectangle 31">
-            <a:extLst>
-              <a:ext uri="{FF2B5EF4-FFF2-40B4-BE49-F238E27FC236}">
-                <a16:creationId xmlns:a16="http://schemas.microsoft.com/office/drawing/2014/main" id="{247A5DB4-1ED7-4630-89AF-F1802E44EF89}"/>
-              </a:ext>
-              <a:ext uri="{C183D7F6-B498-43B3-948B-1728B52AA6E4}">
-                <adec:decorative xmlns:adec="http://schemas.microsoft.com/office/drawing/2017/decorative" val="1"/>
-              </a:ext>
-            </a:extLst>
-          </p:cNvPr>
-          <p:cNvSpPr/>
-          <p:nvPr userDrawn="1"/>
-        </p:nvSpPr>
-        <p:spPr>
-          <a:xfrm>
-            <a:off x="0" y="6144405"/>
-            <a:ext cx="6446677" cy="713595"/>
-          </a:xfrm>
-          <a:prstGeom prst="rect">
-            <a:avLst/>
-          </a:prstGeom>
-          <a:solidFill>
-            <a:schemeClr val="tx2"/>
-          </a:solidFill>
-          <a:ln>
-            <a:noFill/>
-          </a:ln>
-        </p:spPr>
-        <p:style>
-          <a:lnRef idx="2">
-            <a:schemeClr val="accent1">
-              <a:shade val="50000"/>
-            </a:schemeClr>
-          </a:lnRef>
-          <a:fillRef idx="1">
-            <a:schemeClr val="accent1"/>
-          </a:fillRef>
-          <a:effectRef idx="0">
-            <a:schemeClr val="accent1"/>
-          </a:effectRef>
-          <a:fontRef idx="minor">
-            <a:schemeClr val="lt1"/>
-          </a:fontRef>
-        </p:style>
-        <p:txBody>
-          <a:bodyPr rtlCol="0" anchor="ctr"/>
-          <a:lstStyle/>
-          <a:p>
-            <a:pPr algn="ctr"/>
-            <a:endParaRPr lang="en-US" dirty="0"/>
-          </a:p>
-        </p:txBody>
-      </p:sp>
-      <p:sp>
-        <p:nvSpPr>
-          <p:cNvPr id="33" name="Rectangle 32">
-            <a:extLst>
-              <a:ext uri="{FF2B5EF4-FFF2-40B4-BE49-F238E27FC236}">
-                <a16:creationId xmlns:a16="http://schemas.microsoft.com/office/drawing/2014/main" id="{6E5D4012-4107-490F-A369-EA7063242A98}"/>
-              </a:ext>
-              <a:ext uri="{C183D7F6-B498-43B3-948B-1728B52AA6E4}">
-                <adec:decorative xmlns:adec="http://schemas.microsoft.com/office/drawing/2017/decorative" val="1"/>
-              </a:ext>
-            </a:extLst>
-          </p:cNvPr>
-          <p:cNvSpPr/>
-          <p:nvPr userDrawn="1"/>
-        </p:nvSpPr>
-        <p:spPr>
-          <a:xfrm>
-            <a:off x="6446677" y="6167615"/>
-            <a:ext cx="5742273" cy="690385"/>
-          </a:xfrm>
-          <a:prstGeom prst="rect">
-            <a:avLst/>
-          </a:prstGeom>
-          <a:solidFill>
-            <a:schemeClr val="bg1">
-              <a:alpha val="75000"/>
-            </a:schemeClr>
-          </a:solidFill>
-          <a:ln>
-            <a:noFill/>
-          </a:ln>
-        </p:spPr>
-        <p:style>
-          <a:lnRef idx="2">
-            <a:schemeClr val="accent1">
-              <a:shade val="50000"/>
-            </a:schemeClr>
-          </a:lnRef>
-          <a:fillRef idx="1">
-            <a:schemeClr val="accent1"/>
-          </a:fillRef>
-          <a:effectRef idx="0">
-            <a:schemeClr val="accent1"/>
-          </a:effectRef>
-          <a:fontRef idx="minor">
-            <a:schemeClr val="lt1"/>
-          </a:fontRef>
-        </p:style>
-        <p:txBody>
-          <a:bodyPr rtlCol="0" anchor="ctr"/>
-          <a:lstStyle/>
-          <a:p>
-            <a:pPr algn="ctr"/>
-            <a:endParaRPr lang="en-US" dirty="0"/>
-          </a:p>
-        </p:txBody>
-      </p:sp>
-      <p:sp>
-        <p:nvSpPr>
-          <p:cNvPr id="34" name="Rectangle 33">
-            <a:extLst>
-              <a:ext uri="{FF2B5EF4-FFF2-40B4-BE49-F238E27FC236}">
-                <a16:creationId xmlns:a16="http://schemas.microsoft.com/office/drawing/2014/main" id="{795C79E2-9EA5-4713-B4AF-0E4572CFFA2F}"/>
-              </a:ext>
-              <a:ext uri="{C183D7F6-B498-43B3-948B-1728B52AA6E4}">
-                <adec:decorative xmlns:adec="http://schemas.microsoft.com/office/drawing/2017/decorative" val="1"/>
-              </a:ext>
-            </a:extLst>
-          </p:cNvPr>
-          <p:cNvSpPr/>
-          <p:nvPr userDrawn="1"/>
-        </p:nvSpPr>
-        <p:spPr>
-          <a:xfrm>
-            <a:off x="1524" y="6112249"/>
-            <a:ext cx="12190475" cy="64160"/>
-          </a:xfrm>
-          <a:prstGeom prst="rect">
-            <a:avLst/>
-          </a:prstGeom>
-          <a:solidFill>
-            <a:schemeClr val="tx2"/>
-          </a:solidFill>
-          <a:ln>
-            <a:noFill/>
-          </a:ln>
-        </p:spPr>
-        <p:style>
-          <a:lnRef idx="2">
-            <a:schemeClr val="accent1">
-              <a:shade val="50000"/>
-            </a:schemeClr>
-          </a:lnRef>
-          <a:fillRef idx="1">
-            <a:schemeClr val="accent1"/>
-          </a:fillRef>
-          <a:effectRef idx="0">
-            <a:schemeClr val="accent1"/>
-          </a:effectRef>
-          <a:fontRef idx="minor">
-            <a:schemeClr val="lt1"/>
-          </a:fontRef>
-        </p:style>
-        <p:txBody>
-          <a:bodyPr rtlCol="0" anchor="ctr"/>
-          <a:lstStyle/>
-          <a:p>
-            <a:pPr algn="ctr"/>
-            <a:endParaRPr lang="en-US" dirty="0"/>
-          </a:p>
-        </p:txBody>
-      </p:sp>
-      <p:sp>
-        <p:nvSpPr>
-          <p:cNvPr id="36" name="Rectangle 35">
-            <a:extLst>
-              <a:ext uri="{FF2B5EF4-FFF2-40B4-BE49-F238E27FC236}">
-                <a16:creationId xmlns:a16="http://schemas.microsoft.com/office/drawing/2014/main" id="{274C09E2-06F0-4230-8DAD-A0DBF01F8603}"/>
-              </a:ext>
-              <a:ext uri="{C183D7F6-B498-43B3-948B-1728B52AA6E4}">
-                <adec:decorative xmlns:adec="http://schemas.microsoft.com/office/drawing/2017/decorative" val="1"/>
-              </a:ext>
-            </a:extLst>
-          </p:cNvPr>
-          <p:cNvSpPr/>
-          <p:nvPr userDrawn="1"/>
-        </p:nvSpPr>
-        <p:spPr>
-          <a:xfrm>
-            <a:off x="6379494" y="0"/>
-            <a:ext cx="64008" cy="6858000"/>
-          </a:xfrm>
-          <a:prstGeom prst="rect">
-            <a:avLst/>
-          </a:prstGeom>
-          <a:solidFill>
-            <a:schemeClr val="tx2"/>
-          </a:solidFill>
-          <a:ln>
-            <a:noFill/>
-          </a:ln>
-        </p:spPr>
-        <p:style>
-          <a:lnRef idx="2">
-            <a:schemeClr val="accent1">
-              <a:shade val="50000"/>
-            </a:schemeClr>
-          </a:lnRef>
-          <a:fillRef idx="1">
-            <a:schemeClr val="accent1"/>
-          </a:fillRef>
-          <a:effectRef idx="0">
-            <a:schemeClr val="accent1"/>
-          </a:effectRef>
-          <a:fontRef idx="minor">
-            <a:schemeClr val="lt1"/>
-          </a:fontRef>
-        </p:style>
-        <p:txBody>
-          <a:bodyPr rtlCol="0" anchor="ctr"/>
-          <a:lstStyle/>
-          <a:p>
-            <a:pPr algn="ctr"/>
-            <a:endParaRPr lang="en-US" dirty="0"/>
-          </a:p>
-        </p:txBody>
-      </p:sp>
-    </p:spTree>
-    <p:extLst>
-      <p:ext uri="{BB962C8B-B14F-4D97-AF65-F5344CB8AC3E}">
-        <p14:creationId xmlns:p14="http://schemas.microsoft.com/office/powerpoint/2010/main" val="700742791"/>
-      </p:ext>
-    </p:extLst>
-  </p:cSld>
-  <p:clrMapOvr>
-    <a:masterClrMapping/>
-  </p:clrMapOvr>
-</p:sldLayout>
-</file>
-
-<file path=ppt/slideLayouts/slideLayout15.xml><?xml version="1.0" encoding="utf-8"?>
-<p:sldLayout xmlns:a="http://schemas.openxmlformats.org/drawingml/2006/main" xmlns:r="http://schemas.openxmlformats.org/officeDocument/2006/relationships" xmlns:p="http://schemas.openxmlformats.org/presentationml/2006/main" showMasterSp="0" userDrawn="1">
-  <p:cSld name="Content + Picture">
-    <p:spTree>
-      <p:nvGrpSpPr>
-        <p:cNvPr id="1" name=""/>
-        <p:cNvGrpSpPr/>
-        <p:nvPr/>
-      </p:nvGrpSpPr>
-      <p:grpSpPr>
-        <a:xfrm>
-          <a:off x="0" y="0"/>
-          <a:ext cx="0" cy="0"/>
-          <a:chOff x="0" y="0"/>
-          <a:chExt cx="0" cy="0"/>
-        </a:xfrm>
-      </p:grpSpPr>
-      <p:sp useBgFill="1">
-        <p:nvSpPr>
-          <p:cNvPr id="22" name="Rectangle 21">
-            <a:extLst>
-              <a:ext uri="{FF2B5EF4-FFF2-40B4-BE49-F238E27FC236}">
-                <a16:creationId xmlns:a16="http://schemas.microsoft.com/office/drawing/2014/main" id="{5C341663-7159-49AD-AAF3-4B3C490D8123}"/>
-              </a:ext>
-              <a:ext uri="{C183D7F6-B498-43B3-948B-1728B52AA6E4}">
-                <adec:decorative xmlns:adec="http://schemas.microsoft.com/office/drawing/2017/decorative" val="1"/>
-              </a:ext>
-            </a:extLst>
-          </p:cNvPr>
-          <p:cNvSpPr/>
-          <p:nvPr userDrawn="1"/>
-        </p:nvSpPr>
-        <p:spPr>
-          <a:xfrm flipH="1">
-            <a:off x="0" y="0"/>
-            <a:ext cx="12192001" cy="6858000"/>
-          </a:xfrm>
-          <a:prstGeom prst="rect">
-            <a:avLst/>
-          </a:prstGeom>
-          <a:ln>
-            <a:noFill/>
-          </a:ln>
-        </p:spPr>
-        <p:style>
-          <a:lnRef idx="2">
-            <a:schemeClr val="accent1">
-              <a:shade val="50000"/>
-            </a:schemeClr>
-          </a:lnRef>
-          <a:fillRef idx="1">
-            <a:schemeClr val="accent1"/>
-          </a:fillRef>
-          <a:effectRef idx="0">
-            <a:schemeClr val="accent1"/>
-          </a:effectRef>
-          <a:fontRef idx="minor">
-            <a:schemeClr val="lt1"/>
-          </a:fontRef>
-        </p:style>
-        <p:txBody>
-          <a:bodyPr rtlCol="0" anchor="ctr"/>
-          <a:lstStyle/>
-          <a:p>
-            <a:pPr algn="ctr"/>
-            <a:endParaRPr lang="en-US" dirty="0"/>
-          </a:p>
-        </p:txBody>
-      </p:sp>
-      <p:sp>
-        <p:nvSpPr>
-          <p:cNvPr id="27" name="Rectangle 26">
-            <a:extLst>
-              <a:ext uri="{FF2B5EF4-FFF2-40B4-BE49-F238E27FC236}">
-                <a16:creationId xmlns:a16="http://schemas.microsoft.com/office/drawing/2014/main" id="{20F2EB12-394C-40E4-9186-CBD6635B5DA9}"/>
-              </a:ext>
-              <a:ext uri="{C183D7F6-B498-43B3-948B-1728B52AA6E4}">
-                <adec:decorative xmlns:adec="http://schemas.microsoft.com/office/drawing/2017/decorative" val="1"/>
-              </a:ext>
-            </a:extLst>
-          </p:cNvPr>
-          <p:cNvSpPr/>
-          <p:nvPr userDrawn="1"/>
-        </p:nvSpPr>
-        <p:spPr>
-          <a:xfrm>
-            <a:off x="4677552" y="0"/>
-            <a:ext cx="7514448" cy="6858000"/>
-          </a:xfrm>
-          <a:prstGeom prst="rect">
-            <a:avLst/>
-          </a:prstGeom>
-          <a:solidFill>
-            <a:schemeClr val="bg1">
-              <a:alpha val="75000"/>
-            </a:schemeClr>
-          </a:solidFill>
-          <a:ln>
-            <a:noFill/>
-          </a:ln>
-        </p:spPr>
-        <p:style>
-          <a:lnRef idx="2">
-            <a:schemeClr val="accent1">
-              <a:shade val="50000"/>
-            </a:schemeClr>
-          </a:lnRef>
-          <a:fillRef idx="1">
-            <a:schemeClr val="accent1"/>
-          </a:fillRef>
-          <a:effectRef idx="0">
-            <a:schemeClr val="accent1"/>
-          </a:effectRef>
-          <a:fontRef idx="minor">
-            <a:schemeClr val="lt1"/>
-          </a:fontRef>
-        </p:style>
-        <p:txBody>
-          <a:bodyPr rtlCol="0" anchor="ctr"/>
-          <a:lstStyle/>
-          <a:p>
-            <a:pPr algn="ctr"/>
-            <a:endParaRPr lang="en-US" dirty="0"/>
-          </a:p>
-        </p:txBody>
-      </p:sp>
-      <p:sp>
-        <p:nvSpPr>
-          <p:cNvPr id="28" name="Title 1">
-            <a:extLst>
-              <a:ext uri="{FF2B5EF4-FFF2-40B4-BE49-F238E27FC236}">
-                <a16:creationId xmlns:a16="http://schemas.microsoft.com/office/drawing/2014/main" id="{53F9468C-8821-4670-9C7C-78E7D75861AD}"/>
-              </a:ext>
-            </a:extLst>
-          </p:cNvPr>
-          <p:cNvSpPr>
-            <a:spLocks noGrp="1"/>
-          </p:cNvSpPr>
-          <p:nvPr>
-            <p:ph type="title" hasCustomPrompt="1"/>
-          </p:nvPr>
-        </p:nvSpPr>
-        <p:spPr>
-          <a:xfrm>
-            <a:off x="5141023" y="167463"/>
-            <a:ext cx="6408058" cy="1580890"/>
-          </a:xfrm>
-        </p:spPr>
-        <p:txBody>
-          <a:bodyPr anchor="b" anchorCtr="0">
-            <a:noAutofit/>
-          </a:bodyPr>
-          <a:lstStyle>
-            <a:lvl1pPr>
-              <a:lnSpc>
-                <a:spcPct val="100000"/>
-              </a:lnSpc>
-              <a:defRPr sz="3200"/>
-            </a:lvl1pPr>
-          </a:lstStyle>
-          <a:p>
-            <a:r>
-              <a:rPr lang="en-US" dirty="0"/>
-              <a:t>Click to add title</a:t>
-            </a:r>
-          </a:p>
-        </p:txBody>
-      </p:sp>
-      <p:sp>
-        <p:nvSpPr>
-          <p:cNvPr id="4" name="Content Placeholder 3">
-            <a:extLst>
-              <a:ext uri="{FF2B5EF4-FFF2-40B4-BE49-F238E27FC236}">
-                <a16:creationId xmlns:a16="http://schemas.microsoft.com/office/drawing/2014/main" id="{FFD78806-0532-B92A-4326-73941B4232E7}"/>
-              </a:ext>
-            </a:extLst>
-          </p:cNvPr>
-          <p:cNvSpPr>
-            <a:spLocks noGrp="1"/>
-          </p:cNvSpPr>
-          <p:nvPr>
-            <p:ph sz="quarter" idx="16" hasCustomPrompt="1"/>
-          </p:nvPr>
-        </p:nvSpPr>
-        <p:spPr>
-          <a:xfrm>
-            <a:off x="0" y="0"/>
-            <a:ext cx="4613275" cy="6858000"/>
-          </a:xfrm>
-        </p:spPr>
-        <p:txBody>
-          <a:bodyPr/>
-          <a:lstStyle>
-            <a:lvl1pPr>
-              <a:defRPr/>
-            </a:lvl1pPr>
-          </a:lstStyle>
-          <a:p>
-            <a:pPr lvl="0"/>
-            <a:r>
-              <a:rPr lang="en-US" dirty="0"/>
-              <a:t>Click to add content</a:t>
-            </a:r>
-          </a:p>
-          <a:p>
-            <a:pPr lvl="1"/>
-            <a:r>
-              <a:rPr lang="en-US" dirty="0"/>
-              <a:t>Second level</a:t>
-            </a:r>
-          </a:p>
-          <a:p>
-            <a:pPr lvl="2"/>
-            <a:r>
-              <a:rPr lang="en-US" dirty="0"/>
-              <a:t>Third level</a:t>
-            </a:r>
-          </a:p>
-          <a:p>
-            <a:pPr lvl="3"/>
-            <a:r>
-              <a:rPr lang="en-US" dirty="0"/>
-              <a:t>Fourth level</a:t>
-            </a:r>
-          </a:p>
-          <a:p>
-            <a:pPr lvl="4"/>
-            <a:r>
-              <a:rPr lang="en-US" dirty="0"/>
-              <a:t>Fifth level</a:t>
-            </a:r>
-          </a:p>
-        </p:txBody>
-      </p:sp>
-      <p:sp>
-        <p:nvSpPr>
-          <p:cNvPr id="24" name="Rectangle 23">
-            <a:extLst>
-              <a:ext uri="{FF2B5EF4-FFF2-40B4-BE49-F238E27FC236}">
-                <a16:creationId xmlns:a16="http://schemas.microsoft.com/office/drawing/2014/main" id="{D83D2425-8E71-4C9D-8737-018CE44525D0}"/>
-              </a:ext>
-              <a:ext uri="{C183D7F6-B498-43B3-948B-1728B52AA6E4}">
-                <adec:decorative xmlns:adec="http://schemas.microsoft.com/office/drawing/2017/decorative" val="1"/>
-              </a:ext>
-            </a:extLst>
-          </p:cNvPr>
-          <p:cNvSpPr/>
-          <p:nvPr userDrawn="1"/>
-        </p:nvSpPr>
-        <p:spPr>
-          <a:xfrm rot="5400000">
-            <a:off x="1216551" y="3396997"/>
-            <a:ext cx="6858002" cy="64008"/>
-          </a:xfrm>
-          <a:prstGeom prst="rect">
-            <a:avLst/>
-          </a:prstGeom>
-          <a:solidFill>
-            <a:schemeClr val="tx2"/>
-          </a:solidFill>
-          <a:ln>
-            <a:noFill/>
-          </a:ln>
-        </p:spPr>
-        <p:style>
-          <a:lnRef idx="2">
-            <a:schemeClr val="accent1">
-              <a:shade val="50000"/>
-            </a:schemeClr>
-          </a:lnRef>
-          <a:fillRef idx="1">
-            <a:schemeClr val="accent1"/>
-          </a:fillRef>
-          <a:effectRef idx="0">
-            <a:schemeClr val="accent1"/>
-          </a:effectRef>
-          <a:fontRef idx="minor">
-            <a:schemeClr val="lt1"/>
-          </a:fontRef>
-        </p:style>
-        <p:txBody>
-          <a:bodyPr rtlCol="0" anchor="ctr"/>
-          <a:lstStyle/>
-          <a:p>
-            <a:pPr algn="ctr"/>
-            <a:endParaRPr lang="en-US" dirty="0"/>
-          </a:p>
-        </p:txBody>
-      </p:sp>
-      <p:sp>
-        <p:nvSpPr>
-          <p:cNvPr id="2" name="Content Placeholder 2">
-            <a:extLst>
-              <a:ext uri="{FF2B5EF4-FFF2-40B4-BE49-F238E27FC236}">
-                <a16:creationId xmlns:a16="http://schemas.microsoft.com/office/drawing/2014/main" id="{DEB24183-BE19-B810-4EF4-D9959CAD150B}"/>
-              </a:ext>
-            </a:extLst>
-          </p:cNvPr>
-          <p:cNvSpPr>
-            <a:spLocks noGrp="1"/>
-          </p:cNvSpPr>
-          <p:nvPr>
-            <p:ph sz="quarter" idx="15" hasCustomPrompt="1"/>
-          </p:nvPr>
-        </p:nvSpPr>
-        <p:spPr>
-          <a:xfrm>
-            <a:off x="5140405" y="1959427"/>
-            <a:ext cx="6408665" cy="4161653"/>
-          </a:xfrm>
-        </p:spPr>
-        <p:txBody>
-          <a:bodyPr anchor="t">
-            <a:normAutofit/>
-          </a:bodyPr>
-          <a:lstStyle>
-            <a:lvl1pPr marL="0" indent="0">
-              <a:lnSpc>
-                <a:spcPct val="100000"/>
-              </a:lnSpc>
-              <a:spcAft>
-                <a:spcPts val="600"/>
-              </a:spcAft>
-              <a:buNone/>
-              <a:defRPr sz="1800" b="0"/>
-            </a:lvl1pPr>
-            <a:lvl2pPr>
-              <a:lnSpc>
-                <a:spcPct val="100000"/>
-              </a:lnSpc>
-              <a:spcAft>
-                <a:spcPts val="600"/>
-              </a:spcAft>
-              <a:defRPr sz="1800"/>
-            </a:lvl2pPr>
-            <a:lvl3pPr>
-              <a:lnSpc>
-                <a:spcPct val="100000"/>
-              </a:lnSpc>
-              <a:spcAft>
-                <a:spcPts val="600"/>
-              </a:spcAft>
-              <a:defRPr sz="1800"/>
-            </a:lvl3pPr>
-            <a:lvl4pPr>
-              <a:lnSpc>
-                <a:spcPct val="100000"/>
-              </a:lnSpc>
-              <a:spcAft>
-                <a:spcPts val="600"/>
-              </a:spcAft>
-              <a:defRPr sz="1800"/>
-            </a:lvl4pPr>
-            <a:lvl5pPr>
-              <a:lnSpc>
-                <a:spcPct val="100000"/>
-              </a:lnSpc>
-              <a:spcAft>
-                <a:spcPts val="600"/>
-              </a:spcAft>
-              <a:defRPr sz="1800"/>
-            </a:lvl5pPr>
-          </a:lstStyle>
-          <a:p>
-            <a:pPr lvl="0"/>
-            <a:r>
-              <a:rPr lang="en-US" dirty="0"/>
-              <a:t>Click to add text</a:t>
-            </a:r>
-          </a:p>
-          <a:p>
-            <a:pPr lvl="1"/>
-            <a:r>
-              <a:rPr lang="en-US" dirty="0"/>
-              <a:t>Second level</a:t>
-            </a:r>
-          </a:p>
-          <a:p>
-            <a:pPr lvl="2"/>
-            <a:r>
-              <a:rPr lang="en-US" dirty="0"/>
-              <a:t>Third level</a:t>
-            </a:r>
-          </a:p>
-          <a:p>
-            <a:pPr lvl="3"/>
-            <a:r>
-              <a:rPr lang="en-US" dirty="0"/>
-              <a:t>Fourth level</a:t>
-            </a:r>
-          </a:p>
-          <a:p>
-            <a:pPr lvl="4"/>
-            <a:r>
-              <a:rPr lang="en-US" dirty="0"/>
-              <a:t>Fifth level</a:t>
-            </a:r>
-          </a:p>
-        </p:txBody>
-      </p:sp>
-      <p:sp>
-        <p:nvSpPr>
-          <p:cNvPr id="8" name="Footer Placeholder 4">
-            <a:extLst>
-              <a:ext uri="{FF2B5EF4-FFF2-40B4-BE49-F238E27FC236}">
-                <a16:creationId xmlns:a16="http://schemas.microsoft.com/office/drawing/2014/main" id="{CD15B6AB-EFBA-3087-EC3D-8DA945B70C0F}"/>
-              </a:ext>
-            </a:extLst>
-          </p:cNvPr>
-          <p:cNvSpPr>
-            <a:spLocks noGrp="1"/>
-          </p:cNvSpPr>
-          <p:nvPr>
-            <p:ph type="ftr" sz="quarter" idx="11"/>
-          </p:nvPr>
-        </p:nvSpPr>
-        <p:spPr>
-          <a:xfrm>
-            <a:off x="5140405" y="6309360"/>
-            <a:ext cx="3982428" cy="457200"/>
-          </a:xfrm>
-        </p:spPr>
-        <p:txBody>
-          <a:bodyPr/>
-          <a:lstStyle>
-            <a:lvl1pPr algn="ctr">
-              <a:defRPr>
-                <a:effectLst/>
-              </a:defRPr>
-            </a:lvl1pPr>
-          </a:lstStyle>
-          <a:p>
-            <a:pPr algn="l"/>
-            <a:r>
-              <a:rPr lang="en-US" dirty="0"/>
-              <a:t>Presentation Title</a:t>
-            </a:r>
-          </a:p>
-        </p:txBody>
-      </p:sp>
-      <p:sp>
-        <p:nvSpPr>
-          <p:cNvPr id="10" name="Date Placeholder 3">
-            <a:extLst>
-              <a:ext uri="{FF2B5EF4-FFF2-40B4-BE49-F238E27FC236}">
-                <a16:creationId xmlns:a16="http://schemas.microsoft.com/office/drawing/2014/main" id="{6A3371A6-1409-7906-744F-59D906DF6755}"/>
-              </a:ext>
-            </a:extLst>
-          </p:cNvPr>
-          <p:cNvSpPr>
-            <a:spLocks noGrp="1"/>
-          </p:cNvSpPr>
-          <p:nvPr>
-            <p:ph type="dt" sz="half" idx="10"/>
-          </p:nvPr>
-        </p:nvSpPr>
-        <p:spPr>
-          <a:xfrm>
-            <a:off x="9238415" y="6309360"/>
-            <a:ext cx="1215204" cy="457200"/>
-          </a:xfrm>
-        </p:spPr>
-        <p:txBody>
-          <a:bodyPr/>
-          <a:lstStyle>
-            <a:lvl1pPr algn="ctr">
-              <a:defRPr>
-                <a:effectLst/>
-              </a:defRPr>
-            </a:lvl1pPr>
-          </a:lstStyle>
-          <a:p>
-            <a:r>
-              <a:rPr lang="en-US" dirty="0">
-                <a:solidFill>
-                  <a:schemeClr val="tx2"/>
-                </a:solidFill>
-              </a:rPr>
-              <a:t>9/8/20XX</a:t>
-            </a:r>
-            <a:endParaRPr lang="en-US" dirty="0"/>
-          </a:p>
-        </p:txBody>
-      </p:sp>
-      <p:sp>
-        <p:nvSpPr>
-          <p:cNvPr id="11" name="Slide Number Placeholder 5">
-            <a:extLst>
-              <a:ext uri="{FF2B5EF4-FFF2-40B4-BE49-F238E27FC236}">
-                <a16:creationId xmlns:a16="http://schemas.microsoft.com/office/drawing/2014/main" id="{8546652F-6212-09E9-1A75-28F7C8EEF073}"/>
-              </a:ext>
-            </a:extLst>
-          </p:cNvPr>
-          <p:cNvSpPr>
-            <a:spLocks noGrp="1"/>
-          </p:cNvSpPr>
-          <p:nvPr>
-            <p:ph type="sldNum" sz="quarter" idx="12"/>
-          </p:nvPr>
-        </p:nvSpPr>
-        <p:spPr>
-          <a:xfrm>
-            <a:off x="10569202" y="6309360"/>
-            <a:ext cx="979879" cy="457200"/>
-          </a:xfrm>
-        </p:spPr>
-        <p:txBody>
-          <a:bodyPr/>
-          <a:lstStyle>
-            <a:lvl1pPr>
-              <a:defRPr sz="1200" b="0"/>
-            </a:lvl1pPr>
-          </a:lstStyle>
-          <a:p>
-            <a:fld id="{FAEF9944-A4F6-4C59-AEBD-678D6480B8EA}" type="slidenum">
-              <a:rPr lang="en-US" smtClean="0"/>
-              <a:pPr/>
-              <a:t>‹#›</a:t>
-            </a:fld>
-            <a:endParaRPr lang="en-US" dirty="0"/>
-          </a:p>
-        </p:txBody>
-      </p:sp>
-    </p:spTree>
-    <p:extLst>
-      <p:ext uri="{BB962C8B-B14F-4D97-AF65-F5344CB8AC3E}">
-        <p14:creationId xmlns:p14="http://schemas.microsoft.com/office/powerpoint/2010/main" val="2768418737"/>
-      </p:ext>
-    </p:extLst>
-  </p:cSld>
-  <p:clrMapOvr>
-    <a:masterClrMapping/>
-  </p:clrMapOvr>
-</p:sldLayout>
-</file>
-
-<file path=ppt/slideLayouts/slideLayout16.xml><?xml version="1.0" encoding="utf-8"?>
-<p:sldLayout xmlns:a="http://schemas.openxmlformats.org/drawingml/2006/main" xmlns:r="http://schemas.openxmlformats.org/officeDocument/2006/relationships" xmlns:p="http://schemas.openxmlformats.org/presentationml/2006/main" showMasterSp="0" userDrawn="1">
-  <p:cSld name="Title + Subtitle">
-    <p:spTree>
-      <p:nvGrpSpPr>
-        <p:cNvPr id="1" name=""/>
-        <p:cNvGrpSpPr/>
-        <p:nvPr/>
-      </p:nvGrpSpPr>
-      <p:grpSpPr>
-        <a:xfrm>
-          <a:off x="0" y="0"/>
-          <a:ext cx="0" cy="0"/>
-          <a:chOff x="0" y="0"/>
-          <a:chExt cx="0" cy="0"/>
-        </a:xfrm>
-      </p:grpSpPr>
-      <p:sp useBgFill="1">
-        <p:nvSpPr>
-          <p:cNvPr id="52" name="Rectangle 51">
-            <a:extLst>
-              <a:ext uri="{FF2B5EF4-FFF2-40B4-BE49-F238E27FC236}">
-                <a16:creationId xmlns:a16="http://schemas.microsoft.com/office/drawing/2014/main" id="{EA8D8870-8337-4ABD-9EA6-3D5AAB7E42D9}"/>
-              </a:ext>
-              <a:ext uri="{C183D7F6-B498-43B3-948B-1728B52AA6E4}">
-                <adec:decorative xmlns:adec="http://schemas.microsoft.com/office/drawing/2017/decorative" val="1"/>
-              </a:ext>
-            </a:extLst>
-          </p:cNvPr>
-          <p:cNvSpPr/>
-          <p:nvPr userDrawn="1"/>
-        </p:nvSpPr>
-        <p:spPr>
-          <a:xfrm flipH="1">
-            <a:off x="0" y="0"/>
-            <a:ext cx="12192001" cy="6858000"/>
-          </a:xfrm>
-          <a:prstGeom prst="rect">
-            <a:avLst/>
-          </a:prstGeom>
-          <a:ln>
-            <a:noFill/>
-          </a:ln>
-        </p:spPr>
-        <p:style>
-          <a:lnRef idx="2">
-            <a:schemeClr val="accent1">
-              <a:shade val="50000"/>
-            </a:schemeClr>
-          </a:lnRef>
-          <a:fillRef idx="1">
-            <a:schemeClr val="accent1"/>
-          </a:fillRef>
-          <a:effectRef idx="0">
-            <a:schemeClr val="accent1"/>
-          </a:effectRef>
-          <a:fontRef idx="minor">
-            <a:schemeClr val="lt1"/>
-          </a:fontRef>
-        </p:style>
-        <p:txBody>
-          <a:bodyPr rtlCol="0" anchor="ctr"/>
-          <a:lstStyle/>
-          <a:p>
-            <a:pPr algn="ctr"/>
-            <a:endParaRPr lang="en-US" dirty="0"/>
-          </a:p>
-        </p:txBody>
-      </p:sp>
-      <p:sp>
-        <p:nvSpPr>
-          <p:cNvPr id="53" name="Rectangle 52">
-            <a:extLst>
-              <a:ext uri="{FF2B5EF4-FFF2-40B4-BE49-F238E27FC236}">
-                <a16:creationId xmlns:a16="http://schemas.microsoft.com/office/drawing/2014/main" id="{BAC3B2DB-2CCA-4BD4-8D63-98257049E273}"/>
-              </a:ext>
-              <a:ext uri="{C183D7F6-B498-43B3-948B-1728B52AA6E4}">
-                <adec:decorative xmlns:adec="http://schemas.microsoft.com/office/drawing/2017/decorative" val="1"/>
-              </a:ext>
-            </a:extLst>
-          </p:cNvPr>
-          <p:cNvSpPr/>
-          <p:nvPr userDrawn="1"/>
-        </p:nvSpPr>
-        <p:spPr>
-          <a:xfrm>
-            <a:off x="0" y="825689"/>
-            <a:ext cx="12192000" cy="5201731"/>
-          </a:xfrm>
-          <a:prstGeom prst="rect">
-            <a:avLst/>
-          </a:prstGeom>
-          <a:solidFill>
-            <a:schemeClr val="tx2"/>
-          </a:solidFill>
-          <a:ln>
-            <a:noFill/>
-          </a:ln>
-        </p:spPr>
-        <p:style>
-          <a:lnRef idx="2">
-            <a:schemeClr val="accent1">
-              <a:shade val="50000"/>
-            </a:schemeClr>
-          </a:lnRef>
-          <a:fillRef idx="1">
-            <a:schemeClr val="accent1"/>
-          </a:fillRef>
-          <a:effectRef idx="0">
-            <a:schemeClr val="accent1"/>
-          </a:effectRef>
-          <a:fontRef idx="minor">
-            <a:schemeClr val="lt1"/>
-          </a:fontRef>
-        </p:style>
-        <p:txBody>
-          <a:bodyPr rtlCol="0" anchor="ctr"/>
-          <a:lstStyle/>
-          <a:p>
-            <a:pPr algn="ctr"/>
-            <a:endParaRPr lang="en-US" dirty="0"/>
-          </a:p>
-        </p:txBody>
-      </p:sp>
-      <p:sp>
-        <p:nvSpPr>
-          <p:cNvPr id="54" name="Title 1">
-            <a:extLst>
-              <a:ext uri="{FF2B5EF4-FFF2-40B4-BE49-F238E27FC236}">
-                <a16:creationId xmlns:a16="http://schemas.microsoft.com/office/drawing/2014/main" id="{324DAAC3-FA37-4838-A298-327679F99F8A}"/>
-              </a:ext>
-            </a:extLst>
-          </p:cNvPr>
-          <p:cNvSpPr>
-            <a:spLocks noGrp="1"/>
-          </p:cNvSpPr>
-          <p:nvPr>
-            <p:ph type="ctrTitle" hasCustomPrompt="1"/>
-          </p:nvPr>
-        </p:nvSpPr>
-        <p:spPr>
-          <a:xfrm>
-            <a:off x="1386628" y="1034477"/>
-            <a:ext cx="9380431" cy="2614551"/>
-          </a:xfrm>
-        </p:spPr>
-        <p:txBody>
-          <a:bodyPr anchor="b" anchorCtr="0">
-            <a:noAutofit/>
-          </a:bodyPr>
-          <a:lstStyle>
-            <a:lvl1pPr algn="l">
-              <a:lnSpc>
-                <a:spcPct val="100000"/>
-              </a:lnSpc>
-              <a:defRPr sz="4800" cap="all" baseline="0">
-                <a:solidFill>
-                  <a:schemeClr val="bg1"/>
-                </a:solidFill>
-              </a:defRPr>
-            </a:lvl1pPr>
-          </a:lstStyle>
-          <a:p>
-            <a:r>
-              <a:rPr lang="en-US" sz="4400" dirty="0">
-                <a:solidFill>
-                  <a:schemeClr val="bg1"/>
-                </a:solidFill>
-              </a:rPr>
-              <a:t>CLICK TO ADD TITLE</a:t>
-            </a:r>
-          </a:p>
-        </p:txBody>
-      </p:sp>
-      <p:sp>
-        <p:nvSpPr>
-          <p:cNvPr id="56" name="Rectangle 55">
-            <a:extLst>
-              <a:ext uri="{FF2B5EF4-FFF2-40B4-BE49-F238E27FC236}">
-                <a16:creationId xmlns:a16="http://schemas.microsoft.com/office/drawing/2014/main" id="{FB792E4C-AD3B-4E88-8540-E75759746368}"/>
-              </a:ext>
-              <a:ext uri="{C183D7F6-B498-43B3-948B-1728B52AA6E4}">
-                <adec:decorative xmlns:adec="http://schemas.microsoft.com/office/drawing/2017/decorative" val="1"/>
-              </a:ext>
-            </a:extLst>
-          </p:cNvPr>
-          <p:cNvSpPr/>
-          <p:nvPr userDrawn="1"/>
-        </p:nvSpPr>
-        <p:spPr>
-          <a:xfrm>
-            <a:off x="-1" y="889696"/>
-            <a:ext cx="1070775" cy="5077717"/>
-          </a:xfrm>
-          <a:prstGeom prst="rect">
-            <a:avLst/>
-          </a:prstGeom>
-          <a:solidFill>
-            <a:schemeClr val="accent1"/>
-          </a:solidFill>
-          <a:ln>
-            <a:noFill/>
-          </a:ln>
-        </p:spPr>
-        <p:style>
-          <a:lnRef idx="2">
-            <a:schemeClr val="accent1">
-              <a:shade val="50000"/>
-            </a:schemeClr>
-          </a:lnRef>
-          <a:fillRef idx="1">
-            <a:schemeClr val="accent1"/>
-          </a:fillRef>
-          <a:effectRef idx="0">
-            <a:schemeClr val="accent1"/>
-          </a:effectRef>
-          <a:fontRef idx="minor">
-            <a:schemeClr val="lt1"/>
-          </a:fontRef>
-        </p:style>
-        <p:txBody>
-          <a:bodyPr rtlCol="0" anchor="ctr"/>
-          <a:lstStyle/>
-          <a:p>
-            <a:pPr algn="ctr"/>
-            <a:endParaRPr lang="en-US" dirty="0"/>
-          </a:p>
-        </p:txBody>
-      </p:sp>
-      <p:sp>
-        <p:nvSpPr>
-          <p:cNvPr id="57" name="Rectangle 56">
-            <a:extLst>
-              <a:ext uri="{FF2B5EF4-FFF2-40B4-BE49-F238E27FC236}">
-                <a16:creationId xmlns:a16="http://schemas.microsoft.com/office/drawing/2014/main" id="{6A32632F-9ED1-4328-BBE3-B4E014156A29}"/>
-              </a:ext>
-              <a:ext uri="{C183D7F6-B498-43B3-948B-1728B52AA6E4}">
-                <adec:decorative xmlns:adec="http://schemas.microsoft.com/office/drawing/2017/decorative" val="1"/>
-              </a:ext>
-            </a:extLst>
-          </p:cNvPr>
-          <p:cNvSpPr/>
-          <p:nvPr userDrawn="1"/>
-        </p:nvSpPr>
-        <p:spPr>
-          <a:xfrm rot="5400000">
-            <a:off x="-2365125" y="3396997"/>
-            <a:ext cx="6858002" cy="64008"/>
-          </a:xfrm>
-          <a:prstGeom prst="rect">
-            <a:avLst/>
-          </a:prstGeom>
-          <a:solidFill>
-            <a:schemeClr val="tx2"/>
-          </a:solidFill>
-          <a:ln>
-            <a:noFill/>
-          </a:ln>
-        </p:spPr>
-        <p:style>
-          <a:lnRef idx="2">
-            <a:schemeClr val="accent1">
-              <a:shade val="50000"/>
-            </a:schemeClr>
-          </a:lnRef>
-          <a:fillRef idx="1">
-            <a:schemeClr val="accent1"/>
-          </a:fillRef>
-          <a:effectRef idx="0">
-            <a:schemeClr val="accent1"/>
-          </a:effectRef>
-          <a:fontRef idx="minor">
-            <a:schemeClr val="lt1"/>
-          </a:fontRef>
-        </p:style>
-        <p:txBody>
-          <a:bodyPr rtlCol="0" anchor="ctr"/>
-          <a:lstStyle/>
-          <a:p>
-            <a:pPr algn="ctr"/>
-            <a:endParaRPr lang="en-US" dirty="0"/>
-          </a:p>
-        </p:txBody>
-      </p:sp>
-      <p:sp>
-        <p:nvSpPr>
-          <p:cNvPr id="59" name="Rectangle 58">
-            <a:extLst>
-              <a:ext uri="{FF2B5EF4-FFF2-40B4-BE49-F238E27FC236}">
-                <a16:creationId xmlns:a16="http://schemas.microsoft.com/office/drawing/2014/main" id="{EA124D3C-01E3-4B96-BDF0-54851D1739D0}"/>
-              </a:ext>
-              <a:ext uri="{C183D7F6-B498-43B3-948B-1728B52AA6E4}">
-                <adec:decorative xmlns:adec="http://schemas.microsoft.com/office/drawing/2017/decorative" val="1"/>
-              </a:ext>
-            </a:extLst>
-          </p:cNvPr>
-          <p:cNvSpPr/>
-          <p:nvPr userDrawn="1"/>
-        </p:nvSpPr>
-        <p:spPr>
-          <a:xfrm rot="5400000">
-            <a:off x="7658511" y="3396997"/>
-            <a:ext cx="6858002" cy="64008"/>
-          </a:xfrm>
-          <a:prstGeom prst="rect">
-            <a:avLst/>
-          </a:prstGeom>
-          <a:solidFill>
-            <a:schemeClr val="tx2"/>
-          </a:solidFill>
-          <a:ln>
-            <a:noFill/>
-          </a:ln>
-        </p:spPr>
-        <p:style>
-          <a:lnRef idx="2">
-            <a:schemeClr val="accent1">
-              <a:shade val="50000"/>
-            </a:schemeClr>
-          </a:lnRef>
-          <a:fillRef idx="1">
-            <a:schemeClr val="accent1"/>
-          </a:fillRef>
-          <a:effectRef idx="0">
-            <a:schemeClr val="accent1"/>
-          </a:effectRef>
-          <a:fontRef idx="minor">
-            <a:schemeClr val="lt1"/>
-          </a:fontRef>
-        </p:style>
-        <p:txBody>
-          <a:bodyPr rtlCol="0" anchor="ctr"/>
-          <a:lstStyle/>
-          <a:p>
-            <a:pPr algn="ctr"/>
-            <a:endParaRPr lang="en-US" dirty="0"/>
-          </a:p>
-        </p:txBody>
-      </p:sp>
-      <p:sp>
-        <p:nvSpPr>
-          <p:cNvPr id="3" name="Rectangle 2">
-            <a:extLst>
-              <a:ext uri="{FF2B5EF4-FFF2-40B4-BE49-F238E27FC236}">
-                <a16:creationId xmlns:a16="http://schemas.microsoft.com/office/drawing/2014/main" id="{167A64FF-37A7-4837-8033-CBEA22697ECA}"/>
-              </a:ext>
-              <a:ext uri="{C183D7F6-B498-43B3-948B-1728B52AA6E4}">
-                <adec:decorative xmlns:adec="http://schemas.microsoft.com/office/drawing/2017/decorative" val="1"/>
-              </a:ext>
-            </a:extLst>
-          </p:cNvPr>
-          <p:cNvSpPr/>
-          <p:nvPr userDrawn="1"/>
-        </p:nvSpPr>
-        <p:spPr>
-          <a:xfrm>
-            <a:off x="11119516" y="896046"/>
-            <a:ext cx="1070775" cy="5077717"/>
-          </a:xfrm>
-          <a:prstGeom prst="rect">
-            <a:avLst/>
-          </a:prstGeom>
-          <a:solidFill>
-            <a:schemeClr val="accent1"/>
-          </a:solidFill>
-          <a:ln>
-            <a:noFill/>
-          </a:ln>
-        </p:spPr>
-        <p:style>
-          <a:lnRef idx="2">
-            <a:schemeClr val="accent1">
-              <a:shade val="50000"/>
-            </a:schemeClr>
-          </a:lnRef>
-          <a:fillRef idx="1">
-            <a:schemeClr val="accent1"/>
-          </a:fillRef>
-          <a:effectRef idx="0">
-            <a:schemeClr val="accent1"/>
-          </a:effectRef>
-          <a:fontRef idx="minor">
-            <a:schemeClr val="lt1"/>
-          </a:fontRef>
-        </p:style>
-        <p:txBody>
-          <a:bodyPr rtlCol="0" anchor="ctr"/>
-          <a:lstStyle/>
-          <a:p>
-            <a:pPr algn="ctr"/>
-            <a:endParaRPr lang="en-US" dirty="0"/>
-          </a:p>
-        </p:txBody>
-      </p:sp>
-      <p:sp>
-        <p:nvSpPr>
-          <p:cNvPr id="5" name="Text Placeholder 4">
-            <a:extLst>
-              <a:ext uri="{FF2B5EF4-FFF2-40B4-BE49-F238E27FC236}">
-                <a16:creationId xmlns:a16="http://schemas.microsoft.com/office/drawing/2014/main" id="{EF94ADB5-E70F-B672-CBEB-D8194AEA79D5}"/>
-              </a:ext>
-            </a:extLst>
-          </p:cNvPr>
-          <p:cNvSpPr>
-            <a:spLocks noGrp="1"/>
-          </p:cNvSpPr>
-          <p:nvPr>
-            <p:ph type="body" sz="quarter" idx="10" hasCustomPrompt="1"/>
-          </p:nvPr>
-        </p:nvSpPr>
-        <p:spPr>
-          <a:xfrm>
-            <a:off x="1386177" y="3649028"/>
-            <a:ext cx="9380431" cy="2164715"/>
-          </a:xfrm>
-        </p:spPr>
-        <p:txBody>
-          <a:bodyPr anchor="t"/>
-          <a:lstStyle>
-            <a:lvl1pPr marL="0" indent="0">
-              <a:lnSpc>
-                <a:spcPct val="125000"/>
-              </a:lnSpc>
-              <a:buNone/>
-              <a:defRPr lang="en-US" sz="2400" b="0" kern="1200" spc="150" baseline="0" dirty="0" smtClean="0">
-                <a:solidFill>
-                  <a:schemeClr val="bg1"/>
-                </a:solidFill>
-                <a:latin typeface="+mn-lt"/>
-                <a:ea typeface="+mn-ea"/>
-                <a:cs typeface="+mn-cs"/>
-              </a:defRPr>
-            </a:lvl1pPr>
-            <a:lvl2pPr>
-              <a:defRPr lang="en-US" sz="2400" b="0" kern="1200" spc="150" baseline="0" dirty="0" smtClean="0">
-                <a:solidFill>
-                  <a:schemeClr val="bg1"/>
-                </a:solidFill>
-                <a:latin typeface="+mn-lt"/>
-                <a:ea typeface="+mn-ea"/>
-                <a:cs typeface="+mn-cs"/>
-              </a:defRPr>
-            </a:lvl2pPr>
-            <a:lvl3pPr>
-              <a:defRPr lang="en-US" sz="2400" b="0" kern="1200" spc="150" baseline="0" dirty="0" smtClean="0">
-                <a:solidFill>
-                  <a:schemeClr val="bg1"/>
-                </a:solidFill>
-                <a:latin typeface="+mn-lt"/>
-                <a:ea typeface="+mn-ea"/>
-                <a:cs typeface="+mn-cs"/>
-              </a:defRPr>
-            </a:lvl3pPr>
-            <a:lvl4pPr>
-              <a:defRPr lang="en-US" sz="2400" b="0" kern="1200" spc="150" baseline="0" dirty="0" smtClean="0">
-                <a:solidFill>
-                  <a:schemeClr val="bg1"/>
-                </a:solidFill>
-                <a:latin typeface="+mn-lt"/>
-                <a:ea typeface="+mn-ea"/>
-                <a:cs typeface="+mn-cs"/>
-              </a:defRPr>
-            </a:lvl4pPr>
-            <a:lvl5pPr>
-              <a:defRPr lang="en-US" sz="2400" b="0" kern="1200" spc="150" baseline="0" dirty="0">
-                <a:solidFill>
-                  <a:schemeClr val="bg1"/>
-                </a:solidFill>
-                <a:latin typeface="+mn-lt"/>
-                <a:ea typeface="+mn-ea"/>
-                <a:cs typeface="+mn-cs"/>
-              </a:defRPr>
-            </a:lvl5pPr>
-          </a:lstStyle>
-          <a:p>
-            <a:pPr lvl="0"/>
-            <a:r>
-              <a:rPr lang="en-US" dirty="0"/>
-              <a:t>Click to add text</a:t>
-            </a:r>
-          </a:p>
-        </p:txBody>
-      </p:sp>
-    </p:spTree>
-    <p:extLst>
-      <p:ext uri="{BB962C8B-B14F-4D97-AF65-F5344CB8AC3E}">
-        <p14:creationId xmlns:p14="http://schemas.microsoft.com/office/powerpoint/2010/main" val="1935738827"/>
-      </p:ext>
-    </p:extLst>
-  </p:cSld>
-  <p:clrMapOvr>
-    <a:masterClrMapping/>
-  </p:clrMapOvr>
-  <p:extLst>
-    <p:ext uri="{DCECCB84-F9BA-43D5-87BE-67443E8EF086}">
-      <p15:sldGuideLst xmlns:p15="http://schemas.microsoft.com/office/powerpoint/2012/main">
-        <p15:guide id="1" orient="horz" pos="4056">
-          <p15:clr>
-            <a:srgbClr val="FBAE40"/>
-          </p15:clr>
-        </p15:guide>
-      </p15:sldGuideLst>
-    </p:ext>
-  </p:extLst>
-</p:sldLayout>
-</file>
-
-<file path=ppt/slideLayouts/slideLayout17.xml><?xml version="1.0" encoding="utf-8"?>
-<p:sldLayout xmlns:a="http://schemas.openxmlformats.org/drawingml/2006/main" xmlns:r="http://schemas.openxmlformats.org/officeDocument/2006/relationships" xmlns:p="http://schemas.openxmlformats.org/presentationml/2006/main" showMasterSp="0" userDrawn="1">
   <p:cSld name="Title and 2 Content 3">
     <p:spTree>
       <p:nvGrpSpPr>
@@ -6239,7 +3875,7 @@
 </p:sldLayout>
 </file>
 
-<file path=ppt/slideLayouts/slideLayout18.xml><?xml version="1.0" encoding="utf-8"?>
+<file path=ppt/slideLayouts/slideLayout14.xml><?xml version="1.0" encoding="utf-8"?>
 <p:sldLayout xmlns:a="http://schemas.openxmlformats.org/drawingml/2006/main" xmlns:r="http://schemas.openxmlformats.org/officeDocument/2006/relationships" xmlns:p="http://schemas.openxmlformats.org/presentationml/2006/main" userDrawn="1">
   <p:cSld name="Two Content 2">
     <p:spTree>
@@ -6925,7 +4561,7 @@
 </p:sldLayout>
 </file>
 
-<file path=ppt/slideLayouts/slideLayout19.xml><?xml version="1.0" encoding="utf-8"?>
+<file path=ppt/slideLayouts/slideLayout15.xml><?xml version="1.0" encoding="utf-8"?>
 <p:sldLayout xmlns:a="http://schemas.openxmlformats.org/drawingml/2006/main" xmlns:r="http://schemas.openxmlformats.org/officeDocument/2006/relationships" xmlns:p="http://schemas.openxmlformats.org/presentationml/2006/main" userDrawn="1">
   <p:cSld name="Content 2">
     <p:spTree>
@@ -7671,800 +5307,7 @@
 </p:sldLayout>
 </file>
 
-<file path=ppt/slideLayouts/slideLayout2.xml><?xml version="1.0" encoding="utf-8"?>
-<p:sldLayout xmlns:a="http://schemas.openxmlformats.org/drawingml/2006/main" xmlns:r="http://schemas.openxmlformats.org/officeDocument/2006/relationships" xmlns:p="http://schemas.openxmlformats.org/presentationml/2006/main" type="obj" preserve="1">
-  <p:cSld name="Title and Content">
-    <p:spTree>
-      <p:nvGrpSpPr>
-        <p:cNvPr id="1" name=""/>
-        <p:cNvGrpSpPr/>
-        <p:nvPr/>
-      </p:nvGrpSpPr>
-      <p:grpSpPr>
-        <a:xfrm>
-          <a:off x="0" y="0"/>
-          <a:ext cx="0" cy="0"/>
-          <a:chOff x="0" y="0"/>
-          <a:chExt cx="0" cy="0"/>
-        </a:xfrm>
-      </p:grpSpPr>
-      <p:sp>
-        <p:nvSpPr>
-          <p:cNvPr id="2" name="Title 1"/>
-          <p:cNvSpPr>
-            <a:spLocks noGrp="1"/>
-          </p:cNvSpPr>
-          <p:nvPr>
-            <p:ph type="title"/>
-          </p:nvPr>
-        </p:nvSpPr>
-        <p:spPr/>
-        <p:txBody>
-          <a:bodyPr/>
-          <a:lstStyle/>
-          <a:p>
-            <a:r>
-              <a:rPr lang="en-US"/>
-              <a:t>Click to edit Master title style</a:t>
-            </a:r>
-            <a:endParaRPr lang="en-US" dirty="0"/>
-          </a:p>
-        </p:txBody>
-      </p:sp>
-      <p:sp>
-        <p:nvSpPr>
-          <p:cNvPr id="3" name="Content Placeholder 2"/>
-          <p:cNvSpPr>
-            <a:spLocks noGrp="1"/>
-          </p:cNvSpPr>
-          <p:nvPr>
-            <p:ph idx="1"/>
-          </p:nvPr>
-        </p:nvSpPr>
-        <p:spPr/>
-        <p:txBody>
-          <a:bodyPr/>
-          <a:lstStyle/>
-          <a:p>
-            <a:pPr lvl="0"/>
-            <a:r>
-              <a:rPr lang="en-US"/>
-              <a:t>Click to edit Master text styles</a:t>
-            </a:r>
-          </a:p>
-          <a:p>
-            <a:pPr lvl="1"/>
-            <a:r>
-              <a:rPr lang="en-US"/>
-              <a:t>Second level</a:t>
-            </a:r>
-          </a:p>
-          <a:p>
-            <a:pPr lvl="2"/>
-            <a:r>
-              <a:rPr lang="en-US"/>
-              <a:t>Third level</a:t>
-            </a:r>
-          </a:p>
-          <a:p>
-            <a:pPr lvl="3"/>
-            <a:r>
-              <a:rPr lang="en-US"/>
-              <a:t>Fourth level</a:t>
-            </a:r>
-          </a:p>
-          <a:p>
-            <a:pPr lvl="4"/>
-            <a:r>
-              <a:rPr lang="en-US"/>
-              <a:t>Fifth level</a:t>
-            </a:r>
-            <a:endParaRPr lang="en-US" dirty="0"/>
-          </a:p>
-        </p:txBody>
-      </p:sp>
-      <p:sp>
-        <p:nvSpPr>
-          <p:cNvPr id="4" name="Date Placeholder 3"/>
-          <p:cNvSpPr>
-            <a:spLocks noGrp="1"/>
-          </p:cNvSpPr>
-          <p:nvPr>
-            <p:ph type="dt" sz="half" idx="10"/>
-          </p:nvPr>
-        </p:nvSpPr>
-        <p:spPr/>
-        <p:txBody>
-          <a:bodyPr/>
-          <a:lstStyle/>
-          <a:p>
-            <a:r>
-              <a:rPr lang="en-US"/>
-              <a:t>9/8/20XX</a:t>
-            </a:r>
-            <a:endParaRPr lang="en-US" dirty="0"/>
-          </a:p>
-        </p:txBody>
-      </p:sp>
-      <p:sp>
-        <p:nvSpPr>
-          <p:cNvPr id="5" name="Footer Placeholder 4"/>
-          <p:cNvSpPr>
-            <a:spLocks noGrp="1"/>
-          </p:cNvSpPr>
-          <p:nvPr>
-            <p:ph type="ftr" sz="quarter" idx="11"/>
-          </p:nvPr>
-        </p:nvSpPr>
-        <p:spPr/>
-        <p:txBody>
-          <a:bodyPr/>
-          <a:lstStyle/>
-          <a:p>
-            <a:r>
-              <a:rPr lang="en-US"/>
-              <a:t>Presentation Title</a:t>
-            </a:r>
-            <a:endParaRPr lang="en-US" dirty="0"/>
-          </a:p>
-        </p:txBody>
-      </p:sp>
-      <p:sp>
-        <p:nvSpPr>
-          <p:cNvPr id="6" name="Slide Number Placeholder 5"/>
-          <p:cNvSpPr>
-            <a:spLocks noGrp="1"/>
-          </p:cNvSpPr>
-          <p:nvPr>
-            <p:ph type="sldNum" sz="quarter" idx="12"/>
-          </p:nvPr>
-        </p:nvSpPr>
-        <p:spPr/>
-        <p:txBody>
-          <a:bodyPr/>
-          <a:lstStyle/>
-          <a:p>
-            <a:fld id="{FAEF9944-A4F6-4C59-AEBD-678D6480B8EA}" type="slidenum">
-              <a:rPr lang="en-US" smtClean="0"/>
-              <a:pPr/>
-              <a:t>‹#›</a:t>
-            </a:fld>
-            <a:endParaRPr lang="en-US" dirty="0"/>
-          </a:p>
-        </p:txBody>
-      </p:sp>
-    </p:spTree>
-    <p:extLst>
-      <p:ext uri="{BB962C8B-B14F-4D97-AF65-F5344CB8AC3E}">
-        <p14:creationId xmlns:p14="http://schemas.microsoft.com/office/powerpoint/2010/main" val="2120849448"/>
-      </p:ext>
-    </p:extLst>
-  </p:cSld>
-  <p:clrMapOvr>
-    <a:masterClrMapping/>
-  </p:clrMapOvr>
-  <p:hf sldNum="0" hdr="0" ftr="0" dt="0"/>
-</p:sldLayout>
-</file>
-
-<file path=ppt/slideLayouts/slideLayout20.xml><?xml version="1.0" encoding="utf-8"?>
-<p:sldLayout xmlns:a="http://schemas.openxmlformats.org/drawingml/2006/main" xmlns:r="http://schemas.openxmlformats.org/officeDocument/2006/relationships" xmlns:p="http://schemas.openxmlformats.org/presentationml/2006/main" showMasterSp="0" userDrawn="1">
-  <p:cSld name="1_Title and 2 Content 3">
-    <p:spTree>
-      <p:nvGrpSpPr>
-        <p:cNvPr id="1" name=""/>
-        <p:cNvGrpSpPr/>
-        <p:nvPr/>
-      </p:nvGrpSpPr>
-      <p:grpSpPr>
-        <a:xfrm>
-          <a:off x="0" y="0"/>
-          <a:ext cx="0" cy="0"/>
-          <a:chOff x="0" y="0"/>
-          <a:chExt cx="0" cy="0"/>
-        </a:xfrm>
-      </p:grpSpPr>
-      <p:sp useBgFill="1">
-        <p:nvSpPr>
-          <p:cNvPr id="2" name="Rectangle 1">
-            <a:extLst>
-              <a:ext uri="{FF2B5EF4-FFF2-40B4-BE49-F238E27FC236}">
-                <a16:creationId xmlns:a16="http://schemas.microsoft.com/office/drawing/2014/main" id="{30FB3D5A-25E2-453F-A78E-0A20BDCE80A2}"/>
-              </a:ext>
-              <a:ext uri="{C183D7F6-B498-43B3-948B-1728B52AA6E4}">
-                <adec:decorative xmlns:adec="http://schemas.microsoft.com/office/drawing/2017/decorative" val="1"/>
-              </a:ext>
-            </a:extLst>
-          </p:cNvPr>
-          <p:cNvSpPr/>
-          <p:nvPr userDrawn="1"/>
-        </p:nvSpPr>
-        <p:spPr>
-          <a:xfrm>
-            <a:off x="0" y="0"/>
-            <a:ext cx="12192001" cy="6858000"/>
-          </a:xfrm>
-          <a:prstGeom prst="rect">
-            <a:avLst/>
-          </a:prstGeom>
-          <a:ln>
-            <a:noFill/>
-          </a:ln>
-        </p:spPr>
-        <p:style>
-          <a:lnRef idx="2">
-            <a:schemeClr val="accent1">
-              <a:shade val="50000"/>
-            </a:schemeClr>
-          </a:lnRef>
-          <a:fillRef idx="1">
-            <a:schemeClr val="accent1"/>
-          </a:fillRef>
-          <a:effectRef idx="0">
-            <a:schemeClr val="accent1"/>
-          </a:effectRef>
-          <a:fontRef idx="minor">
-            <a:schemeClr val="lt1"/>
-          </a:fontRef>
-        </p:style>
-        <p:txBody>
-          <a:bodyPr rtlCol="0" anchor="ctr"/>
-          <a:lstStyle/>
-          <a:p>
-            <a:pPr algn="ctr"/>
-            <a:endParaRPr lang="en-US" dirty="0"/>
-          </a:p>
-        </p:txBody>
-      </p:sp>
-      <p:sp>
-        <p:nvSpPr>
-          <p:cNvPr id="3" name="Rectangle 2">
-            <a:extLst>
-              <a:ext uri="{FF2B5EF4-FFF2-40B4-BE49-F238E27FC236}">
-                <a16:creationId xmlns:a16="http://schemas.microsoft.com/office/drawing/2014/main" id="{28796342-0E80-4F8E-9563-9F5EDFC0DDF2}"/>
-              </a:ext>
-              <a:ext uri="{C183D7F6-B498-43B3-948B-1728B52AA6E4}">
-                <adec:decorative xmlns:adec="http://schemas.microsoft.com/office/drawing/2017/decorative" val="1"/>
-              </a:ext>
-            </a:extLst>
-          </p:cNvPr>
-          <p:cNvSpPr/>
-          <p:nvPr userDrawn="1"/>
-        </p:nvSpPr>
-        <p:spPr>
-          <a:xfrm>
-            <a:off x="1038768" y="-2946"/>
-            <a:ext cx="11153231" cy="4727782"/>
-          </a:xfrm>
-          <a:prstGeom prst="rect">
-            <a:avLst/>
-          </a:prstGeom>
-          <a:solidFill>
-            <a:schemeClr val="bg1">
-              <a:alpha val="75000"/>
-            </a:schemeClr>
-          </a:solidFill>
-          <a:ln>
-            <a:noFill/>
-          </a:ln>
-        </p:spPr>
-        <p:style>
-          <a:lnRef idx="2">
-            <a:schemeClr val="accent1">
-              <a:shade val="50000"/>
-            </a:schemeClr>
-          </a:lnRef>
-          <a:fillRef idx="1">
-            <a:schemeClr val="accent1"/>
-          </a:fillRef>
-          <a:effectRef idx="0">
-            <a:schemeClr val="accent1"/>
-          </a:effectRef>
-          <a:fontRef idx="minor">
-            <a:schemeClr val="lt1"/>
-          </a:fontRef>
-        </p:style>
-        <p:txBody>
-          <a:bodyPr rtlCol="0" anchor="ctr"/>
-          <a:lstStyle/>
-          <a:p>
-            <a:pPr algn="ctr"/>
-            <a:endParaRPr lang="en-US" dirty="0"/>
-          </a:p>
-        </p:txBody>
-      </p:sp>
-      <p:sp>
-        <p:nvSpPr>
-          <p:cNvPr id="4" name="Rectangle 3">
-            <a:extLst>
-              <a:ext uri="{FF2B5EF4-FFF2-40B4-BE49-F238E27FC236}">
-                <a16:creationId xmlns:a16="http://schemas.microsoft.com/office/drawing/2014/main" id="{C39B2F5D-C3BA-453E-8F4D-97074F48C7AE}"/>
-              </a:ext>
-              <a:ext uri="{C183D7F6-B498-43B3-948B-1728B52AA6E4}">
-                <adec:decorative xmlns:adec="http://schemas.microsoft.com/office/drawing/2017/decorative" val="1"/>
-              </a:ext>
-            </a:extLst>
-          </p:cNvPr>
-          <p:cNvSpPr/>
-          <p:nvPr userDrawn="1"/>
-        </p:nvSpPr>
-        <p:spPr>
-          <a:xfrm>
-            <a:off x="0" y="4724838"/>
-            <a:ext cx="12192000" cy="1347716"/>
-          </a:xfrm>
-          <a:prstGeom prst="rect">
-            <a:avLst/>
-          </a:prstGeom>
-          <a:solidFill>
-            <a:schemeClr val="tx2"/>
-          </a:solidFill>
-          <a:ln>
-            <a:noFill/>
-          </a:ln>
-        </p:spPr>
-        <p:style>
-          <a:lnRef idx="2">
-            <a:schemeClr val="accent1">
-              <a:shade val="50000"/>
-            </a:schemeClr>
-          </a:lnRef>
-          <a:fillRef idx="1">
-            <a:schemeClr val="accent1"/>
-          </a:fillRef>
-          <a:effectRef idx="0">
-            <a:schemeClr val="accent1"/>
-          </a:effectRef>
-          <a:fontRef idx="minor">
-            <a:schemeClr val="lt1"/>
-          </a:fontRef>
-        </p:style>
-        <p:txBody>
-          <a:bodyPr rtlCol="0" anchor="ctr"/>
-          <a:lstStyle/>
-          <a:p>
-            <a:pPr algn="ctr"/>
-            <a:endParaRPr lang="en-US" dirty="0"/>
-          </a:p>
-        </p:txBody>
-      </p:sp>
-      <p:sp>
-        <p:nvSpPr>
-          <p:cNvPr id="5" name="Title 1">
-            <a:extLst>
-              <a:ext uri="{FF2B5EF4-FFF2-40B4-BE49-F238E27FC236}">
-                <a16:creationId xmlns:a16="http://schemas.microsoft.com/office/drawing/2014/main" id="{452D50E3-A27A-4AF6-928B-286E7BDB4BD9}"/>
-              </a:ext>
-            </a:extLst>
-          </p:cNvPr>
-          <p:cNvSpPr>
-            <a:spLocks noGrp="1"/>
-          </p:cNvSpPr>
-          <p:nvPr>
-            <p:ph type="title" hasCustomPrompt="1"/>
-          </p:nvPr>
-        </p:nvSpPr>
-        <p:spPr>
-          <a:xfrm>
-            <a:off x="1535372" y="4873752"/>
-            <a:ext cx="10013709" cy="1033272"/>
-          </a:xfrm>
-        </p:spPr>
-        <p:txBody>
-          <a:bodyPr tIns="182880" anchor="ctr" anchorCtr="0">
-            <a:noAutofit/>
-          </a:bodyPr>
-          <a:lstStyle>
-            <a:lvl1pPr>
-              <a:lnSpc>
-                <a:spcPct val="100000"/>
-              </a:lnSpc>
-              <a:defRPr sz="3200">
-                <a:solidFill>
-                  <a:schemeClr val="bg1"/>
-                </a:solidFill>
-              </a:defRPr>
-            </a:lvl1pPr>
-          </a:lstStyle>
-          <a:p>
-            <a:r>
-              <a:rPr lang="en-US" dirty="0">
-                <a:solidFill>
-                  <a:schemeClr val="bg1"/>
-                </a:solidFill>
-              </a:rPr>
-              <a:t>Click to add title</a:t>
-            </a:r>
-          </a:p>
-        </p:txBody>
-      </p:sp>
-      <p:sp>
-        <p:nvSpPr>
-          <p:cNvPr id="6" name="Rectangle 5">
-            <a:extLst>
-              <a:ext uri="{FF2B5EF4-FFF2-40B4-BE49-F238E27FC236}">
-                <a16:creationId xmlns:a16="http://schemas.microsoft.com/office/drawing/2014/main" id="{D874FDF0-F4BE-433D-86EE-9E1832D4388B}"/>
-              </a:ext>
-              <a:ext uri="{C183D7F6-B498-43B3-948B-1728B52AA6E4}">
-                <adec:decorative xmlns:adec="http://schemas.microsoft.com/office/drawing/2017/decorative" val="1"/>
-              </a:ext>
-            </a:extLst>
-          </p:cNvPr>
-          <p:cNvSpPr/>
-          <p:nvPr userDrawn="1"/>
-        </p:nvSpPr>
-        <p:spPr>
-          <a:xfrm>
-            <a:off x="-1" y="4790620"/>
-            <a:ext cx="1006766" cy="1216152"/>
-          </a:xfrm>
-          <a:prstGeom prst="rect">
-            <a:avLst/>
-          </a:prstGeom>
-          <a:solidFill>
-            <a:schemeClr val="accent1"/>
-          </a:solidFill>
-          <a:ln>
-            <a:noFill/>
-          </a:ln>
-        </p:spPr>
-        <p:style>
-          <a:lnRef idx="2">
-            <a:schemeClr val="accent1">
-              <a:shade val="50000"/>
-            </a:schemeClr>
-          </a:lnRef>
-          <a:fillRef idx="1">
-            <a:schemeClr val="accent1"/>
-          </a:fillRef>
-          <a:effectRef idx="0">
-            <a:schemeClr val="accent1"/>
-          </a:effectRef>
-          <a:fontRef idx="minor">
-            <a:schemeClr val="lt1"/>
-          </a:fontRef>
-        </p:style>
-        <p:txBody>
-          <a:bodyPr rtlCol="0" anchor="ctr"/>
-          <a:lstStyle/>
-          <a:p>
-            <a:pPr algn="ctr"/>
-            <a:endParaRPr lang="en-US" dirty="0"/>
-          </a:p>
-        </p:txBody>
-      </p:sp>
-      <p:sp>
-        <p:nvSpPr>
-          <p:cNvPr id="7" name="Rectangle 6">
-            <a:extLst>
-              <a:ext uri="{FF2B5EF4-FFF2-40B4-BE49-F238E27FC236}">
-                <a16:creationId xmlns:a16="http://schemas.microsoft.com/office/drawing/2014/main" id="{25DFCD07-1301-45ED-B326-449ECFADE70D}"/>
-              </a:ext>
-              <a:ext uri="{C183D7F6-B498-43B3-948B-1728B52AA6E4}">
-                <adec:decorative xmlns:adec="http://schemas.microsoft.com/office/drawing/2017/decorative" val="1"/>
-              </a:ext>
-            </a:extLst>
-          </p:cNvPr>
-          <p:cNvSpPr/>
-          <p:nvPr userDrawn="1"/>
-        </p:nvSpPr>
-        <p:spPr>
-          <a:xfrm rot="5400000">
-            <a:off x="-2390232" y="3396997"/>
-            <a:ext cx="6858002" cy="64008"/>
-          </a:xfrm>
-          <a:prstGeom prst="rect">
-            <a:avLst/>
-          </a:prstGeom>
-          <a:solidFill>
-            <a:schemeClr val="tx2"/>
-          </a:solidFill>
-          <a:ln>
-            <a:noFill/>
-          </a:ln>
-        </p:spPr>
-        <p:style>
-          <a:lnRef idx="2">
-            <a:schemeClr val="accent1">
-              <a:shade val="50000"/>
-            </a:schemeClr>
-          </a:lnRef>
-          <a:fillRef idx="1">
-            <a:schemeClr val="accent1"/>
-          </a:fillRef>
-          <a:effectRef idx="0">
-            <a:schemeClr val="accent1"/>
-          </a:effectRef>
-          <a:fontRef idx="minor">
-            <a:schemeClr val="lt1"/>
-          </a:fontRef>
-        </p:style>
-        <p:txBody>
-          <a:bodyPr rtlCol="0" anchor="ctr"/>
-          <a:lstStyle/>
-          <a:p>
-            <a:pPr algn="ctr"/>
-            <a:endParaRPr lang="en-US" dirty="0"/>
-          </a:p>
-        </p:txBody>
-      </p:sp>
-      <p:sp>
-        <p:nvSpPr>
-          <p:cNvPr id="14" name="Content Placeholder 2">
-            <a:extLst>
-              <a:ext uri="{FF2B5EF4-FFF2-40B4-BE49-F238E27FC236}">
-                <a16:creationId xmlns:a16="http://schemas.microsoft.com/office/drawing/2014/main" id="{9F875EEC-3E6C-5B97-FFE8-0D1ECAAAE98A}"/>
-              </a:ext>
-            </a:extLst>
-          </p:cNvPr>
-          <p:cNvSpPr>
-            <a:spLocks noGrp="1"/>
-          </p:cNvSpPr>
-          <p:nvPr>
-            <p:ph sz="quarter" idx="14" hasCustomPrompt="1"/>
-          </p:nvPr>
-        </p:nvSpPr>
-        <p:spPr>
-          <a:xfrm>
-            <a:off x="1535372" y="462243"/>
-            <a:ext cx="3098425" cy="3866324"/>
-          </a:xfrm>
-        </p:spPr>
-        <p:txBody>
-          <a:bodyPr anchor="t">
-            <a:normAutofit/>
-          </a:bodyPr>
-          <a:lstStyle>
-            <a:lvl1pPr marL="0" indent="0">
-              <a:lnSpc>
-                <a:spcPct val="125000"/>
-              </a:lnSpc>
-              <a:spcAft>
-                <a:spcPts val="600"/>
-              </a:spcAft>
-              <a:buNone/>
-              <a:defRPr sz="1800" b="0"/>
-            </a:lvl1pPr>
-            <a:lvl2pPr marL="281178" indent="0">
-              <a:lnSpc>
-                <a:spcPct val="125000"/>
-              </a:lnSpc>
-              <a:spcAft>
-                <a:spcPts val="600"/>
-              </a:spcAft>
-              <a:buNone/>
-              <a:defRPr sz="1800"/>
-            </a:lvl2pPr>
-            <a:lvl3pPr marL="566928" indent="0">
-              <a:lnSpc>
-                <a:spcPct val="125000"/>
-              </a:lnSpc>
-              <a:spcAft>
-                <a:spcPts val="600"/>
-              </a:spcAft>
-              <a:buNone/>
-              <a:defRPr sz="1800"/>
-            </a:lvl3pPr>
-            <a:lvl4pPr marL="850392" indent="0">
-              <a:lnSpc>
-                <a:spcPct val="125000"/>
-              </a:lnSpc>
-              <a:spcAft>
-                <a:spcPts val="600"/>
-              </a:spcAft>
-              <a:buNone/>
-              <a:defRPr sz="1800"/>
-            </a:lvl4pPr>
-            <a:lvl5pPr marL="1133856" indent="0">
-              <a:lnSpc>
-                <a:spcPct val="125000"/>
-              </a:lnSpc>
-              <a:spcAft>
-                <a:spcPts val="600"/>
-              </a:spcAft>
-              <a:buNone/>
-              <a:defRPr sz="1800"/>
-            </a:lvl5pPr>
-          </a:lstStyle>
-          <a:p>
-            <a:pPr lvl="0"/>
-            <a:r>
-              <a:rPr lang="en-US" dirty="0"/>
-              <a:t>Click to add text</a:t>
-            </a:r>
-          </a:p>
-          <a:p>
-            <a:pPr lvl="1"/>
-            <a:r>
-              <a:rPr lang="en-US" dirty="0"/>
-              <a:t>Second level</a:t>
-            </a:r>
-          </a:p>
-          <a:p>
-            <a:pPr lvl="2"/>
-            <a:r>
-              <a:rPr lang="en-US" dirty="0"/>
-              <a:t>Third level</a:t>
-            </a:r>
-          </a:p>
-          <a:p>
-            <a:pPr lvl="3"/>
-            <a:r>
-              <a:rPr lang="en-US" dirty="0"/>
-              <a:t>Fourth level</a:t>
-            </a:r>
-          </a:p>
-          <a:p>
-            <a:pPr lvl="4"/>
-            <a:r>
-              <a:rPr lang="en-US" dirty="0"/>
-              <a:t>Fifth level</a:t>
-            </a:r>
-          </a:p>
-        </p:txBody>
-      </p:sp>
-      <p:sp>
-        <p:nvSpPr>
-          <p:cNvPr id="13" name="Table Placeholder 7">
-            <a:extLst>
-              <a:ext uri="{FF2B5EF4-FFF2-40B4-BE49-F238E27FC236}">
-                <a16:creationId xmlns:a16="http://schemas.microsoft.com/office/drawing/2014/main" id="{0C5070DA-50C2-065D-00B0-3B12070D77E7}"/>
-              </a:ext>
-            </a:extLst>
-          </p:cNvPr>
-          <p:cNvSpPr>
-            <a:spLocks noGrp="1"/>
-          </p:cNvSpPr>
-          <p:nvPr>
-            <p:ph type="tbl" sz="quarter" idx="15"/>
-          </p:nvPr>
-        </p:nvSpPr>
-        <p:spPr>
-          <a:xfrm>
-            <a:off x="5075238" y="461735"/>
-            <a:ext cx="6473842" cy="3867150"/>
-          </a:xfrm>
-        </p:spPr>
-        <p:txBody>
-          <a:bodyPr anchor="t"/>
-          <a:lstStyle>
-            <a:lvl1pPr marL="0" indent="0" algn="ctr">
-              <a:buNone/>
-              <a:defRPr/>
-            </a:lvl1pPr>
-          </a:lstStyle>
-          <a:p>
-            <a:r>
-              <a:rPr lang="en-US"/>
-              <a:t>Click icon to add table</a:t>
-            </a:r>
-            <a:endParaRPr lang="en-US" dirty="0"/>
-          </a:p>
-        </p:txBody>
-      </p:sp>
-      <p:sp>
-        <p:nvSpPr>
-          <p:cNvPr id="15" name="Date Placeholder 3">
-            <a:extLst>
-              <a:ext uri="{FF2B5EF4-FFF2-40B4-BE49-F238E27FC236}">
-                <a16:creationId xmlns:a16="http://schemas.microsoft.com/office/drawing/2014/main" id="{2F8DD265-980F-4708-EDDF-3130F434AC9D}"/>
-              </a:ext>
-            </a:extLst>
-          </p:cNvPr>
-          <p:cNvSpPr>
-            <a:spLocks noGrp="1"/>
-          </p:cNvSpPr>
-          <p:nvPr>
-            <p:ph type="dt" sz="half" idx="10"/>
-          </p:nvPr>
-        </p:nvSpPr>
-        <p:spPr>
-          <a:xfrm>
-            <a:off x="6678168" y="6309360"/>
-            <a:ext cx="2148840" cy="457200"/>
-          </a:xfrm>
-        </p:spPr>
-        <p:txBody>
-          <a:bodyPr/>
-          <a:lstStyle>
-            <a:lvl1pPr algn="l">
-              <a:defRPr/>
-            </a:lvl1pPr>
-          </a:lstStyle>
-          <a:p>
-            <a:r>
-              <a:rPr lang="en-US" dirty="0"/>
-              <a:t>9/8/20XX</a:t>
-            </a:r>
-          </a:p>
-        </p:txBody>
-      </p:sp>
-      <p:sp>
-        <p:nvSpPr>
-          <p:cNvPr id="8" name="Footer Placeholder 4">
-            <a:extLst>
-              <a:ext uri="{FF2B5EF4-FFF2-40B4-BE49-F238E27FC236}">
-                <a16:creationId xmlns:a16="http://schemas.microsoft.com/office/drawing/2014/main" id="{BD5DA270-E83F-4CC8-9DA6-27CA3AEC0745}"/>
-              </a:ext>
-            </a:extLst>
-          </p:cNvPr>
-          <p:cNvSpPr>
-            <a:spLocks noGrp="1"/>
-          </p:cNvSpPr>
-          <p:nvPr>
-            <p:ph type="ftr" sz="quarter" idx="11"/>
-          </p:nvPr>
-        </p:nvSpPr>
-        <p:spPr>
-          <a:xfrm>
-            <a:off x="1535372" y="6309360"/>
-            <a:ext cx="4946592" cy="457200"/>
-          </a:xfrm>
-        </p:spPr>
-        <p:txBody>
-          <a:bodyPr/>
-          <a:lstStyle/>
-          <a:p>
-            <a:r>
-              <a:rPr lang="en-US" dirty="0"/>
-              <a:t>Presentation Title</a:t>
-            </a:r>
-          </a:p>
-        </p:txBody>
-      </p:sp>
-      <p:sp>
-        <p:nvSpPr>
-          <p:cNvPr id="10" name="Slide Number Placeholder 5">
-            <a:extLst>
-              <a:ext uri="{FF2B5EF4-FFF2-40B4-BE49-F238E27FC236}">
-                <a16:creationId xmlns:a16="http://schemas.microsoft.com/office/drawing/2014/main" id="{5339F117-3072-4F0C-8D1D-E5DC918CE4F0}"/>
-              </a:ext>
-            </a:extLst>
-          </p:cNvPr>
-          <p:cNvSpPr>
-            <a:spLocks noGrp="1"/>
-          </p:cNvSpPr>
-          <p:nvPr>
-            <p:ph type="sldNum" sz="quarter" idx="12"/>
-          </p:nvPr>
-        </p:nvSpPr>
-        <p:spPr>
-          <a:xfrm>
-            <a:off x="10569202" y="6309360"/>
-            <a:ext cx="979879" cy="457200"/>
-          </a:xfrm>
-        </p:spPr>
-        <p:txBody>
-          <a:bodyPr/>
-          <a:lstStyle>
-            <a:lvl1pPr>
-              <a:defRPr sz="1200" b="0"/>
-            </a:lvl1pPr>
-          </a:lstStyle>
-          <a:p>
-            <a:fld id="{FAEF9944-A4F6-4C59-AEBD-678D6480B8EA}" type="slidenum">
-              <a:rPr lang="en-US" smtClean="0"/>
-              <a:pPr/>
-              <a:t>‹#›</a:t>
-            </a:fld>
-            <a:endParaRPr lang="en-US" dirty="0"/>
-          </a:p>
-        </p:txBody>
-      </p:sp>
-    </p:spTree>
-    <p:extLst>
-      <p:ext uri="{BB962C8B-B14F-4D97-AF65-F5344CB8AC3E}">
-        <p14:creationId xmlns:p14="http://schemas.microsoft.com/office/powerpoint/2010/main" val="2895831532"/>
-      </p:ext>
-    </p:extLst>
-  </p:cSld>
-  <p:clrMapOvr>
-    <a:masterClrMapping/>
-  </p:clrMapOvr>
-</p:sldLayout>
-</file>
-
-<file path=ppt/slideLayouts/slideLayout21.xml><?xml version="1.0" encoding="utf-8"?>
+<file path=ppt/slideLayouts/slideLayout16.xml><?xml version="1.0" encoding="utf-8"?>
 <p:sldLayout xmlns:a="http://schemas.openxmlformats.org/drawingml/2006/main" xmlns:r="http://schemas.openxmlformats.org/officeDocument/2006/relationships" xmlns:p="http://schemas.openxmlformats.org/presentationml/2006/main" userDrawn="1">
   <p:cSld name="Two Content 3">
     <p:spTree>
@@ -9249,509 +6092,7 @@
 </p:sldLayout>
 </file>
 
-<file path=ppt/slideLayouts/slideLayout22.xml><?xml version="1.0" encoding="utf-8"?>
-<p:sldLayout xmlns:a="http://schemas.openxmlformats.org/drawingml/2006/main" xmlns:r="http://schemas.openxmlformats.org/officeDocument/2006/relationships" xmlns:p="http://schemas.openxmlformats.org/presentationml/2006/main" userDrawn="1">
-  <p:cSld name="Table">
-    <p:spTree>
-      <p:nvGrpSpPr>
-        <p:cNvPr id="1" name=""/>
-        <p:cNvGrpSpPr/>
-        <p:nvPr/>
-      </p:nvGrpSpPr>
-      <p:grpSpPr>
-        <a:xfrm>
-          <a:off x="0" y="0"/>
-          <a:ext cx="0" cy="0"/>
-          <a:chOff x="0" y="0"/>
-          <a:chExt cx="0" cy="0"/>
-        </a:xfrm>
-      </p:grpSpPr>
-      <p:sp useBgFill="1">
-        <p:nvSpPr>
-          <p:cNvPr id="6" name="Rectangle 5">
-            <a:extLst>
-              <a:ext uri="{FF2B5EF4-FFF2-40B4-BE49-F238E27FC236}">
-                <a16:creationId xmlns:a16="http://schemas.microsoft.com/office/drawing/2014/main" id="{2DF88512-9E62-4695-B350-39488566A1F7}"/>
-              </a:ext>
-              <a:ext uri="{C183D7F6-B498-43B3-948B-1728B52AA6E4}">
-                <adec:decorative xmlns:adec="http://schemas.microsoft.com/office/drawing/2017/decorative" val="1"/>
-              </a:ext>
-            </a:extLst>
-          </p:cNvPr>
-          <p:cNvSpPr/>
-          <p:nvPr userDrawn="1"/>
-        </p:nvSpPr>
-        <p:spPr>
-          <a:xfrm>
-            <a:off x="0" y="0"/>
-            <a:ext cx="12192001" cy="6858000"/>
-          </a:xfrm>
-          <a:prstGeom prst="rect">
-            <a:avLst/>
-          </a:prstGeom>
-          <a:ln>
-            <a:noFill/>
-          </a:ln>
-        </p:spPr>
-        <p:style>
-          <a:lnRef idx="2">
-            <a:schemeClr val="accent1">
-              <a:shade val="50000"/>
-            </a:schemeClr>
-          </a:lnRef>
-          <a:fillRef idx="1">
-            <a:schemeClr val="accent1"/>
-          </a:fillRef>
-          <a:effectRef idx="0">
-            <a:schemeClr val="accent1"/>
-          </a:effectRef>
-          <a:fontRef idx="minor">
-            <a:schemeClr val="lt1"/>
-          </a:fontRef>
-        </p:style>
-        <p:txBody>
-          <a:bodyPr rtlCol="0" anchor="ctr"/>
-          <a:lstStyle/>
-          <a:p>
-            <a:pPr algn="ctr"/>
-            <a:endParaRPr lang="en-US" dirty="0"/>
-          </a:p>
-        </p:txBody>
-      </p:sp>
-      <p:sp>
-        <p:nvSpPr>
-          <p:cNvPr id="7" name="Rectangle 6">
-            <a:extLst>
-              <a:ext uri="{FF2B5EF4-FFF2-40B4-BE49-F238E27FC236}">
-                <a16:creationId xmlns:a16="http://schemas.microsoft.com/office/drawing/2014/main" id="{18CD596D-95F4-4C5C-A0E7-86D747FE70BE}"/>
-              </a:ext>
-              <a:ext uri="{C183D7F6-B498-43B3-948B-1728B52AA6E4}">
-                <adec:decorative xmlns:adec="http://schemas.microsoft.com/office/drawing/2017/decorative" val="1"/>
-              </a:ext>
-            </a:extLst>
-          </p:cNvPr>
-          <p:cNvSpPr/>
-          <p:nvPr userDrawn="1"/>
-        </p:nvSpPr>
-        <p:spPr>
-          <a:xfrm>
-            <a:off x="1038768" y="2130218"/>
-            <a:ext cx="11153231" cy="4727782"/>
-          </a:xfrm>
-          <a:prstGeom prst="rect">
-            <a:avLst/>
-          </a:prstGeom>
-          <a:solidFill>
-            <a:schemeClr val="bg1">
-              <a:alpha val="75000"/>
-            </a:schemeClr>
-          </a:solidFill>
-          <a:ln>
-            <a:noFill/>
-          </a:ln>
-        </p:spPr>
-        <p:style>
-          <a:lnRef idx="2">
-            <a:schemeClr val="accent1">
-              <a:shade val="50000"/>
-            </a:schemeClr>
-          </a:lnRef>
-          <a:fillRef idx="1">
-            <a:schemeClr val="accent1"/>
-          </a:fillRef>
-          <a:effectRef idx="0">
-            <a:schemeClr val="accent1"/>
-          </a:effectRef>
-          <a:fontRef idx="minor">
-            <a:schemeClr val="lt1"/>
-          </a:fontRef>
-        </p:style>
-        <p:txBody>
-          <a:bodyPr rtlCol="0" anchor="ctr"/>
-          <a:lstStyle/>
-          <a:p>
-            <a:pPr algn="ctr"/>
-            <a:endParaRPr lang="en-US" dirty="0"/>
-          </a:p>
-        </p:txBody>
-      </p:sp>
-      <p:sp>
-        <p:nvSpPr>
-          <p:cNvPr id="8" name="Rectangle 7">
-            <a:extLst>
-              <a:ext uri="{FF2B5EF4-FFF2-40B4-BE49-F238E27FC236}">
-                <a16:creationId xmlns:a16="http://schemas.microsoft.com/office/drawing/2014/main" id="{67553E9F-DCBF-4BEE-A261-5AA97361A0E0}"/>
-              </a:ext>
-              <a:ext uri="{C183D7F6-B498-43B3-948B-1728B52AA6E4}">
-                <adec:decorative xmlns:adec="http://schemas.microsoft.com/office/drawing/2017/decorative" val="1"/>
-              </a:ext>
-            </a:extLst>
-          </p:cNvPr>
-          <p:cNvSpPr/>
-          <p:nvPr userDrawn="1"/>
-        </p:nvSpPr>
-        <p:spPr>
-          <a:xfrm>
-            <a:off x="0" y="896641"/>
-            <a:ext cx="12192000" cy="1347716"/>
-          </a:xfrm>
-          <a:prstGeom prst="rect">
-            <a:avLst/>
-          </a:prstGeom>
-          <a:solidFill>
-            <a:schemeClr val="tx2"/>
-          </a:solidFill>
-          <a:ln>
-            <a:noFill/>
-          </a:ln>
-        </p:spPr>
-        <p:style>
-          <a:lnRef idx="2">
-            <a:schemeClr val="accent1">
-              <a:shade val="50000"/>
-            </a:schemeClr>
-          </a:lnRef>
-          <a:fillRef idx="1">
-            <a:schemeClr val="accent1"/>
-          </a:fillRef>
-          <a:effectRef idx="0">
-            <a:schemeClr val="accent1"/>
-          </a:effectRef>
-          <a:fontRef idx="minor">
-            <a:schemeClr val="lt1"/>
-          </a:fontRef>
-        </p:style>
-        <p:txBody>
-          <a:bodyPr rtlCol="0" anchor="ctr"/>
-          <a:lstStyle/>
-          <a:p>
-            <a:pPr algn="ctr"/>
-            <a:endParaRPr lang="en-US" dirty="0"/>
-          </a:p>
-        </p:txBody>
-      </p:sp>
-      <p:sp>
-        <p:nvSpPr>
-          <p:cNvPr id="9" name="Title 1">
-            <a:extLst>
-              <a:ext uri="{FF2B5EF4-FFF2-40B4-BE49-F238E27FC236}">
-                <a16:creationId xmlns:a16="http://schemas.microsoft.com/office/drawing/2014/main" id="{949B0EB0-AEBA-44ED-BC77-4188C7486144}"/>
-              </a:ext>
-            </a:extLst>
-          </p:cNvPr>
-          <p:cNvSpPr>
-            <a:spLocks noGrp="1"/>
-          </p:cNvSpPr>
-          <p:nvPr>
-            <p:ph type="title" hasCustomPrompt="1"/>
-          </p:nvPr>
-        </p:nvSpPr>
-        <p:spPr>
-          <a:xfrm>
-            <a:off x="1535371" y="962423"/>
-            <a:ext cx="10013710" cy="1216152"/>
-          </a:xfrm>
-        </p:spPr>
-        <p:txBody>
-          <a:bodyPr tIns="182880" anchor="ctr" anchorCtr="0">
-            <a:noAutofit/>
-          </a:bodyPr>
-          <a:lstStyle>
-            <a:lvl1pPr>
-              <a:lnSpc>
-                <a:spcPct val="100000"/>
-              </a:lnSpc>
-              <a:defRPr sz="3200">
-                <a:solidFill>
-                  <a:schemeClr val="bg1"/>
-                </a:solidFill>
-              </a:defRPr>
-            </a:lvl1pPr>
-          </a:lstStyle>
-          <a:p>
-            <a:r>
-              <a:rPr lang="en-US" dirty="0">
-                <a:solidFill>
-                  <a:schemeClr val="bg1"/>
-                </a:solidFill>
-              </a:rPr>
-              <a:t>Click to add title</a:t>
-            </a:r>
-          </a:p>
-        </p:txBody>
-      </p:sp>
-      <p:sp>
-        <p:nvSpPr>
-          <p:cNvPr id="4" name="Table Placeholder 3">
-            <a:extLst>
-              <a:ext uri="{FF2B5EF4-FFF2-40B4-BE49-F238E27FC236}">
-                <a16:creationId xmlns:a16="http://schemas.microsoft.com/office/drawing/2014/main" id="{74D0E84D-2B51-9F8D-82CE-C086143DC605}"/>
-              </a:ext>
-            </a:extLst>
-          </p:cNvPr>
-          <p:cNvSpPr>
-            <a:spLocks noGrp="1"/>
-          </p:cNvSpPr>
-          <p:nvPr>
-            <p:ph type="tbl" sz="quarter" idx="14"/>
-          </p:nvPr>
-        </p:nvSpPr>
-        <p:spPr>
-          <a:xfrm>
-            <a:off x="1630363" y="2757951"/>
-            <a:ext cx="9918700" cy="3387579"/>
-          </a:xfrm>
-        </p:spPr>
-        <p:txBody>
-          <a:bodyPr anchor="t"/>
-          <a:lstStyle>
-            <a:lvl1pPr marL="0" indent="0" algn="ctr">
-              <a:buNone/>
-              <a:defRPr/>
-            </a:lvl1pPr>
-          </a:lstStyle>
-          <a:p>
-            <a:r>
-              <a:rPr lang="en-US"/>
-              <a:t>Click icon to add table</a:t>
-            </a:r>
-            <a:endParaRPr lang="en-US" dirty="0"/>
-          </a:p>
-        </p:txBody>
-      </p:sp>
-      <p:sp>
-        <p:nvSpPr>
-          <p:cNvPr id="10" name="Rectangle 9">
-            <a:extLst>
-              <a:ext uri="{FF2B5EF4-FFF2-40B4-BE49-F238E27FC236}">
-                <a16:creationId xmlns:a16="http://schemas.microsoft.com/office/drawing/2014/main" id="{7278DD10-67BC-4E87-A788-A45C6093F5F8}"/>
-              </a:ext>
-              <a:ext uri="{C183D7F6-B498-43B3-948B-1728B52AA6E4}">
-                <adec:decorative xmlns:adec="http://schemas.microsoft.com/office/drawing/2017/decorative" val="1"/>
-              </a:ext>
-            </a:extLst>
-          </p:cNvPr>
-          <p:cNvSpPr/>
-          <p:nvPr userDrawn="1"/>
-        </p:nvSpPr>
-        <p:spPr>
-          <a:xfrm>
-            <a:off x="-1" y="962423"/>
-            <a:ext cx="1006766" cy="1216152"/>
-          </a:xfrm>
-          <a:prstGeom prst="rect">
-            <a:avLst/>
-          </a:prstGeom>
-          <a:solidFill>
-            <a:schemeClr val="accent1"/>
-          </a:solidFill>
-          <a:ln>
-            <a:noFill/>
-          </a:ln>
-        </p:spPr>
-        <p:style>
-          <a:lnRef idx="2">
-            <a:schemeClr val="accent1">
-              <a:shade val="50000"/>
-            </a:schemeClr>
-          </a:lnRef>
-          <a:fillRef idx="1">
-            <a:schemeClr val="accent1"/>
-          </a:fillRef>
-          <a:effectRef idx="0">
-            <a:schemeClr val="accent1"/>
-          </a:effectRef>
-          <a:fontRef idx="minor">
-            <a:schemeClr val="lt1"/>
-          </a:fontRef>
-        </p:style>
-        <p:txBody>
-          <a:bodyPr rtlCol="0" anchor="ctr"/>
-          <a:lstStyle/>
-          <a:p>
-            <a:pPr algn="ctr"/>
-            <a:endParaRPr lang="en-US" dirty="0"/>
-          </a:p>
-        </p:txBody>
-      </p:sp>
-      <p:sp>
-        <p:nvSpPr>
-          <p:cNvPr id="11" name="Rectangle 10">
-            <a:extLst>
-              <a:ext uri="{FF2B5EF4-FFF2-40B4-BE49-F238E27FC236}">
-                <a16:creationId xmlns:a16="http://schemas.microsoft.com/office/drawing/2014/main" id="{916769F5-486B-4B48-A543-2C70359DF66E}"/>
-              </a:ext>
-              <a:ext uri="{C183D7F6-B498-43B3-948B-1728B52AA6E4}">
-                <adec:decorative xmlns:adec="http://schemas.microsoft.com/office/drawing/2017/decorative" val="1"/>
-              </a:ext>
-            </a:extLst>
-          </p:cNvPr>
-          <p:cNvSpPr/>
-          <p:nvPr userDrawn="1"/>
-        </p:nvSpPr>
-        <p:spPr>
-          <a:xfrm rot="5400000">
-            <a:off x="-2390232" y="3396997"/>
-            <a:ext cx="6858002" cy="64008"/>
-          </a:xfrm>
-          <a:prstGeom prst="rect">
-            <a:avLst/>
-          </a:prstGeom>
-          <a:solidFill>
-            <a:schemeClr val="tx2"/>
-          </a:solidFill>
-          <a:ln>
-            <a:noFill/>
-          </a:ln>
-        </p:spPr>
-        <p:style>
-          <a:lnRef idx="2">
-            <a:schemeClr val="accent1">
-              <a:shade val="50000"/>
-            </a:schemeClr>
-          </a:lnRef>
-          <a:fillRef idx="1">
-            <a:schemeClr val="accent1"/>
-          </a:fillRef>
-          <a:effectRef idx="0">
-            <a:schemeClr val="accent1"/>
-          </a:effectRef>
-          <a:fontRef idx="minor">
-            <a:schemeClr val="lt1"/>
-          </a:fontRef>
-        </p:style>
-        <p:txBody>
-          <a:bodyPr rtlCol="0" anchor="ctr"/>
-          <a:lstStyle/>
-          <a:p>
-            <a:pPr algn="ctr"/>
-            <a:endParaRPr lang="en-US" dirty="0"/>
-          </a:p>
-        </p:txBody>
-      </p:sp>
-      <p:sp>
-        <p:nvSpPr>
-          <p:cNvPr id="15" name="Footer Placeholder 4">
-            <a:extLst>
-              <a:ext uri="{FF2B5EF4-FFF2-40B4-BE49-F238E27FC236}">
-                <a16:creationId xmlns:a16="http://schemas.microsoft.com/office/drawing/2014/main" id="{0DB9557B-D9D3-4FA9-2D64-D2F91957D2FC}"/>
-              </a:ext>
-            </a:extLst>
-          </p:cNvPr>
-          <p:cNvSpPr>
-            <a:spLocks noGrp="1"/>
-          </p:cNvSpPr>
-          <p:nvPr>
-            <p:ph type="ftr" sz="quarter" idx="11"/>
-          </p:nvPr>
-        </p:nvSpPr>
-        <p:spPr>
-          <a:xfrm>
-            <a:off x="1535372" y="6309360"/>
-            <a:ext cx="4946592" cy="457200"/>
-          </a:xfrm>
-        </p:spPr>
-        <p:txBody>
-          <a:bodyPr/>
-          <a:lstStyle/>
-          <a:p>
-            <a:r>
-              <a:rPr lang="en-US" dirty="0"/>
-              <a:t>Presentation Title</a:t>
-            </a:r>
-          </a:p>
-        </p:txBody>
-      </p:sp>
-      <p:sp>
-        <p:nvSpPr>
-          <p:cNvPr id="16" name="Slide Number Placeholder 5">
-            <a:extLst>
-              <a:ext uri="{FF2B5EF4-FFF2-40B4-BE49-F238E27FC236}">
-                <a16:creationId xmlns:a16="http://schemas.microsoft.com/office/drawing/2014/main" id="{3BC3F5B3-7690-C0DA-4084-5EFE50E8C162}"/>
-              </a:ext>
-            </a:extLst>
-          </p:cNvPr>
-          <p:cNvSpPr>
-            <a:spLocks noGrp="1"/>
-          </p:cNvSpPr>
-          <p:nvPr>
-            <p:ph type="sldNum" sz="quarter" idx="12"/>
-          </p:nvPr>
-        </p:nvSpPr>
-        <p:spPr>
-          <a:xfrm>
-            <a:off x="10569202" y="6309360"/>
-            <a:ext cx="979879" cy="457200"/>
-          </a:xfrm>
-        </p:spPr>
-        <p:txBody>
-          <a:bodyPr/>
-          <a:lstStyle>
-            <a:lvl1pPr>
-              <a:defRPr sz="1200" b="0"/>
-            </a:lvl1pPr>
-          </a:lstStyle>
-          <a:p>
-            <a:fld id="{FAEF9944-A4F6-4C59-AEBD-678D6480B8EA}" type="slidenum">
-              <a:rPr lang="en-US" smtClean="0"/>
-              <a:pPr/>
-              <a:t>‹#›</a:t>
-            </a:fld>
-            <a:endParaRPr lang="en-US" dirty="0"/>
-          </a:p>
-        </p:txBody>
-      </p:sp>
-      <p:sp>
-        <p:nvSpPr>
-          <p:cNvPr id="17" name="Date Placeholder 3">
-            <a:extLst>
-              <a:ext uri="{FF2B5EF4-FFF2-40B4-BE49-F238E27FC236}">
-                <a16:creationId xmlns:a16="http://schemas.microsoft.com/office/drawing/2014/main" id="{99E56FFE-09D7-3078-C9E8-DFE8CF68AAD5}"/>
-              </a:ext>
-            </a:extLst>
-          </p:cNvPr>
-          <p:cNvSpPr>
-            <a:spLocks noGrp="1"/>
-          </p:cNvSpPr>
-          <p:nvPr>
-            <p:ph type="dt" sz="half" idx="10"/>
-          </p:nvPr>
-        </p:nvSpPr>
-        <p:spPr>
-          <a:xfrm>
-            <a:off x="6678168" y="6309360"/>
-            <a:ext cx="2148840" cy="457200"/>
-          </a:xfrm>
-        </p:spPr>
-        <p:txBody>
-          <a:bodyPr/>
-          <a:lstStyle>
-            <a:lvl1pPr algn="l">
-              <a:defRPr/>
-            </a:lvl1pPr>
-          </a:lstStyle>
-          <a:p>
-            <a:r>
-              <a:rPr lang="en-US" dirty="0"/>
-              <a:t>9/8/20XX</a:t>
-            </a:r>
-          </a:p>
-        </p:txBody>
-      </p:sp>
-    </p:spTree>
-    <p:extLst>
-      <p:ext uri="{BB962C8B-B14F-4D97-AF65-F5344CB8AC3E}">
-        <p14:creationId xmlns:p14="http://schemas.microsoft.com/office/powerpoint/2010/main" val="2434033329"/>
-      </p:ext>
-    </p:extLst>
-  </p:cSld>
-  <p:clrMapOvr>
-    <a:masterClrMapping/>
-  </p:clrMapOvr>
-</p:sldLayout>
-</file>
-
-<file path=ppt/slideLayouts/slideLayout23.xml><?xml version="1.0" encoding="utf-8"?>
+<file path=ppt/slideLayouts/slideLayout17.xml><?xml version="1.0" encoding="utf-8"?>
 <p:sldLayout xmlns:a="http://schemas.openxmlformats.org/drawingml/2006/main" xmlns:r="http://schemas.openxmlformats.org/officeDocument/2006/relationships" xmlns:p="http://schemas.openxmlformats.org/presentationml/2006/main" userDrawn="1">
   <p:cSld name="Content 1">
     <p:spTree>
@@ -10490,7 +6831,7 @@
 </p:sldLayout>
 </file>
 
-<file path=ppt/slideLayouts/slideLayout24.xml><?xml version="1.0" encoding="utf-8"?>
+<file path=ppt/slideLayouts/slideLayout18.xml><?xml version="1.0" encoding="utf-8"?>
 <p:sldLayout xmlns:a="http://schemas.openxmlformats.org/drawingml/2006/main" xmlns:r="http://schemas.openxmlformats.org/officeDocument/2006/relationships" xmlns:p="http://schemas.openxmlformats.org/presentationml/2006/main" showMasterSp="0" preserve="1" userDrawn="1">
   <p:cSld name="1_Title Only">
     <p:spTree>
@@ -11015,6 +7356,182 @@
       </p15:sldGuideLst>
     </p:ext>
   </p:extLst>
+</p:sldLayout>
+</file>
+
+<file path=ppt/slideLayouts/slideLayout2.xml><?xml version="1.0" encoding="utf-8"?>
+<p:sldLayout xmlns:a="http://schemas.openxmlformats.org/drawingml/2006/main" xmlns:r="http://schemas.openxmlformats.org/officeDocument/2006/relationships" xmlns:p="http://schemas.openxmlformats.org/presentationml/2006/main" type="obj" preserve="1">
+  <p:cSld name="Title and Content">
+    <p:spTree>
+      <p:nvGrpSpPr>
+        <p:cNvPr id="1" name=""/>
+        <p:cNvGrpSpPr/>
+        <p:nvPr/>
+      </p:nvGrpSpPr>
+      <p:grpSpPr>
+        <a:xfrm>
+          <a:off x="0" y="0"/>
+          <a:ext cx="0" cy="0"/>
+          <a:chOff x="0" y="0"/>
+          <a:chExt cx="0" cy="0"/>
+        </a:xfrm>
+      </p:grpSpPr>
+      <p:sp>
+        <p:nvSpPr>
+          <p:cNvPr id="2" name="Title 1"/>
+          <p:cNvSpPr>
+            <a:spLocks noGrp="1"/>
+          </p:cNvSpPr>
+          <p:nvPr>
+            <p:ph type="title"/>
+          </p:nvPr>
+        </p:nvSpPr>
+        <p:spPr/>
+        <p:txBody>
+          <a:bodyPr/>
+          <a:lstStyle/>
+          <a:p>
+            <a:r>
+              <a:rPr lang="en-US"/>
+              <a:t>Click to edit Master title style</a:t>
+            </a:r>
+            <a:endParaRPr lang="en-US" dirty="0"/>
+          </a:p>
+        </p:txBody>
+      </p:sp>
+      <p:sp>
+        <p:nvSpPr>
+          <p:cNvPr id="3" name="Content Placeholder 2"/>
+          <p:cNvSpPr>
+            <a:spLocks noGrp="1"/>
+          </p:cNvSpPr>
+          <p:nvPr>
+            <p:ph idx="1"/>
+          </p:nvPr>
+        </p:nvSpPr>
+        <p:spPr/>
+        <p:txBody>
+          <a:bodyPr/>
+          <a:lstStyle/>
+          <a:p>
+            <a:pPr lvl="0"/>
+            <a:r>
+              <a:rPr lang="en-US"/>
+              <a:t>Click to edit Master text styles</a:t>
+            </a:r>
+          </a:p>
+          <a:p>
+            <a:pPr lvl="1"/>
+            <a:r>
+              <a:rPr lang="en-US"/>
+              <a:t>Second level</a:t>
+            </a:r>
+          </a:p>
+          <a:p>
+            <a:pPr lvl="2"/>
+            <a:r>
+              <a:rPr lang="en-US"/>
+              <a:t>Third level</a:t>
+            </a:r>
+          </a:p>
+          <a:p>
+            <a:pPr lvl="3"/>
+            <a:r>
+              <a:rPr lang="en-US"/>
+              <a:t>Fourth level</a:t>
+            </a:r>
+          </a:p>
+          <a:p>
+            <a:pPr lvl="4"/>
+            <a:r>
+              <a:rPr lang="en-US"/>
+              <a:t>Fifth level</a:t>
+            </a:r>
+            <a:endParaRPr lang="en-US" dirty="0"/>
+          </a:p>
+        </p:txBody>
+      </p:sp>
+      <p:sp>
+        <p:nvSpPr>
+          <p:cNvPr id="4" name="Date Placeholder 3"/>
+          <p:cNvSpPr>
+            <a:spLocks noGrp="1"/>
+          </p:cNvSpPr>
+          <p:nvPr>
+            <p:ph type="dt" sz="half" idx="10"/>
+          </p:nvPr>
+        </p:nvSpPr>
+        <p:spPr/>
+        <p:txBody>
+          <a:bodyPr/>
+          <a:lstStyle/>
+          <a:p>
+            <a:r>
+              <a:rPr lang="en-US"/>
+              <a:t>9/8/20XX</a:t>
+            </a:r>
+            <a:endParaRPr lang="en-US" dirty="0"/>
+          </a:p>
+        </p:txBody>
+      </p:sp>
+      <p:sp>
+        <p:nvSpPr>
+          <p:cNvPr id="5" name="Footer Placeholder 4"/>
+          <p:cNvSpPr>
+            <a:spLocks noGrp="1"/>
+          </p:cNvSpPr>
+          <p:nvPr>
+            <p:ph type="ftr" sz="quarter" idx="11"/>
+          </p:nvPr>
+        </p:nvSpPr>
+        <p:spPr/>
+        <p:txBody>
+          <a:bodyPr/>
+          <a:lstStyle/>
+          <a:p>
+            <a:r>
+              <a:rPr lang="en-US"/>
+              <a:t>Presentation Title</a:t>
+            </a:r>
+            <a:endParaRPr lang="en-US" dirty="0"/>
+          </a:p>
+        </p:txBody>
+      </p:sp>
+      <p:sp>
+        <p:nvSpPr>
+          <p:cNvPr id="6" name="Slide Number Placeholder 5"/>
+          <p:cNvSpPr>
+            <a:spLocks noGrp="1"/>
+          </p:cNvSpPr>
+          <p:nvPr>
+            <p:ph type="sldNum" sz="quarter" idx="12"/>
+          </p:nvPr>
+        </p:nvSpPr>
+        <p:spPr/>
+        <p:txBody>
+          <a:bodyPr/>
+          <a:lstStyle/>
+          <a:p>
+            <a:fld id="{FAEF9944-A4F6-4C59-AEBD-678D6480B8EA}" type="slidenum">
+              <a:rPr lang="en-US" smtClean="0"/>
+              <a:pPr/>
+              <a:t>‹#›</a:t>
+            </a:fld>
+            <a:endParaRPr lang="en-US" dirty="0"/>
+          </a:p>
+        </p:txBody>
+      </p:sp>
+    </p:spTree>
+    <p:extLst>
+      <p:ext uri="{BB962C8B-B14F-4D97-AF65-F5344CB8AC3E}">
+        <p14:creationId xmlns:p14="http://schemas.microsoft.com/office/powerpoint/2010/main" val="2120849448"/>
+      </p:ext>
+    </p:extLst>
+  </p:cSld>
+  <p:clrMapOvr>
+    <a:masterClrMapping/>
+  </p:clrMapOvr>
+  <p:hf sldNum="0" hdr="0" ftr="0" dt="0"/>
 </p:sldLayout>
 </file>
 
@@ -12216,7 +8733,7 @@
           <a:p>
             <a:fld id="{005CD215-1C45-48A0-8534-39FFE8A7C95A}" type="datetime1">
               <a:rPr lang="en-US" smtClean="0"/>
-              <a:t>4/28/2024</a:t>
+              <a:t>4/30/2024</a:t>
             </a:fld>
             <a:endParaRPr lang="en-US" dirty="0"/>
           </a:p>
@@ -14049,18 +10566,12 @@
     <p:sldLayoutId id="2147483696" r:id="rId10"/>
     <p:sldLayoutId id="2147483697" r:id="rId11"/>
     <p:sldLayoutId id="2147483698" r:id="rId12"/>
-    <p:sldLayoutId id="2147483699" r:id="rId13"/>
-    <p:sldLayoutId id="2147483700" r:id="rId14"/>
-    <p:sldLayoutId id="2147483701" r:id="rId15"/>
-    <p:sldLayoutId id="2147483702" r:id="rId16"/>
-    <p:sldLayoutId id="2147483703" r:id="rId17"/>
-    <p:sldLayoutId id="2147483704" r:id="rId18"/>
-    <p:sldLayoutId id="2147483705" r:id="rId19"/>
-    <p:sldLayoutId id="2147483706" r:id="rId20"/>
-    <p:sldLayoutId id="2147483707" r:id="rId21"/>
-    <p:sldLayoutId id="2147483708" r:id="rId22"/>
-    <p:sldLayoutId id="2147483709" r:id="rId23"/>
-    <p:sldLayoutId id="2147483682" r:id="rId24"/>
+    <p:sldLayoutId id="2147483703" r:id="rId13"/>
+    <p:sldLayoutId id="2147483704" r:id="rId14"/>
+    <p:sldLayoutId id="2147483705" r:id="rId15"/>
+    <p:sldLayoutId id="2147483707" r:id="rId16"/>
+    <p:sldLayoutId id="2147483709" r:id="rId17"/>
+    <p:sldLayoutId id="2147483682" r:id="rId18"/>
   </p:sldLayoutIdLst>
   <p:hf sldNum="0" hdr="0" ftr="0" dt="0"/>
   <p:txStyles>
@@ -14478,7 +10989,7 @@
           <a:p>
             <a:r>
               <a:rPr lang="en-US" dirty="0"/>
-              <a:t>Graph theory </a:t>
+              <a:t>Graph-Based Classification</a:t>
             </a:r>
           </a:p>
         </p:txBody>
@@ -14539,13 +11050,8 @@
             </a:br>
             <a:r>
               <a:rPr lang="en-US" sz="2400" dirty="0"/>
-              <a:t>Muhammad </a:t>
-            </a:r>
-            <a:r>
-              <a:rPr lang="en-US" sz="2400" dirty="0" err="1"/>
-              <a:t>abdullah</a:t>
-            </a:r>
-            <a:endParaRPr lang="en-US" sz="2400" dirty="0"/>
+              <a:t>Muhammad Abdullah</a:t>
+            </a:r>
           </a:p>
         </p:txBody>
       </p:sp>
@@ -14581,10 +11087,10 @@
       </p:grpSpPr>
       <p:sp>
         <p:nvSpPr>
-          <p:cNvPr id="2" name="Title 1">
-            <a:extLst>
-              <a:ext uri="{FF2B5EF4-FFF2-40B4-BE49-F238E27FC236}">
-                <a16:creationId xmlns:a16="http://schemas.microsoft.com/office/drawing/2014/main" id="{E2D30E0F-10C6-298A-C347-E831FFF4ECB8}"/>
+          <p:cNvPr id="4" name="Title 3">
+            <a:extLst>
+              <a:ext uri="{FF2B5EF4-FFF2-40B4-BE49-F238E27FC236}">
+                <a16:creationId xmlns:a16="http://schemas.microsoft.com/office/drawing/2014/main" id="{664081DB-1923-4878-AB15-AD54F35A1DC7}"/>
               </a:ext>
             </a:extLst>
           </p:cNvPr>
@@ -14602,17 +11108,17 @@
           <a:p>
             <a:r>
               <a:rPr lang="en-US" dirty="0"/>
-              <a:t>Dynamic delivery</a:t>
-            </a:r>
-          </a:p>
-        </p:txBody>
-      </p:sp>
-      <p:sp>
-        <p:nvSpPr>
-          <p:cNvPr id="3" name="Content Placeholder 2">
-            <a:extLst>
-              <a:ext uri="{FF2B5EF4-FFF2-40B4-BE49-F238E27FC236}">
-                <a16:creationId xmlns:a16="http://schemas.microsoft.com/office/drawing/2014/main" id="{41191CC7-9CF2-71F0-1AD4-791EA9CBAD97}"/>
+              <a:t>THANK YOU</a:t>
+            </a:r>
+          </a:p>
+        </p:txBody>
+      </p:sp>
+      <p:sp>
+        <p:nvSpPr>
+          <p:cNvPr id="5" name="Content Placeholder 4">
+            <a:extLst>
+              <a:ext uri="{FF2B5EF4-FFF2-40B4-BE49-F238E27FC236}">
+                <a16:creationId xmlns:a16="http://schemas.microsoft.com/office/drawing/2014/main" id="{5755816F-F516-477A-8EF2-D8CA20267590}"/>
               </a:ext>
             </a:extLst>
           </p:cNvPr>
@@ -14620,10 +11126,15 @@
             <a:spLocks noGrp="1"/>
           </p:cNvSpPr>
           <p:nvPr>
-            <p:ph sz="quarter" idx="14"/>
-          </p:nvPr>
-        </p:nvSpPr>
-        <p:spPr/>
+            <p:ph idx="1"/>
+          </p:nvPr>
+        </p:nvSpPr>
+        <p:spPr>
+          <a:xfrm>
+            <a:off x="6939815" y="3928342"/>
+            <a:ext cx="4995511" cy="2285000"/>
+          </a:xfrm>
+        </p:spPr>
         <p:txBody>
           <a:bodyPr>
             <a:normAutofit/>
@@ -14632,1175 +11143,19 @@
           <a:p>
             <a:r>
               <a:rPr lang="en-US" dirty="0"/>
-              <a:t>Learn to infuse energy into your delivery to leave a lasting impression</a:t>
+              <a:t>Muhammad Abdullah</a:t>
             </a:r>
           </a:p>
           <a:p>
             <a:r>
               <a:rPr lang="en-US" dirty="0"/>
-              <a:t>One of the goals of effective communication is to motivate your audience</a:t>
-            </a:r>
-          </a:p>
-        </p:txBody>
-      </p:sp>
-      <p:graphicFrame>
-        <p:nvGraphicFramePr>
-          <p:cNvPr id="11" name="Content Placeholder 10">
-            <a:extLst>
-              <a:ext uri="{FF2B5EF4-FFF2-40B4-BE49-F238E27FC236}">
-                <a16:creationId xmlns:a16="http://schemas.microsoft.com/office/drawing/2014/main" id="{453CE196-36B9-5361-5120-20DF8B3B5581}"/>
-              </a:ext>
-            </a:extLst>
-          </p:cNvPr>
-          <p:cNvGraphicFramePr>
-            <a:graphicFrameLocks noGrp="1"/>
-          </p:cNvGraphicFramePr>
-          <p:nvPr>
-            <p:ph type="tbl" sz="quarter" idx="15"/>
-            <p:extLst>
-              <p:ext uri="{D42A27DB-BD31-4B8C-83A1-F6EECF244321}">
-                <p14:modId xmlns:p14="http://schemas.microsoft.com/office/powerpoint/2010/main" val="2347872384"/>
-              </p:ext>
-            </p:extLst>
-          </p:nvPr>
-        </p:nvGraphicFramePr>
-        <p:xfrm>
-          <a:off x="5075238" y="461963"/>
-          <a:ext cx="6473823" cy="3657602"/>
-        </p:xfrm>
-        <a:graphic>
-          <a:graphicData uri="http://schemas.openxmlformats.org/drawingml/2006/table">
-            <a:tbl>
-              <a:tblPr firstRow="1" bandRow="1">
-                <a:tableStyleId>{8A107856-5554-42FB-B03E-39F5DBC370BA}</a:tableStyleId>
-              </a:tblPr>
-              <a:tblGrid>
-                <a:gridCol w="2038538">
-                  <a:extLst>
-                    <a:ext uri="{9D8B030D-6E8A-4147-A177-3AD203B41FA5}">
-                      <a16:colId xmlns:a16="http://schemas.microsoft.com/office/drawing/2014/main" val="1123561819"/>
-                    </a:ext>
-                  </a:extLst>
-                </a:gridCol>
-                <a:gridCol w="2097154">
-                  <a:extLst>
-                    <a:ext uri="{9D8B030D-6E8A-4147-A177-3AD203B41FA5}">
-                      <a16:colId xmlns:a16="http://schemas.microsoft.com/office/drawing/2014/main" val="1296588374"/>
-                    </a:ext>
-                  </a:extLst>
-                </a:gridCol>
-                <a:gridCol w="1178835">
-                  <a:extLst>
-                    <a:ext uri="{9D8B030D-6E8A-4147-A177-3AD203B41FA5}">
-                      <a16:colId xmlns:a16="http://schemas.microsoft.com/office/drawing/2014/main" val="1285016582"/>
-                    </a:ext>
-                  </a:extLst>
-                </a:gridCol>
-                <a:gridCol w="1159296">
-                  <a:extLst>
-                    <a:ext uri="{9D8B030D-6E8A-4147-A177-3AD203B41FA5}">
-                      <a16:colId xmlns:a16="http://schemas.microsoft.com/office/drawing/2014/main" val="4218447726"/>
-                    </a:ext>
-                  </a:extLst>
-                </a:gridCol>
-              </a:tblGrid>
-              <a:tr h="477078">
-                <a:tc>
-                  <a:txBody>
-                    <a:bodyPr/>
-                    <a:lstStyle/>
-                    <a:p>
-                      <a:r>
-                        <a:rPr lang="en-US" dirty="0"/>
-                        <a:t>Metric</a:t>
-                      </a:r>
-                    </a:p>
-                  </a:txBody>
-                  <a:tcPr marT="91440" anchor="ctr"/>
-                </a:tc>
-                <a:tc>
-                  <a:txBody>
-                    <a:bodyPr/>
-                    <a:lstStyle/>
-                    <a:p>
-                      <a:r>
-                        <a:rPr lang="en-US" dirty="0"/>
-                        <a:t>Measurement</a:t>
-                      </a:r>
-                    </a:p>
-                  </a:txBody>
-                  <a:tcPr marT="91440" anchor="ctr"/>
-                </a:tc>
-                <a:tc>
-                  <a:txBody>
-                    <a:bodyPr/>
-                    <a:lstStyle/>
-                    <a:p>
-                      <a:r>
-                        <a:rPr lang="en-US" dirty="0"/>
-                        <a:t>Target</a:t>
-                      </a:r>
-                    </a:p>
-                  </a:txBody>
-                  <a:tcPr marT="91440" anchor="ctr"/>
-                </a:tc>
-                <a:tc>
-                  <a:txBody>
-                    <a:bodyPr/>
-                    <a:lstStyle/>
-                    <a:p>
-                      <a:r>
-                        <a:rPr lang="en-US" dirty="0"/>
-                        <a:t>Actual</a:t>
-                      </a:r>
-                    </a:p>
-                  </a:txBody>
-                  <a:tcPr marT="91440" anchor="ctr"/>
-                </a:tc>
-                <a:extLst>
-                  <a:ext uri="{0D108BD9-81ED-4DB2-BD59-A6C34878D82A}">
-                    <a16:rowId xmlns:a16="http://schemas.microsoft.com/office/drawing/2014/main" val="3342107652"/>
-                  </a:ext>
-                </a:extLst>
-              </a:tr>
-              <a:tr h="795131">
-                <a:tc>
-                  <a:txBody>
-                    <a:bodyPr/>
-                    <a:lstStyle/>
-                    <a:p>
-                      <a:r>
-                        <a:rPr lang="en-US" dirty="0"/>
-                        <a:t>Audience attendance</a:t>
-                      </a:r>
-                    </a:p>
-                  </a:txBody>
-                  <a:tcPr marT="91440" anchor="ctr"/>
-                </a:tc>
-                <a:tc>
-                  <a:txBody>
-                    <a:bodyPr/>
-                    <a:lstStyle/>
-                    <a:p>
-                      <a:r>
-                        <a:rPr lang="en-US" dirty="0"/>
-                        <a:t># of attendees</a:t>
-                      </a:r>
-                    </a:p>
-                  </a:txBody>
-                  <a:tcPr marT="91440" anchor="ctr"/>
-                </a:tc>
-                <a:tc>
-                  <a:txBody>
-                    <a:bodyPr/>
-                    <a:lstStyle/>
-                    <a:p>
-                      <a:r>
-                        <a:rPr lang="en-US" dirty="0"/>
-                        <a:t>150</a:t>
-                      </a:r>
-                    </a:p>
-                  </a:txBody>
-                  <a:tcPr marT="91440" anchor="ctr"/>
-                </a:tc>
-                <a:tc>
-                  <a:txBody>
-                    <a:bodyPr/>
-                    <a:lstStyle/>
-                    <a:p>
-                      <a:r>
-                        <a:rPr lang="en-US" dirty="0"/>
-                        <a:t>120</a:t>
-                      </a:r>
-                    </a:p>
-                  </a:txBody>
-                  <a:tcPr marT="91440" anchor="ctr"/>
-                </a:tc>
-                <a:extLst>
-                  <a:ext uri="{0D108BD9-81ED-4DB2-BD59-A6C34878D82A}">
-                    <a16:rowId xmlns:a16="http://schemas.microsoft.com/office/drawing/2014/main" val="57143556"/>
-                  </a:ext>
-                </a:extLst>
-              </a:tr>
-              <a:tr h="795131">
-                <a:tc>
-                  <a:txBody>
-                    <a:bodyPr/>
-                    <a:lstStyle/>
-                    <a:p>
-                      <a:r>
-                        <a:rPr lang="en-US" dirty="0"/>
-                        <a:t>Engagement duration</a:t>
-                      </a:r>
-                    </a:p>
-                  </a:txBody>
-                  <a:tcPr marT="91440" anchor="ctr"/>
-                </a:tc>
-                <a:tc>
-                  <a:txBody>
-                    <a:bodyPr/>
-                    <a:lstStyle/>
-                    <a:p>
-                      <a:r>
-                        <a:rPr lang="en-US" dirty="0"/>
-                        <a:t>Minutes</a:t>
-                      </a:r>
-                    </a:p>
-                  </a:txBody>
-                  <a:tcPr marT="91440" anchor="ctr"/>
-                </a:tc>
-                <a:tc>
-                  <a:txBody>
-                    <a:bodyPr/>
-                    <a:lstStyle/>
-                    <a:p>
-                      <a:r>
-                        <a:rPr lang="en-US" dirty="0"/>
-                        <a:t>60</a:t>
-                      </a:r>
-                    </a:p>
-                  </a:txBody>
-                  <a:tcPr marT="91440" anchor="ctr"/>
-                </a:tc>
-                <a:tc>
-                  <a:txBody>
-                    <a:bodyPr/>
-                    <a:lstStyle/>
-                    <a:p>
-                      <a:r>
-                        <a:rPr lang="en-US" dirty="0"/>
-                        <a:t>75</a:t>
-                      </a:r>
-                    </a:p>
-                  </a:txBody>
-                  <a:tcPr marT="91440" anchor="ctr"/>
-                </a:tc>
-                <a:extLst>
-                  <a:ext uri="{0D108BD9-81ED-4DB2-BD59-A6C34878D82A}">
-                    <a16:rowId xmlns:a16="http://schemas.microsoft.com/office/drawing/2014/main" val="2328625713"/>
-                  </a:ext>
-                </a:extLst>
-              </a:tr>
-              <a:tr h="795131">
-                <a:tc>
-                  <a:txBody>
-                    <a:bodyPr/>
-                    <a:lstStyle/>
-                    <a:p>
-                      <a:r>
-                        <a:rPr lang="en-US" dirty="0"/>
-                        <a:t>Q&amp;A interaction</a:t>
-                      </a:r>
-                    </a:p>
-                  </a:txBody>
-                  <a:tcPr marT="91440" anchor="ctr"/>
-                </a:tc>
-                <a:tc>
-                  <a:txBody>
-                    <a:bodyPr/>
-                    <a:lstStyle/>
-                    <a:p>
-                      <a:r>
-                        <a:rPr lang="en-US" dirty="0"/>
-                        <a:t># of questions</a:t>
-                      </a:r>
-                    </a:p>
-                  </a:txBody>
-                  <a:tcPr marT="91440" anchor="ctr"/>
-                </a:tc>
-                <a:tc>
-                  <a:txBody>
-                    <a:bodyPr/>
-                    <a:lstStyle/>
-                    <a:p>
-                      <a:r>
-                        <a:rPr lang="en-US" dirty="0"/>
-                        <a:t>10</a:t>
-                      </a:r>
-                    </a:p>
-                  </a:txBody>
-                  <a:tcPr marT="91440" anchor="ctr"/>
-                </a:tc>
-                <a:tc>
-                  <a:txBody>
-                    <a:bodyPr/>
-                    <a:lstStyle/>
-                    <a:p>
-                      <a:r>
-                        <a:rPr lang="en-US" dirty="0"/>
-                        <a:t>15</a:t>
-                      </a:r>
-                    </a:p>
-                  </a:txBody>
-                  <a:tcPr marT="91440" anchor="ctr"/>
-                </a:tc>
-                <a:extLst>
-                  <a:ext uri="{0D108BD9-81ED-4DB2-BD59-A6C34878D82A}">
-                    <a16:rowId xmlns:a16="http://schemas.microsoft.com/office/drawing/2014/main" val="280048660"/>
-                  </a:ext>
-                </a:extLst>
-              </a:tr>
-              <a:tr h="795131">
-                <a:tc>
-                  <a:txBody>
-                    <a:bodyPr/>
-                    <a:lstStyle/>
-                    <a:p>
-                      <a:r>
-                        <a:rPr lang="en-US" dirty="0"/>
-                        <a:t>Positive feedback</a:t>
-                      </a:r>
-                    </a:p>
-                  </a:txBody>
-                  <a:tcPr marT="91440" anchor="ctr"/>
-                </a:tc>
-                <a:tc>
-                  <a:txBody>
-                    <a:bodyPr/>
-                    <a:lstStyle/>
-                    <a:p>
-                      <a:r>
-                        <a:rPr lang="en-US" dirty="0"/>
-                        <a:t>Percentage (%)</a:t>
-                      </a:r>
-                    </a:p>
-                  </a:txBody>
-                  <a:tcPr marT="91440" anchor="ctr"/>
-                </a:tc>
-                <a:tc>
-                  <a:txBody>
-                    <a:bodyPr/>
-                    <a:lstStyle/>
-                    <a:p>
-                      <a:r>
-                        <a:rPr lang="en-US" dirty="0"/>
-                        <a:t>90</a:t>
-                      </a:r>
-                    </a:p>
-                  </a:txBody>
-                  <a:tcPr marT="91440" anchor="ctr"/>
-                </a:tc>
-                <a:tc>
-                  <a:txBody>
-                    <a:bodyPr/>
-                    <a:lstStyle/>
-                    <a:p>
-                      <a:r>
-                        <a:rPr lang="en-US" dirty="0"/>
-                        <a:t>95</a:t>
-                      </a:r>
-                    </a:p>
-                  </a:txBody>
-                  <a:tcPr marT="91440" anchor="ctr"/>
-                </a:tc>
-                <a:extLst>
-                  <a:ext uri="{0D108BD9-81ED-4DB2-BD59-A6C34878D82A}">
-                    <a16:rowId xmlns:a16="http://schemas.microsoft.com/office/drawing/2014/main" val="3515855353"/>
-                  </a:ext>
-                </a:extLst>
-              </a:tr>
-            </a:tbl>
-          </a:graphicData>
-        </a:graphic>
-      </p:graphicFrame>
-    </p:spTree>
-    <p:extLst>
-      <p:ext uri="{BB962C8B-B14F-4D97-AF65-F5344CB8AC3E}">
-        <p14:creationId xmlns:p14="http://schemas.microsoft.com/office/powerpoint/2010/main" val="2394014735"/>
-      </p:ext>
-    </p:extLst>
-  </p:cSld>
-  <p:clrMapOvr>
-    <a:masterClrMapping/>
-  </p:clrMapOvr>
-</p:sld>
-</file>
-
-<file path=ppt/slides/slide11.xml><?xml version="1.0" encoding="utf-8"?>
-<p:sld xmlns:a="http://schemas.openxmlformats.org/drawingml/2006/main" xmlns:r="http://schemas.openxmlformats.org/officeDocument/2006/relationships" xmlns:p="http://schemas.openxmlformats.org/presentationml/2006/main">
-  <p:cSld>
-    <p:spTree>
-      <p:nvGrpSpPr>
-        <p:cNvPr id="1" name=""/>
-        <p:cNvGrpSpPr/>
-        <p:nvPr/>
-      </p:nvGrpSpPr>
-      <p:grpSpPr>
-        <a:xfrm>
-          <a:off x="0" y="0"/>
-          <a:ext cx="0" cy="0"/>
-          <a:chOff x="0" y="0"/>
-          <a:chExt cx="0" cy="0"/>
-        </a:xfrm>
-      </p:grpSpPr>
-      <p:sp>
-        <p:nvSpPr>
-          <p:cNvPr id="2" name="Title 1">
-            <a:extLst>
-              <a:ext uri="{FF2B5EF4-FFF2-40B4-BE49-F238E27FC236}">
-                <a16:creationId xmlns:a16="http://schemas.microsoft.com/office/drawing/2014/main" id="{E2D30E0F-10C6-298A-C347-E831FFF4ECB8}"/>
-              </a:ext>
-            </a:extLst>
-          </p:cNvPr>
-          <p:cNvSpPr>
-            <a:spLocks noGrp="1"/>
-          </p:cNvSpPr>
-          <p:nvPr>
-            <p:ph type="title"/>
-          </p:nvPr>
-        </p:nvSpPr>
-        <p:spPr/>
-        <p:txBody>
-          <a:bodyPr/>
-          <a:lstStyle/>
+              <a:t>92 303 7283993</a:t>
+            </a:r>
+          </a:p>
           <a:p>
             <a:r>
               <a:rPr lang="en-US" dirty="0"/>
-              <a:t>Final tips &amp; takeaways</a:t>
-            </a:r>
-          </a:p>
-        </p:txBody>
-      </p:sp>
-      <p:sp>
-        <p:nvSpPr>
-          <p:cNvPr id="3" name="Content Placeholder 2">
-            <a:extLst>
-              <a:ext uri="{FF2B5EF4-FFF2-40B4-BE49-F238E27FC236}">
-                <a16:creationId xmlns:a16="http://schemas.microsoft.com/office/drawing/2014/main" id="{41191CC7-9CF2-71F0-1AD4-791EA9CBAD97}"/>
-              </a:ext>
-            </a:extLst>
-          </p:cNvPr>
-          <p:cNvSpPr>
-            <a:spLocks noGrp="1"/>
-          </p:cNvSpPr>
-          <p:nvPr>
-            <p:ph sz="quarter" idx="14"/>
-          </p:nvPr>
-        </p:nvSpPr>
-        <p:spPr/>
-        <p:txBody>
-          <a:bodyPr>
-            <a:normAutofit/>
-          </a:bodyPr>
-          <a:lstStyle/>
-          <a:p>
-            <a:r>
-              <a:rPr lang="en-US" dirty="0"/>
-              <a:t>Seek feedback</a:t>
-            </a:r>
-          </a:p>
-          <a:p>
-            <a:r>
-              <a:rPr lang="en-US" dirty="0"/>
-              <a:t>Reflect on performance</a:t>
-            </a:r>
-          </a:p>
-          <a:p>
-            <a:r>
-              <a:rPr lang="en-US" dirty="0"/>
-              <a:t>Explore new techniques</a:t>
-            </a:r>
-          </a:p>
-          <a:p>
-            <a:r>
-              <a:rPr lang="en-US" dirty="0"/>
-              <a:t>Set personal goals</a:t>
-            </a:r>
-          </a:p>
-          <a:p>
-            <a:r>
-              <a:rPr lang="en-US" dirty="0"/>
-              <a:t>Iterate and adapt</a:t>
-            </a:r>
-          </a:p>
-          <a:p>
-            <a:r>
-              <a:rPr lang="en-US" dirty="0"/>
-              <a:t>Consistent rehearsal</a:t>
-            </a:r>
-          </a:p>
-          <a:p>
-            <a:endParaRPr lang="en-US" dirty="0"/>
-          </a:p>
-        </p:txBody>
-      </p:sp>
-      <p:sp>
-        <p:nvSpPr>
-          <p:cNvPr id="7" name="Content Placeholder 6">
-            <a:extLst>
-              <a:ext uri="{FF2B5EF4-FFF2-40B4-BE49-F238E27FC236}">
-                <a16:creationId xmlns:a16="http://schemas.microsoft.com/office/drawing/2014/main" id="{7078F1DC-7EF8-5514-E97B-D47663F284D3}"/>
-              </a:ext>
-            </a:extLst>
-          </p:cNvPr>
-          <p:cNvSpPr>
-            <a:spLocks noGrp="1"/>
-          </p:cNvSpPr>
-          <p:nvPr>
-            <p:ph sz="quarter" idx="19"/>
-          </p:nvPr>
-        </p:nvSpPr>
-        <p:spPr/>
-        <p:txBody>
-          <a:bodyPr>
-            <a:normAutofit lnSpcReduction="10000"/>
-          </a:bodyPr>
-          <a:lstStyle/>
-          <a:p>
-            <a:r>
-              <a:rPr lang="en-US" dirty="0"/>
-              <a:t>Consistent rehearsal</a:t>
-            </a:r>
-          </a:p>
-          <a:p>
-            <a:pPr lvl="1"/>
-            <a:r>
-              <a:rPr lang="en-US" dirty="0"/>
-              <a:t>Strengthen your familiarity</a:t>
-            </a:r>
-          </a:p>
-          <a:p>
-            <a:r>
-              <a:rPr lang="en-US" dirty="0"/>
-              <a:t>Refine delivery style</a:t>
-            </a:r>
-          </a:p>
-          <a:p>
-            <a:pPr lvl="1"/>
-            <a:r>
-              <a:rPr lang="en-US" dirty="0"/>
-              <a:t>Pacing, tone, and emphasis</a:t>
-            </a:r>
-          </a:p>
-          <a:p>
-            <a:r>
-              <a:rPr lang="en-US" dirty="0"/>
-              <a:t>Timing and transitions</a:t>
-            </a:r>
-          </a:p>
-          <a:p>
-            <a:pPr lvl="1"/>
-            <a:r>
-              <a:rPr lang="en-US" dirty="0"/>
-              <a:t>Aim for seamless, professional delivery</a:t>
-            </a:r>
-          </a:p>
-          <a:p>
-            <a:r>
-              <a:rPr lang="en-US" dirty="0"/>
-              <a:t>Practice audience</a:t>
-            </a:r>
-          </a:p>
-          <a:p>
-            <a:pPr lvl="1"/>
-            <a:r>
-              <a:rPr lang="en-US" dirty="0"/>
-              <a:t>Enlist colleagues to listen &amp; provide feedback</a:t>
-            </a:r>
-          </a:p>
-          <a:p>
-            <a:endParaRPr lang="en-US" dirty="0"/>
-          </a:p>
-          <a:p>
-            <a:endParaRPr lang="en-US" dirty="0"/>
-          </a:p>
-        </p:txBody>
-      </p:sp>
-    </p:spTree>
-    <p:extLst>
-      <p:ext uri="{BB962C8B-B14F-4D97-AF65-F5344CB8AC3E}">
-        <p14:creationId xmlns:p14="http://schemas.microsoft.com/office/powerpoint/2010/main" val="4153247059"/>
-      </p:ext>
-    </p:extLst>
-  </p:cSld>
-  <p:clrMapOvr>
-    <a:masterClrMapping/>
-  </p:clrMapOvr>
-</p:sld>
-</file>
-
-<file path=ppt/slides/slide12.xml><?xml version="1.0" encoding="utf-8"?>
-<p:sld xmlns:a="http://schemas.openxmlformats.org/drawingml/2006/main" xmlns:r="http://schemas.openxmlformats.org/officeDocument/2006/relationships" xmlns:p="http://schemas.openxmlformats.org/presentationml/2006/main">
-  <p:cSld>
-    <p:spTree>
-      <p:nvGrpSpPr>
-        <p:cNvPr id="1" name=""/>
-        <p:cNvGrpSpPr/>
-        <p:nvPr/>
-      </p:nvGrpSpPr>
-      <p:grpSpPr>
-        <a:xfrm>
-          <a:off x="0" y="0"/>
-          <a:ext cx="0" cy="0"/>
-          <a:chOff x="0" y="0"/>
-          <a:chExt cx="0" cy="0"/>
-        </a:xfrm>
-      </p:grpSpPr>
-      <p:sp>
-        <p:nvSpPr>
-          <p:cNvPr id="6" name="Title 5">
-            <a:extLst>
-              <a:ext uri="{FF2B5EF4-FFF2-40B4-BE49-F238E27FC236}">
-                <a16:creationId xmlns:a16="http://schemas.microsoft.com/office/drawing/2014/main" id="{AFE67981-079D-4463-B997-67E6CA039B58}"/>
-              </a:ext>
-            </a:extLst>
-          </p:cNvPr>
-          <p:cNvSpPr>
-            <a:spLocks noGrp="1"/>
-          </p:cNvSpPr>
-          <p:nvPr>
-            <p:ph type="title"/>
-          </p:nvPr>
-        </p:nvSpPr>
-        <p:spPr/>
-        <p:txBody>
-          <a:bodyPr/>
-          <a:lstStyle/>
-          <a:p>
-            <a:r>
-              <a:rPr lang="en-US" dirty="0"/>
-              <a:t>Speaking engagement metrics</a:t>
-            </a:r>
-          </a:p>
-        </p:txBody>
-      </p:sp>
-      <p:graphicFrame>
-        <p:nvGraphicFramePr>
-          <p:cNvPr id="19" name="Table 9">
-            <a:extLst>
-              <a:ext uri="{FF2B5EF4-FFF2-40B4-BE49-F238E27FC236}">
-                <a16:creationId xmlns:a16="http://schemas.microsoft.com/office/drawing/2014/main" id="{AEFEE5B3-A51E-DC59-9595-7A6911D82E62}"/>
-              </a:ext>
-            </a:extLst>
-          </p:cNvPr>
-          <p:cNvGraphicFramePr>
-            <a:graphicFrameLocks noGrp="1"/>
-          </p:cNvGraphicFramePr>
-          <p:nvPr>
-            <p:ph type="tbl" sz="quarter" idx="14"/>
-            <p:extLst>
-              <p:ext uri="{D42A27DB-BD31-4B8C-83A1-F6EECF244321}">
-                <p14:modId xmlns:p14="http://schemas.microsoft.com/office/powerpoint/2010/main" val="1313099663"/>
-              </p:ext>
-            </p:extLst>
-          </p:nvPr>
-        </p:nvGraphicFramePr>
-        <p:xfrm>
-          <a:off x="1630363" y="2757488"/>
-          <a:ext cx="9918700" cy="3387725"/>
-        </p:xfrm>
-        <a:graphic>
-          <a:graphicData uri="http://schemas.openxmlformats.org/drawingml/2006/table">
-            <a:tbl>
-              <a:tblPr firstRow="1" bandRow="1">
-                <a:tableStyleId>{8A107856-5554-42FB-B03E-39F5DBC370BA}</a:tableStyleId>
-              </a:tblPr>
-              <a:tblGrid>
-                <a:gridCol w="3793037">
-                  <a:extLst>
-                    <a:ext uri="{9D8B030D-6E8A-4147-A177-3AD203B41FA5}">
-                      <a16:colId xmlns:a16="http://schemas.microsoft.com/office/drawing/2014/main" val="1517755082"/>
-                    </a:ext>
-                  </a:extLst>
-                </a:gridCol>
-                <a:gridCol w="2890770">
-                  <a:extLst>
-                    <a:ext uri="{9D8B030D-6E8A-4147-A177-3AD203B41FA5}">
-                      <a16:colId xmlns:a16="http://schemas.microsoft.com/office/drawing/2014/main" val="2446386500"/>
-                    </a:ext>
-                  </a:extLst>
-                </a:gridCol>
-                <a:gridCol w="1524636">
-                  <a:extLst>
-                    <a:ext uri="{9D8B030D-6E8A-4147-A177-3AD203B41FA5}">
-                      <a16:colId xmlns:a16="http://schemas.microsoft.com/office/drawing/2014/main" val="3308918160"/>
-                    </a:ext>
-                  </a:extLst>
-                </a:gridCol>
-                <a:gridCol w="1710257">
-                  <a:extLst>
-                    <a:ext uri="{9D8B030D-6E8A-4147-A177-3AD203B41FA5}">
-                      <a16:colId xmlns:a16="http://schemas.microsoft.com/office/drawing/2014/main" val="1854486728"/>
-                    </a:ext>
-                  </a:extLst>
-                </a:gridCol>
-              </a:tblGrid>
-              <a:tr h="563880">
-                <a:tc>
-                  <a:txBody>
-                    <a:bodyPr/>
-                    <a:lstStyle/>
-                    <a:p>
-                      <a:r>
-                        <a:rPr lang="en-US" dirty="0">
-                          <a:solidFill>
-                            <a:schemeClr val="tx1"/>
-                          </a:solidFill>
-                        </a:rPr>
-                        <a:t>Impact factor</a:t>
-                      </a:r>
-                    </a:p>
-                  </a:txBody>
-                  <a:tcPr marT="91440" anchor="ctr"/>
-                </a:tc>
-                <a:tc>
-                  <a:txBody>
-                    <a:bodyPr/>
-                    <a:lstStyle/>
-                    <a:p>
-                      <a:r>
-                        <a:rPr lang="en-US" dirty="0">
-                          <a:solidFill>
-                            <a:schemeClr val="tx1"/>
-                          </a:solidFill>
-                        </a:rPr>
-                        <a:t>Measurement</a:t>
-                      </a:r>
-                    </a:p>
-                  </a:txBody>
-                  <a:tcPr marT="91440" anchor="ctr"/>
-                </a:tc>
-                <a:tc>
-                  <a:txBody>
-                    <a:bodyPr/>
-                    <a:lstStyle/>
-                    <a:p>
-                      <a:r>
-                        <a:rPr lang="en-US" dirty="0">
-                          <a:solidFill>
-                            <a:schemeClr val="tx1"/>
-                          </a:solidFill>
-                        </a:rPr>
-                        <a:t>Target</a:t>
-                      </a:r>
-                    </a:p>
-                  </a:txBody>
-                  <a:tcPr marT="91440" anchor="ctr"/>
-                </a:tc>
-                <a:tc>
-                  <a:txBody>
-                    <a:bodyPr/>
-                    <a:lstStyle/>
-                    <a:p>
-                      <a:r>
-                        <a:rPr lang="en-US" dirty="0">
-                          <a:solidFill>
-                            <a:schemeClr val="tx1"/>
-                          </a:solidFill>
-                        </a:rPr>
-                        <a:t>Achieved</a:t>
-                      </a:r>
-                    </a:p>
-                  </a:txBody>
-                  <a:tcPr marT="91440" anchor="ctr"/>
-                </a:tc>
-                <a:extLst>
-                  <a:ext uri="{0D108BD9-81ED-4DB2-BD59-A6C34878D82A}">
-                    <a16:rowId xmlns:a16="http://schemas.microsoft.com/office/drawing/2014/main" val="3100351803"/>
-                  </a:ext>
-                </a:extLst>
-              </a:tr>
-              <a:tr h="563880">
-                <a:tc>
-                  <a:txBody>
-                    <a:bodyPr/>
-                    <a:lstStyle/>
-                    <a:p>
-                      <a:r>
-                        <a:rPr lang="en-US" dirty="0"/>
-                        <a:t>Audience interaction</a:t>
-                      </a:r>
-                    </a:p>
-                  </a:txBody>
-                  <a:tcPr marT="91440" anchor="ctr"/>
-                </a:tc>
-                <a:tc>
-                  <a:txBody>
-                    <a:bodyPr/>
-                    <a:lstStyle/>
-                    <a:p>
-                      <a:r>
-                        <a:rPr lang="en-US" dirty="0"/>
-                        <a:t>Percentage (%)</a:t>
-                      </a:r>
-                    </a:p>
-                  </a:txBody>
-                  <a:tcPr marT="91440" anchor="ctr"/>
-                </a:tc>
-                <a:tc>
-                  <a:txBody>
-                    <a:bodyPr/>
-                    <a:lstStyle/>
-                    <a:p>
-                      <a:r>
-                        <a:rPr lang="en-US" dirty="0"/>
-                        <a:t>85</a:t>
-                      </a:r>
-                    </a:p>
-                  </a:txBody>
-                  <a:tcPr marT="91440" anchor="ctr"/>
-                </a:tc>
-                <a:tc>
-                  <a:txBody>
-                    <a:bodyPr/>
-                    <a:lstStyle/>
-                    <a:p>
-                      <a:r>
-                        <a:rPr lang="en-US" dirty="0"/>
-                        <a:t>88</a:t>
-                      </a:r>
-                    </a:p>
-                  </a:txBody>
-                  <a:tcPr marT="91440" anchor="ctr"/>
-                </a:tc>
-                <a:extLst>
-                  <a:ext uri="{0D108BD9-81ED-4DB2-BD59-A6C34878D82A}">
-                    <a16:rowId xmlns:a16="http://schemas.microsoft.com/office/drawing/2014/main" val="2801628125"/>
-                  </a:ext>
-                </a:extLst>
-              </a:tr>
-              <a:tr h="563880">
-                <a:tc>
-                  <a:txBody>
-                    <a:bodyPr/>
-                    <a:lstStyle/>
-                    <a:p>
-                      <a:r>
-                        <a:rPr lang="en-US" dirty="0"/>
-                        <a:t>Knowledge retention</a:t>
-                      </a:r>
-                    </a:p>
-                  </a:txBody>
-                  <a:tcPr marT="91440" anchor="ctr"/>
-                </a:tc>
-                <a:tc>
-                  <a:txBody>
-                    <a:bodyPr/>
-                    <a:lstStyle/>
-                    <a:p>
-                      <a:r>
-                        <a:rPr lang="en-US" dirty="0"/>
-                        <a:t>Percentage (%)</a:t>
-                      </a:r>
-                    </a:p>
-                  </a:txBody>
-                  <a:tcPr marT="91440" anchor="ctr"/>
-                </a:tc>
-                <a:tc>
-                  <a:txBody>
-                    <a:bodyPr/>
-                    <a:lstStyle/>
-                    <a:p>
-                      <a:r>
-                        <a:rPr lang="en-US" dirty="0"/>
-                        <a:t>75</a:t>
-                      </a:r>
-                    </a:p>
-                  </a:txBody>
-                  <a:tcPr marT="91440" anchor="ctr"/>
-                </a:tc>
-                <a:tc>
-                  <a:txBody>
-                    <a:bodyPr/>
-                    <a:lstStyle/>
-                    <a:p>
-                      <a:r>
-                        <a:rPr lang="en-US" dirty="0"/>
-                        <a:t>80</a:t>
-                      </a:r>
-                    </a:p>
-                  </a:txBody>
-                  <a:tcPr marT="91440" anchor="ctr"/>
-                </a:tc>
-                <a:extLst>
-                  <a:ext uri="{0D108BD9-81ED-4DB2-BD59-A6C34878D82A}">
-                    <a16:rowId xmlns:a16="http://schemas.microsoft.com/office/drawing/2014/main" val="522315634"/>
-                  </a:ext>
-                </a:extLst>
-              </a:tr>
-              <a:tr h="563880">
-                <a:tc>
-                  <a:txBody>
-                    <a:bodyPr/>
-                    <a:lstStyle/>
-                    <a:p>
-                      <a:r>
-                        <a:rPr lang="en-US" dirty="0"/>
-                        <a:t>Post-presentation surveys</a:t>
-                      </a:r>
-                    </a:p>
-                  </a:txBody>
-                  <a:tcPr marT="91440" anchor="ctr"/>
-                </a:tc>
-                <a:tc>
-                  <a:txBody>
-                    <a:bodyPr/>
-                    <a:lstStyle/>
-                    <a:p>
-                      <a:r>
-                        <a:rPr lang="en-US" dirty="0"/>
-                        <a:t>Average rating</a:t>
-                      </a:r>
-                    </a:p>
-                  </a:txBody>
-                  <a:tcPr marT="91440" anchor="ctr"/>
-                </a:tc>
-                <a:tc>
-                  <a:txBody>
-                    <a:bodyPr/>
-                    <a:lstStyle/>
-                    <a:p>
-                      <a:r>
-                        <a:rPr lang="en-US" dirty="0"/>
-                        <a:t>4.2</a:t>
-                      </a:r>
-                    </a:p>
-                  </a:txBody>
-                  <a:tcPr marT="91440" anchor="ctr"/>
-                </a:tc>
-                <a:tc>
-                  <a:txBody>
-                    <a:bodyPr/>
-                    <a:lstStyle/>
-                    <a:p>
-                      <a:r>
-                        <a:rPr lang="en-US" dirty="0"/>
-                        <a:t>4.5</a:t>
-                      </a:r>
-                    </a:p>
-                  </a:txBody>
-                  <a:tcPr marT="91440" anchor="ctr"/>
-                </a:tc>
-                <a:extLst>
-                  <a:ext uri="{0D108BD9-81ED-4DB2-BD59-A6C34878D82A}">
-                    <a16:rowId xmlns:a16="http://schemas.microsoft.com/office/drawing/2014/main" val="3923311043"/>
-                  </a:ext>
-                </a:extLst>
-              </a:tr>
-              <a:tr h="563880">
-                <a:tc>
-                  <a:txBody>
-                    <a:bodyPr/>
-                    <a:lstStyle/>
-                    <a:p>
-                      <a:r>
-                        <a:rPr lang="en-US" dirty="0"/>
-                        <a:t>Referral rate</a:t>
-                      </a:r>
-                    </a:p>
-                  </a:txBody>
-                  <a:tcPr marT="91440" anchor="ctr"/>
-                </a:tc>
-                <a:tc>
-                  <a:txBody>
-                    <a:bodyPr/>
-                    <a:lstStyle/>
-                    <a:p>
-                      <a:r>
-                        <a:rPr lang="en-US" dirty="0"/>
-                        <a:t>Percentage (%)</a:t>
-                      </a:r>
-                    </a:p>
-                  </a:txBody>
-                  <a:tcPr marT="91440" anchor="ctr"/>
-                </a:tc>
-                <a:tc>
-                  <a:txBody>
-                    <a:bodyPr/>
-                    <a:lstStyle/>
-                    <a:p>
-                      <a:r>
-                        <a:rPr lang="en-US" dirty="0"/>
-                        <a:t>10</a:t>
-                      </a:r>
-                    </a:p>
-                  </a:txBody>
-                  <a:tcPr marT="91440" anchor="ctr"/>
-                </a:tc>
-                <a:tc>
-                  <a:txBody>
-                    <a:bodyPr/>
-                    <a:lstStyle/>
-                    <a:p>
-                      <a:r>
-                        <a:rPr lang="en-US" dirty="0"/>
-                        <a:t>12</a:t>
-                      </a:r>
-                    </a:p>
-                  </a:txBody>
-                  <a:tcPr marT="91440" anchor="ctr"/>
-                </a:tc>
-                <a:extLst>
-                  <a:ext uri="{0D108BD9-81ED-4DB2-BD59-A6C34878D82A}">
-                    <a16:rowId xmlns:a16="http://schemas.microsoft.com/office/drawing/2014/main" val="2046739586"/>
-                  </a:ext>
-                </a:extLst>
-              </a:tr>
-              <a:tr h="563880">
-                <a:tc>
-                  <a:txBody>
-                    <a:bodyPr/>
-                    <a:lstStyle/>
-                    <a:p>
-                      <a:r>
-                        <a:rPr lang="en-US" dirty="0"/>
-                        <a:t>Collaboration opportunities</a:t>
-                      </a:r>
-                    </a:p>
-                  </a:txBody>
-                  <a:tcPr marT="91440" anchor="ctr"/>
-                </a:tc>
-                <a:tc>
-                  <a:txBody>
-                    <a:bodyPr/>
-                    <a:lstStyle/>
-                    <a:p>
-                      <a:r>
-                        <a:rPr lang="en-US" dirty="0"/>
-                        <a:t># of opportunities</a:t>
-                      </a:r>
-                    </a:p>
-                  </a:txBody>
-                  <a:tcPr marT="91440" anchor="ctr"/>
-                </a:tc>
-                <a:tc>
-                  <a:txBody>
-                    <a:bodyPr/>
-                    <a:lstStyle/>
-                    <a:p>
-                      <a:r>
-                        <a:rPr lang="en-US" dirty="0"/>
-                        <a:t>8</a:t>
-                      </a:r>
-                    </a:p>
-                  </a:txBody>
-                  <a:tcPr marT="91440" anchor="ctr"/>
-                </a:tc>
-                <a:tc>
-                  <a:txBody>
-                    <a:bodyPr/>
-                    <a:lstStyle/>
-                    <a:p>
-                      <a:r>
-                        <a:rPr lang="en-US" dirty="0"/>
-                        <a:t>10</a:t>
-                      </a:r>
-                    </a:p>
-                  </a:txBody>
-                  <a:tcPr marT="91440" anchor="ctr"/>
-                </a:tc>
-                <a:extLst>
-                  <a:ext uri="{0D108BD9-81ED-4DB2-BD59-A6C34878D82A}">
-                    <a16:rowId xmlns:a16="http://schemas.microsoft.com/office/drawing/2014/main" val="2166282185"/>
-                  </a:ext>
-                </a:extLst>
-              </a:tr>
-            </a:tbl>
-          </a:graphicData>
-        </a:graphic>
-      </p:graphicFrame>
-    </p:spTree>
-    <p:extLst>
-      <p:ext uri="{BB962C8B-B14F-4D97-AF65-F5344CB8AC3E}">
-        <p14:creationId xmlns:p14="http://schemas.microsoft.com/office/powerpoint/2010/main" val="3345023337"/>
-      </p:ext>
-    </p:extLst>
-  </p:cSld>
-  <p:clrMapOvr>
-    <a:masterClrMapping/>
-  </p:clrMapOvr>
-</p:sld>
-</file>
-
-<file path=ppt/slides/slide13.xml><?xml version="1.0" encoding="utf-8"?>
-<p:sld xmlns:a="http://schemas.openxmlformats.org/drawingml/2006/main" xmlns:r="http://schemas.openxmlformats.org/officeDocument/2006/relationships" xmlns:p="http://schemas.openxmlformats.org/presentationml/2006/main">
-  <p:cSld>
-    <p:spTree>
-      <p:nvGrpSpPr>
-        <p:cNvPr id="1" name=""/>
-        <p:cNvGrpSpPr/>
-        <p:nvPr/>
-      </p:nvGrpSpPr>
-      <p:grpSpPr>
-        <a:xfrm>
-          <a:off x="0" y="0"/>
-          <a:ext cx="0" cy="0"/>
-          <a:chOff x="0" y="0"/>
-          <a:chExt cx="0" cy="0"/>
-        </a:xfrm>
-      </p:grpSpPr>
-      <p:sp>
-        <p:nvSpPr>
-          <p:cNvPr id="4" name="Title 3">
-            <a:extLst>
-              <a:ext uri="{FF2B5EF4-FFF2-40B4-BE49-F238E27FC236}">
-                <a16:creationId xmlns:a16="http://schemas.microsoft.com/office/drawing/2014/main" id="{664081DB-1923-4878-AB15-AD54F35A1DC7}"/>
-              </a:ext>
-            </a:extLst>
-          </p:cNvPr>
-          <p:cNvSpPr>
-            <a:spLocks noGrp="1"/>
-          </p:cNvSpPr>
-          <p:nvPr>
-            <p:ph type="title"/>
-          </p:nvPr>
-        </p:nvSpPr>
-        <p:spPr/>
-        <p:txBody>
-          <a:bodyPr/>
-          <a:lstStyle/>
-          <a:p>
-            <a:r>
-              <a:rPr lang="en-US" dirty="0"/>
-              <a:t>THANK YOU</a:t>
-            </a:r>
-          </a:p>
-        </p:txBody>
-      </p:sp>
-      <p:sp>
-        <p:nvSpPr>
-          <p:cNvPr id="5" name="Content Placeholder 4">
-            <a:extLst>
-              <a:ext uri="{FF2B5EF4-FFF2-40B4-BE49-F238E27FC236}">
-                <a16:creationId xmlns:a16="http://schemas.microsoft.com/office/drawing/2014/main" id="{5755816F-F516-477A-8EF2-D8CA20267590}"/>
-              </a:ext>
-            </a:extLst>
-          </p:cNvPr>
-          <p:cNvSpPr>
-            <a:spLocks noGrp="1"/>
-          </p:cNvSpPr>
-          <p:nvPr>
-            <p:ph idx="1"/>
-          </p:nvPr>
-        </p:nvSpPr>
-        <p:spPr/>
-        <p:txBody>
-          <a:bodyPr>
-            <a:normAutofit/>
-          </a:bodyPr>
-          <a:lstStyle/>
-          <a:p>
-            <a:r>
-              <a:rPr lang="en-US" dirty="0"/>
-              <a:t>Brita Tamm</a:t>
-            </a:r>
-          </a:p>
-          <a:p>
-            <a:r>
-              <a:rPr lang="en-US" dirty="0"/>
-              <a:t>502-555-0152</a:t>
-            </a:r>
-          </a:p>
-          <a:p>
-            <a:r>
-              <a:rPr lang="en-US" dirty="0"/>
-              <a:t>brita@firstupconsultants.com</a:t>
-            </a:r>
-          </a:p>
-          <a:p>
-            <a:r>
-              <a:rPr lang="en-US" dirty="0"/>
-              <a:t>www.firstupconsultants.com</a:t>
+              <a:t>muhammadabdullahtalib@gmail.com</a:t>
             </a:r>
           </a:p>
         </p:txBody>
@@ -15851,7 +11206,12 @@
             <p:ph type="title"/>
           </p:nvPr>
         </p:nvSpPr>
-        <p:spPr/>
+        <p:spPr>
+          <a:xfrm>
+            <a:off x="787178" y="1232900"/>
+            <a:ext cx="6623040" cy="718715"/>
+          </a:xfrm>
+        </p:spPr>
         <p:txBody>
           <a:bodyPr>
             <a:normAutofit/>
@@ -15881,10 +11241,15 @@
             <p:ph sz="quarter" idx="14"/>
           </p:nvPr>
         </p:nvSpPr>
-        <p:spPr/>
+        <p:spPr>
+          <a:xfrm>
+            <a:off x="787399" y="2033196"/>
+            <a:ext cx="6622819" cy="3905267"/>
+          </a:xfrm>
+        </p:spPr>
         <p:txBody>
           <a:bodyPr>
-            <a:normAutofit/>
+            <a:normAutofit lnSpcReduction="10000"/>
           </a:bodyPr>
           <a:lstStyle/>
           <a:p>
@@ -15896,25 +11261,37 @@
           <a:p>
             <a:r>
               <a:rPr lang="en-US" dirty="0"/>
-              <a:t>Building confidence</a:t>
+              <a:t>Objectives</a:t>
             </a:r>
           </a:p>
           <a:p>
             <a:r>
               <a:rPr lang="en-US" dirty="0"/>
-              <a:t>Engaging the audience</a:t>
+              <a:t>Data Collection</a:t>
             </a:r>
           </a:p>
           <a:p>
             <a:r>
               <a:rPr lang="en-US" dirty="0"/>
-              <a:t>Visual aids</a:t>
+              <a:t>Data Preparation</a:t>
             </a:r>
           </a:p>
           <a:p>
             <a:r>
               <a:rPr lang="en-US" dirty="0"/>
-              <a:t>Final tips &amp; takeaways</a:t>
+              <a:t>Graph Construction</a:t>
+            </a:r>
+          </a:p>
+          <a:p>
+            <a:r>
+              <a:rPr lang="en-US" dirty="0"/>
+              <a:t>KNN Classification</a:t>
+            </a:r>
+          </a:p>
+          <a:p>
+            <a:r>
+              <a:rPr lang="en-US" dirty="0"/>
+              <a:t>Challenges</a:t>
             </a:r>
           </a:p>
         </p:txBody>
@@ -15935,14 +11312,6 @@
 <file path=ppt/slides/slide3.xml><?xml version="1.0" encoding="utf-8"?>
 <p:sld xmlns:a="http://schemas.openxmlformats.org/drawingml/2006/main" xmlns:r="http://schemas.openxmlformats.org/officeDocument/2006/relationships" xmlns:p="http://schemas.openxmlformats.org/presentationml/2006/main">
   <p:cSld>
-    <p:bg>
-      <p:bgPr>
-        <a:solidFill>
-          <a:schemeClr val="bg2"/>
-        </a:solidFill>
-        <a:effectLst/>
-      </p:bgPr>
-    </p:bg>
     <p:spTree>
       <p:nvGrpSpPr>
         <p:cNvPr id="1" name=""/>
@@ -15959,10 +11328,10 @@
       </p:grpSpPr>
       <p:sp>
         <p:nvSpPr>
-          <p:cNvPr id="7" name="Title 6">
-            <a:extLst>
-              <a:ext uri="{FF2B5EF4-FFF2-40B4-BE49-F238E27FC236}">
-                <a16:creationId xmlns:a16="http://schemas.microsoft.com/office/drawing/2014/main" id="{0814B6A3-5F3E-4909-8ED5-87FE82492264}"/>
+          <p:cNvPr id="2" name="Title 1">
+            <a:extLst>
+              <a:ext uri="{FF2B5EF4-FFF2-40B4-BE49-F238E27FC236}">
+                <a16:creationId xmlns:a16="http://schemas.microsoft.com/office/drawing/2014/main" id="{E2D30E0F-10C6-298A-C347-E831FFF4ECB8}"/>
               </a:ext>
             </a:extLst>
           </p:cNvPr>
@@ -15970,56 +11339,112 @@
             <a:spLocks noGrp="1"/>
           </p:cNvSpPr>
           <p:nvPr>
-            <p:ph type="ctrTitle"/>
+            <p:ph type="title"/>
           </p:nvPr>
         </p:nvSpPr>
         <p:spPr/>
         <p:txBody>
-          <a:bodyPr vert="horz" lIns="109728" tIns="109728" rIns="109728" bIns="91440" rtlCol="0" anchor="ctr">
+          <a:bodyPr/>
+          <a:lstStyle/>
+          <a:p>
+            <a:r>
+              <a:rPr lang="en-US" dirty="0"/>
+              <a:t>Introduction</a:t>
+            </a:r>
+          </a:p>
+        </p:txBody>
+      </p:sp>
+      <p:sp>
+        <p:nvSpPr>
+          <p:cNvPr id="3" name="Content Placeholder 2">
+            <a:extLst>
+              <a:ext uri="{FF2B5EF4-FFF2-40B4-BE49-F238E27FC236}">
+                <a16:creationId xmlns:a16="http://schemas.microsoft.com/office/drawing/2014/main" id="{41191CC7-9CF2-71F0-1AD4-791EA9CBAD97}"/>
+              </a:ext>
+            </a:extLst>
+          </p:cNvPr>
+          <p:cNvSpPr>
+            <a:spLocks noGrp="1"/>
+          </p:cNvSpPr>
+          <p:nvPr>
+            <p:ph sz="quarter" idx="18"/>
+          </p:nvPr>
+        </p:nvSpPr>
+        <p:spPr>
+          <a:xfrm>
+            <a:off x="1535372" y="697478"/>
+            <a:ext cx="4753581" cy="3718557"/>
+          </a:xfrm>
+        </p:spPr>
+        <p:txBody>
+          <a:bodyPr>
             <a:normAutofit/>
           </a:bodyPr>
           <a:lstStyle/>
           <a:p>
+            <a:pPr marL="342900" indent="-342900">
+              <a:buFont typeface="+mj-lt"/>
+              <a:buAutoNum type="arabicPeriod"/>
+            </a:pPr>
             <a:r>
               <a:rPr lang="en-US" dirty="0"/>
-              <a:t>The power of communication</a:t>
-            </a:r>
-          </a:p>
-        </p:txBody>
-      </p:sp>
-      <p:pic>
-        <p:nvPicPr>
-          <p:cNvPr id="41" name="Picture Placeholder 40" descr="A large room with glass walls&#10;">
-            <a:extLst>
-              <a:ext uri="{FF2B5EF4-FFF2-40B4-BE49-F238E27FC236}">
-                <a16:creationId xmlns:a16="http://schemas.microsoft.com/office/drawing/2014/main" id="{9FB4A3D7-302B-4FAB-B9BD-5F75A796AC7C}"/>
-              </a:ext>
-            </a:extLst>
-          </p:cNvPr>
-          <p:cNvPicPr>
-            <a:picLocks noGrp="1" noChangeAspect="1"/>
-          </p:cNvPicPr>
-          <p:nvPr>
-            <p:ph type="pic" sz="quarter" idx="13"/>
-          </p:nvPr>
-        </p:nvPicPr>
-        <p:blipFill rotWithShape="1">
-          <a:blip r:embed="rId3" cstate="screen">
-            <a:extLst>
-              <a:ext uri="{28A0092B-C50C-407E-A947-70E740481C1C}">
-                <a14:useLocalDpi xmlns:a14="http://schemas.microsoft.com/office/drawing/2010/main"/>
-              </a:ext>
-            </a:extLst>
-          </a:blip>
-          <a:srcRect l="7980" r="7980"/>
-          <a:stretch/>
-        </p:blipFill>
-        <p:spPr/>
-      </p:pic>
+              <a:t>What is Document Classification?</a:t>
+            </a:r>
+          </a:p>
+          <a:p>
+            <a:pPr marL="342900" indent="-342900">
+              <a:buFont typeface="+mj-lt"/>
+              <a:buAutoNum type="arabicPeriod"/>
+            </a:pPr>
+            <a:r>
+              <a:rPr lang="en-US" dirty="0"/>
+              <a:t>Limitations of Traditional Models (TF-IDF, </a:t>
+            </a:r>
+            <a:r>
+              <a:rPr lang="en-US" dirty="0" err="1"/>
+              <a:t>BoW</a:t>
+            </a:r>
+            <a:r>
+              <a:rPr lang="en-US" dirty="0"/>
+              <a:t>)</a:t>
+            </a:r>
+          </a:p>
+          <a:p>
+            <a:pPr marL="342900" indent="-342900">
+              <a:buFont typeface="+mj-lt"/>
+              <a:buAutoNum type="arabicPeriod"/>
+            </a:pPr>
+            <a:r>
+              <a:rPr lang="en-US" dirty="0"/>
+              <a:t>Why Graphs?</a:t>
+            </a:r>
+          </a:p>
+          <a:p>
+            <a:pPr marL="342900" indent="-342900">
+              <a:buFont typeface="+mj-lt"/>
+              <a:buAutoNum type="arabicPeriod"/>
+            </a:pPr>
+            <a:r>
+              <a:rPr lang="en-US" dirty="0"/>
+              <a:t>Project Goal</a:t>
+            </a:r>
+          </a:p>
+          <a:p>
+            <a:pPr marL="342900" indent="-342900">
+              <a:buFont typeface="+mj-lt"/>
+              <a:buAutoNum type="arabicPeriod"/>
+            </a:pPr>
+            <a:r>
+              <a:rPr lang="en-US" dirty="0"/>
+              <a:t>Project Benefits</a:t>
+            </a:r>
+          </a:p>
+        </p:txBody>
+      </p:sp>
     </p:spTree>
     <p:extLst>
       <p:ext uri="{BB962C8B-B14F-4D97-AF65-F5344CB8AC3E}">
-        <p14:creationId xmlns:p14="http://schemas.microsoft.com/office/powerpoint/2010/main" val="2916022834"/>
+        <p14:creationId xmlns:p14="http://schemas.microsoft.com/office/powerpoint/2010/main" val="1230700268"/>
       </p:ext>
     </p:extLst>
   </p:cSld>
@@ -16048,10 +11473,10 @@
       </p:grpSpPr>
       <p:sp>
         <p:nvSpPr>
-          <p:cNvPr id="14" name="Title 13">
-            <a:extLst>
-              <a:ext uri="{FF2B5EF4-FFF2-40B4-BE49-F238E27FC236}">
-                <a16:creationId xmlns:a16="http://schemas.microsoft.com/office/drawing/2014/main" id="{331CEB84-49DC-40A9-B2F0-D573658AE999}"/>
+          <p:cNvPr id="2" name="Title 1">
+            <a:extLst>
+              <a:ext uri="{FF2B5EF4-FFF2-40B4-BE49-F238E27FC236}">
+                <a16:creationId xmlns:a16="http://schemas.microsoft.com/office/drawing/2014/main" id="{6A0D2769-08DE-E62F-163A-27A5442A9FFA}"/>
               </a:ext>
             </a:extLst>
           </p:cNvPr>
@@ -16069,17 +11494,17 @@
           <a:p>
             <a:r>
               <a:rPr lang="en-US" dirty="0"/>
-              <a:t>Overcoming nervousness</a:t>
-            </a:r>
-          </a:p>
-        </p:txBody>
-      </p:sp>
-      <p:sp>
-        <p:nvSpPr>
-          <p:cNvPr id="15" name="Subtitle 14">
-            <a:extLst>
-              <a:ext uri="{FF2B5EF4-FFF2-40B4-BE49-F238E27FC236}">
-                <a16:creationId xmlns:a16="http://schemas.microsoft.com/office/drawing/2014/main" id="{B7886DF7-FA3D-4AD1-AEC1-578EA3AC8C7D}"/>
+              <a:t>Objectives</a:t>
+            </a:r>
+          </a:p>
+        </p:txBody>
+      </p:sp>
+      <p:sp>
+        <p:nvSpPr>
+          <p:cNvPr id="3" name="Content Placeholder 2">
+            <a:extLst>
+              <a:ext uri="{FF2B5EF4-FFF2-40B4-BE49-F238E27FC236}">
+                <a16:creationId xmlns:a16="http://schemas.microsoft.com/office/drawing/2014/main" id="{3EAD3192-D337-8C2E-FAAC-9B46B5DFBD21}"/>
               </a:ext>
             </a:extLst>
           </p:cNvPr>
@@ -16087,54 +11512,51 @@
             <a:spLocks noGrp="1"/>
           </p:cNvSpPr>
           <p:nvPr>
-            <p:ph type="subTitle" idx="1"/>
+            <p:ph sz="quarter" idx="16"/>
           </p:nvPr>
         </p:nvSpPr>
         <p:spPr/>
         <p:txBody>
-          <a:bodyPr/>
+          <a:bodyPr>
+            <a:normAutofit lnSpcReduction="10000"/>
+          </a:bodyPr>
           <a:lstStyle/>
           <a:p>
             <a:r>
               <a:rPr lang="en-US" dirty="0"/>
-              <a:t>Confidence-building strategies</a:t>
-            </a:r>
-          </a:p>
-        </p:txBody>
-      </p:sp>
-      <p:pic>
-        <p:nvPicPr>
-          <p:cNvPr id="5" name="Picture Placeholder 4" descr="People in the middle of a circular room ">
-            <a:extLst>
-              <a:ext uri="{FF2B5EF4-FFF2-40B4-BE49-F238E27FC236}">
-                <a16:creationId xmlns:a16="http://schemas.microsoft.com/office/drawing/2014/main" id="{0CEB905B-7FDD-4B1A-96BF-B5A081A25FC8}"/>
-              </a:ext>
-            </a:extLst>
-          </p:cNvPr>
-          <p:cNvPicPr>
-            <a:picLocks noGrp="1" noChangeAspect="1"/>
-          </p:cNvPicPr>
-          <p:nvPr>
-            <p:ph type="pic" sz="quarter" idx="13"/>
-          </p:nvPr>
-        </p:nvPicPr>
-        <p:blipFill rotWithShape="1">
-          <a:blip r:embed="rId3" cstate="screen">
-            <a:extLst>
-              <a:ext uri="{28A0092B-C50C-407E-A947-70E740481C1C}">
-                <a14:useLocalDpi xmlns:a14="http://schemas.microsoft.com/office/drawing/2010/main"/>
-              </a:ext>
-            </a:extLst>
-          </a:blip>
-          <a:srcRect l="7618" r="7618"/>
-          <a:stretch/>
-        </p:blipFill>
-        <p:spPr/>
-      </p:pic>
+              <a:t>- Data collection and preparation</a:t>
+            </a:r>
+          </a:p>
+          <a:p>
+            <a:r>
+              <a:rPr lang="en-US" dirty="0"/>
+              <a:t>- Graph construction</a:t>
+            </a:r>
+          </a:p>
+          <a:p>
+            <a:r>
+              <a:rPr lang="en-US" dirty="0"/>
+              <a:t>- Feature extraction via common subgraphs</a:t>
+            </a:r>
+          </a:p>
+          <a:p>
+            <a:r>
+              <a:rPr lang="en-US" dirty="0"/>
+              <a:t>- Classification with KNN</a:t>
+            </a:r>
+          </a:p>
+          <a:p>
+            <a:r>
+              <a:rPr lang="en-US" dirty="0"/>
+              <a:t>- Evaluation of classification performance</a:t>
+            </a:r>
+          </a:p>
+        </p:txBody>
+      </p:sp>
     </p:spTree>
     <p:extLst>
       <p:ext uri="{BB962C8B-B14F-4D97-AF65-F5344CB8AC3E}">
-        <p14:creationId xmlns:p14="http://schemas.microsoft.com/office/powerpoint/2010/main" val="2779792646"/>
+        <p14:creationId xmlns:p14="http://schemas.microsoft.com/office/powerpoint/2010/main" val="4065057152"/>
       </p:ext>
     </p:extLst>
   </p:cSld>
@@ -16147,6 +11569,14 @@
 <file path=ppt/slides/slide5.xml><?xml version="1.0" encoding="utf-8"?>
 <p:sld xmlns:a="http://schemas.openxmlformats.org/drawingml/2006/main" xmlns:r="http://schemas.openxmlformats.org/officeDocument/2006/relationships" xmlns:p="http://schemas.openxmlformats.org/presentationml/2006/main">
   <p:cSld>
+    <p:bg>
+      <p:bgPr>
+        <a:solidFill>
+          <a:schemeClr val="bg2"/>
+        </a:solidFill>
+        <a:effectLst/>
+      </p:bgPr>
+    </p:bg>
     <p:spTree>
       <p:nvGrpSpPr>
         <p:cNvPr id="1" name=""/>
@@ -16163,10 +11593,263 @@
       </p:grpSpPr>
       <p:sp>
         <p:nvSpPr>
+          <p:cNvPr id="56" name="Rectangle 55">
+            <a:extLst>
+              <a:ext uri="{FF2B5EF4-FFF2-40B4-BE49-F238E27FC236}">
+                <a16:creationId xmlns:a16="http://schemas.microsoft.com/office/drawing/2014/main" id="{0786F82F-1B47-46ED-8EAE-53EF71E59E9A}"/>
+              </a:ext>
+              <a:ext uri="{C183D7F6-B498-43B3-948B-1728B52AA6E4}">
+                <adec:decorative xmlns:adec="http://schemas.microsoft.com/office/drawing/2017/decorative" val="1"/>
+              </a:ext>
+            </a:extLst>
+          </p:cNvPr>
+          <p:cNvSpPr>
+            <a:spLocks noGrp="1" noRot="1" noChangeAspect="1" noMove="1" noResize="1" noEditPoints="1" noAdjustHandles="1" noChangeArrowheads="1" noChangeShapeType="1" noTextEdit="1"/>
+          </p:cNvSpPr>
+          <p:nvPr>
+            <p:extLst>
+              <p:ext uri="{386F3935-93C4-4BCD-93E2-E3B085C9AB24}">
+                <p16:designElem xmlns:p16="http://schemas.microsoft.com/office/powerpoint/2015/main" val="1"/>
+              </p:ext>
+            </p:extLst>
+          </p:nvPr>
+        </p:nvSpPr>
+        <p:spPr>
+          <a:xfrm>
+            <a:off x="4718302" y="0"/>
+            <a:ext cx="7473698" cy="6858000"/>
+          </a:xfrm>
+          <a:prstGeom prst="rect">
+            <a:avLst/>
+          </a:prstGeom>
+          <a:solidFill>
+            <a:schemeClr val="bg1">
+              <a:alpha val="75000"/>
+            </a:schemeClr>
+          </a:solidFill>
+          <a:ln>
+            <a:noFill/>
+          </a:ln>
+        </p:spPr>
+        <p:style>
+          <a:lnRef idx="2">
+            <a:schemeClr val="accent1">
+              <a:shade val="50000"/>
+            </a:schemeClr>
+          </a:lnRef>
+          <a:fillRef idx="1">
+            <a:schemeClr val="accent1"/>
+          </a:fillRef>
+          <a:effectRef idx="0">
+            <a:schemeClr val="accent1"/>
+          </a:effectRef>
+          <a:fontRef idx="minor">
+            <a:schemeClr val="lt1"/>
+          </a:fontRef>
+        </p:style>
+        <p:txBody>
+          <a:bodyPr rtlCol="0" anchor="ctr"/>
+          <a:lstStyle/>
+          <a:p>
+            <a:pPr algn="ctr"/>
+            <a:endParaRPr lang="en-US"/>
+          </a:p>
+        </p:txBody>
+      </p:sp>
+      <p:sp>
+        <p:nvSpPr>
+          <p:cNvPr id="57" name="Rectangle 56">
+            <a:extLst>
+              <a:ext uri="{FF2B5EF4-FFF2-40B4-BE49-F238E27FC236}">
+                <a16:creationId xmlns:a16="http://schemas.microsoft.com/office/drawing/2014/main" id="{EF1BAF6F-6275-4646-9C59-331B29B9550F}"/>
+              </a:ext>
+              <a:ext uri="{C183D7F6-B498-43B3-948B-1728B52AA6E4}">
+                <adec:decorative xmlns:adec="http://schemas.microsoft.com/office/drawing/2017/decorative" val="1"/>
+              </a:ext>
+            </a:extLst>
+          </p:cNvPr>
+          <p:cNvSpPr>
+            <a:spLocks noGrp="1" noRot="1" noChangeAspect="1" noMove="1" noResize="1" noEditPoints="1" noAdjustHandles="1" noChangeArrowheads="1" noChangeShapeType="1" noTextEdit="1"/>
+          </p:cNvSpPr>
+          <p:nvPr>
+            <p:extLst>
+              <p:ext uri="{386F3935-93C4-4BCD-93E2-E3B085C9AB24}">
+                <p16:designElem xmlns:p16="http://schemas.microsoft.com/office/powerpoint/2015/main" val="1"/>
+              </p:ext>
+            </p:extLst>
+          </p:nvPr>
+        </p:nvSpPr>
+        <p:spPr>
+          <a:xfrm rot="5400000">
+            <a:off x="1257298" y="3396997"/>
+            <a:ext cx="6858002" cy="64008"/>
+          </a:xfrm>
+          <a:prstGeom prst="rect">
+            <a:avLst/>
+          </a:prstGeom>
+          <a:solidFill>
+            <a:schemeClr val="tx2"/>
+          </a:solidFill>
+          <a:ln>
+            <a:noFill/>
+          </a:ln>
+        </p:spPr>
+        <p:style>
+          <a:lnRef idx="2">
+            <a:schemeClr val="accent1">
+              <a:shade val="50000"/>
+            </a:schemeClr>
+          </a:lnRef>
+          <a:fillRef idx="1">
+            <a:schemeClr val="accent1"/>
+          </a:fillRef>
+          <a:effectRef idx="0">
+            <a:schemeClr val="accent1"/>
+          </a:effectRef>
+          <a:fontRef idx="minor">
+            <a:schemeClr val="lt1"/>
+          </a:fontRef>
+        </p:style>
+        <p:txBody>
+          <a:bodyPr rtlCol="0" anchor="ctr"/>
+          <a:lstStyle/>
+          <a:p>
+            <a:pPr algn="ctr"/>
+            <a:endParaRPr lang="en-US"/>
+          </a:p>
+        </p:txBody>
+      </p:sp>
+      <p:sp useBgFill="1">
+        <p:nvSpPr>
+          <p:cNvPr id="58" name="Rectangle 57">
+            <a:extLst>
+              <a:ext uri="{FF2B5EF4-FFF2-40B4-BE49-F238E27FC236}">
+                <a16:creationId xmlns:a16="http://schemas.microsoft.com/office/drawing/2014/main" id="{099405E2-1A96-4DBA-A9DC-4C2A1B421CA9}"/>
+              </a:ext>
+              <a:ext uri="{C183D7F6-B498-43B3-948B-1728B52AA6E4}">
+                <adec:decorative xmlns:adec="http://schemas.microsoft.com/office/drawing/2017/decorative" val="1"/>
+              </a:ext>
+            </a:extLst>
+          </p:cNvPr>
+          <p:cNvSpPr>
+            <a:spLocks noGrp="1" noRot="1" noChangeAspect="1" noMove="1" noResize="1" noEditPoints="1" noAdjustHandles="1" noChangeArrowheads="1" noChangeShapeType="1" noTextEdit="1"/>
+          </p:cNvSpPr>
+          <p:nvPr>
+            <p:extLst>
+              <p:ext uri="{386F3935-93C4-4BCD-93E2-E3B085C9AB24}">
+                <p16:designElem xmlns:p16="http://schemas.microsoft.com/office/powerpoint/2015/main" val="1"/>
+              </p:ext>
+            </p:extLst>
+          </p:nvPr>
+        </p:nvSpPr>
+        <p:spPr>
+          <a:xfrm flipH="1">
+            <a:off x="0" y="0"/>
+            <a:ext cx="12192001" cy="6858000"/>
+          </a:xfrm>
+          <a:prstGeom prst="rect">
+            <a:avLst/>
+          </a:prstGeom>
+          <a:ln>
+            <a:noFill/>
+          </a:ln>
+        </p:spPr>
+        <p:style>
+          <a:lnRef idx="2">
+            <a:schemeClr val="accent1">
+              <a:shade val="50000"/>
+            </a:schemeClr>
+          </a:lnRef>
+          <a:fillRef idx="1">
+            <a:schemeClr val="accent1"/>
+          </a:fillRef>
+          <a:effectRef idx="0">
+            <a:schemeClr val="accent1"/>
+          </a:effectRef>
+          <a:fontRef idx="minor">
+            <a:schemeClr val="lt1"/>
+          </a:fontRef>
+        </p:style>
+        <p:txBody>
+          <a:bodyPr rtlCol="0" anchor="ctr"/>
+          <a:lstStyle/>
+          <a:p>
+            <a:pPr algn="ctr"/>
+            <a:endParaRPr lang="en-US" dirty="0"/>
+          </a:p>
+        </p:txBody>
+      </p:sp>
+      <p:sp>
+        <p:nvSpPr>
+          <p:cNvPr id="59" name="Rectangle 58">
+            <a:extLst>
+              <a:ext uri="{FF2B5EF4-FFF2-40B4-BE49-F238E27FC236}">
+                <a16:creationId xmlns:a16="http://schemas.microsoft.com/office/drawing/2014/main" id="{79855050-A75B-4DD0-9B56-8B1C7722D884}"/>
+              </a:ext>
+              <a:ext uri="{C183D7F6-B498-43B3-948B-1728B52AA6E4}">
+                <adec:decorative xmlns:adec="http://schemas.microsoft.com/office/drawing/2017/decorative" val="1"/>
+              </a:ext>
+            </a:extLst>
+          </p:cNvPr>
+          <p:cNvSpPr>
+            <a:spLocks noGrp="1" noRot="1" noChangeAspect="1" noMove="1" noResize="1" noEditPoints="1" noAdjustHandles="1" noChangeArrowheads="1" noChangeShapeType="1" noTextEdit="1"/>
+          </p:cNvSpPr>
+          <p:nvPr>
+            <p:extLst>
+              <p:ext uri="{386F3935-93C4-4BCD-93E2-E3B085C9AB24}">
+                <p16:designElem xmlns:p16="http://schemas.microsoft.com/office/powerpoint/2015/main" val="1"/>
+              </p:ext>
+            </p:extLst>
+          </p:nvPr>
+        </p:nvSpPr>
+        <p:spPr>
+          <a:xfrm flipH="1">
+            <a:off x="-7235" y="758246"/>
+            <a:ext cx="4658480" cy="5386318"/>
+          </a:xfrm>
+          <a:prstGeom prst="rect">
+            <a:avLst/>
+          </a:prstGeom>
+          <a:solidFill>
+            <a:schemeClr val="bg1">
+              <a:alpha val="75000"/>
+            </a:schemeClr>
+          </a:solidFill>
+          <a:ln>
+            <a:noFill/>
+          </a:ln>
+        </p:spPr>
+        <p:style>
+          <a:lnRef idx="2">
+            <a:schemeClr val="accent1">
+              <a:shade val="50000"/>
+            </a:schemeClr>
+          </a:lnRef>
+          <a:fillRef idx="1">
+            <a:schemeClr val="accent1"/>
+          </a:fillRef>
+          <a:effectRef idx="0">
+            <a:schemeClr val="accent1"/>
+          </a:effectRef>
+          <a:fontRef idx="minor">
+            <a:schemeClr val="lt1"/>
+          </a:fontRef>
+        </p:style>
+        <p:txBody>
+          <a:bodyPr rtlCol="0" anchor="ctr"/>
+          <a:lstStyle/>
+          <a:p>
+            <a:pPr algn="ctr"/>
+            <a:endParaRPr lang="en-US"/>
+          </a:p>
+        </p:txBody>
+      </p:sp>
+      <p:sp>
+        <p:nvSpPr>
           <p:cNvPr id="2" name="Title 1">
             <a:extLst>
               <a:ext uri="{FF2B5EF4-FFF2-40B4-BE49-F238E27FC236}">
-                <a16:creationId xmlns:a16="http://schemas.microsoft.com/office/drawing/2014/main" id="{7FAB65A9-1ACB-EE49-7672-A927F8F3463B}"/>
+                <a16:creationId xmlns:a16="http://schemas.microsoft.com/office/drawing/2014/main" id="{E2D30E0F-10C6-298A-C347-E831FFF4ECB8}"/>
               </a:ext>
             </a:extLst>
           </p:cNvPr>
@@ -16177,103 +11860,534 @@
             <p:ph type="title"/>
           </p:nvPr>
         </p:nvSpPr>
-        <p:spPr/>
-        <p:txBody>
-          <a:bodyPr/>
-          <a:lstStyle/>
-          <a:p>
-            <a:r>
-              <a:rPr lang="en-US" dirty="0"/>
-              <a:t>Engaging the audience</a:t>
+        <p:spPr>
+          <a:xfrm>
+            <a:off x="133564" y="1072110"/>
+            <a:ext cx="4120383" cy="1862345"/>
+          </a:xfrm>
+        </p:spPr>
+        <p:txBody>
+          <a:bodyPr vert="horz" lIns="109728" tIns="109728" rIns="109728" bIns="91440" rtlCol="0" anchor="ctr">
+            <a:normAutofit/>
+          </a:bodyPr>
+          <a:lstStyle/>
+          <a:p>
+            <a:pPr>
+              <a:lnSpc>
+                <a:spcPct val="150000"/>
+              </a:lnSpc>
+            </a:pPr>
+            <a:r>
+              <a:rPr lang="en-US" sz="3600" dirty="0">
+                <a:solidFill>
+                  <a:schemeClr val="tx1">
+                    <a:lumMod val="75000"/>
+                    <a:lumOff val="25000"/>
+                  </a:schemeClr>
+                </a:solidFill>
+              </a:rPr>
+              <a:t>Data Collection</a:t>
+            </a:r>
+          </a:p>
+        </p:txBody>
+      </p:sp>
+      <p:sp>
+        <p:nvSpPr>
+          <p:cNvPr id="60" name="Rectangle 59">
+            <a:extLst>
+              <a:ext uri="{FF2B5EF4-FFF2-40B4-BE49-F238E27FC236}">
+                <a16:creationId xmlns:a16="http://schemas.microsoft.com/office/drawing/2014/main" id="{2060C0F7-61A6-4E64-A77E-AFBD81127352}"/>
+              </a:ext>
+              <a:ext uri="{C183D7F6-B498-43B3-948B-1728B52AA6E4}">
+                <adec:decorative xmlns:adec="http://schemas.microsoft.com/office/drawing/2017/decorative" val="1"/>
+              </a:ext>
+            </a:extLst>
+          </p:cNvPr>
+          <p:cNvSpPr>
+            <a:spLocks noGrp="1" noRot="1" noChangeAspect="1" noMove="1" noResize="1" noEditPoints="1" noAdjustHandles="1" noChangeArrowheads="1" noChangeShapeType="1" noTextEdit="1"/>
+          </p:cNvSpPr>
+          <p:nvPr>
+            <p:extLst>
+              <p:ext uri="{386F3935-93C4-4BCD-93E2-E3B085C9AB24}">
+                <p16:designElem xmlns:p16="http://schemas.microsoft.com/office/powerpoint/2015/main" val="1"/>
+              </p:ext>
+            </p:extLst>
+          </p:nvPr>
+        </p:nvSpPr>
+        <p:spPr>
+          <a:xfrm flipH="1">
+            <a:off x="4684060" y="0"/>
+            <a:ext cx="7507940" cy="765228"/>
+          </a:xfrm>
+          <a:prstGeom prst="rect">
+            <a:avLst/>
+          </a:prstGeom>
+          <a:solidFill>
+            <a:schemeClr val="bg1">
+              <a:alpha val="75000"/>
+            </a:schemeClr>
+          </a:solidFill>
+          <a:ln>
+            <a:noFill/>
+          </a:ln>
+        </p:spPr>
+        <p:style>
+          <a:lnRef idx="2">
+            <a:schemeClr val="accent1">
+              <a:shade val="50000"/>
+            </a:schemeClr>
+          </a:lnRef>
+          <a:fillRef idx="1">
+            <a:schemeClr val="accent1"/>
+          </a:fillRef>
+          <a:effectRef idx="0">
+            <a:schemeClr val="accent1"/>
+          </a:effectRef>
+          <a:fontRef idx="minor">
+            <a:schemeClr val="lt1"/>
+          </a:fontRef>
+        </p:style>
+        <p:txBody>
+          <a:bodyPr rtlCol="0" anchor="ctr"/>
+          <a:lstStyle/>
+          <a:p>
+            <a:pPr algn="ctr"/>
+            <a:endParaRPr lang="en-US"/>
+          </a:p>
+        </p:txBody>
+      </p:sp>
+      <p:sp>
+        <p:nvSpPr>
+          <p:cNvPr id="3" name="Content Placeholder 2">
+            <a:extLst>
+              <a:ext uri="{FF2B5EF4-FFF2-40B4-BE49-F238E27FC236}">
+                <a16:creationId xmlns:a16="http://schemas.microsoft.com/office/drawing/2014/main" id="{41191CC7-9CF2-71F0-1AD4-791EA9CBAD97}"/>
+              </a:ext>
+            </a:extLst>
+          </p:cNvPr>
+          <p:cNvSpPr>
+            <a:spLocks noGrp="1"/>
+          </p:cNvSpPr>
+          <p:nvPr>
+            <p:ph sz="quarter" idx="18"/>
+          </p:nvPr>
+        </p:nvSpPr>
+        <p:spPr>
+          <a:xfrm>
+            <a:off x="129380" y="2934455"/>
+            <a:ext cx="4124567" cy="2840139"/>
+          </a:xfrm>
+        </p:spPr>
+        <p:txBody>
+          <a:bodyPr vert="horz" lIns="109728" tIns="109728" rIns="109728" bIns="91440" rtlCol="0" anchor="t">
+            <a:normAutofit fontScale="92500"/>
+          </a:bodyPr>
+          <a:lstStyle/>
+          <a:p>
+            <a:pPr>
+              <a:lnSpc>
+                <a:spcPct val="130000"/>
+              </a:lnSpc>
+            </a:pPr>
+            <a:r>
+              <a:rPr lang="en-US" sz="1400" dirty="0"/>
+              <a:t>Data Collection Strategy</a:t>
+            </a:r>
+          </a:p>
+          <a:p>
+            <a:pPr indent="-285750">
+              <a:lnSpc>
+                <a:spcPct val="130000"/>
+              </a:lnSpc>
+              <a:buFont typeface="Corbel" panose="020B0503020204020204" pitchFamily="34" charset="0"/>
+              <a:buChar char="•"/>
+            </a:pPr>
+            <a:r>
+              <a:rPr lang="en-US" sz="1400" dirty="0"/>
+              <a:t>Targeted Topics: Travel, Fashion, Diseases (15 pages each, ~300 words/page)</a:t>
+            </a:r>
+          </a:p>
+          <a:p>
+            <a:pPr indent="-285750">
+              <a:lnSpc>
+                <a:spcPct val="130000"/>
+              </a:lnSpc>
+              <a:buFont typeface="Corbel" panose="020B0503020204020204" pitchFamily="34" charset="0"/>
+              <a:buChar char="•"/>
+            </a:pPr>
+            <a:r>
+              <a:rPr lang="en-US" sz="1400" dirty="0"/>
+              <a:t>Method: Web Scraping with Python </a:t>
+            </a:r>
+            <a:r>
+              <a:rPr lang="en-US" sz="1400" dirty="0" err="1"/>
+              <a:t>Librariesrequests</a:t>
+            </a:r>
+            <a:r>
+              <a:rPr lang="en-US" sz="1400" dirty="0"/>
+              <a:t> for fetching HTML content from </a:t>
+            </a:r>
+            <a:r>
+              <a:rPr lang="en-US" sz="1400" dirty="0" err="1"/>
+              <a:t>URLsBeautifulSoup</a:t>
+            </a:r>
+            <a:r>
+              <a:rPr lang="en-US" sz="1400" dirty="0"/>
+              <a:t> for parsing HTML and extracting text</a:t>
             </a:r>
           </a:p>
         </p:txBody>
       </p:sp>
       <p:pic>
         <p:nvPicPr>
-          <p:cNvPr id="9" name="Content Placeholder 8" descr="Person alone in an office">
-            <a:extLst>
-              <a:ext uri="{FF2B5EF4-FFF2-40B4-BE49-F238E27FC236}">
-                <a16:creationId xmlns:a16="http://schemas.microsoft.com/office/drawing/2014/main" id="{2C6BF86C-38BB-3B7E-9F36-9166C538BD1D}"/>
+          <p:cNvPr id="8" name="Picture 7" descr="A computer screen shot of a black screen&#10;&#10;Description automatically generated">
+            <a:extLst>
+              <a:ext uri="{FF2B5EF4-FFF2-40B4-BE49-F238E27FC236}">
+                <a16:creationId xmlns:a16="http://schemas.microsoft.com/office/drawing/2014/main" id="{01824B0A-2244-AA5C-0F9D-E3DA22A1600C}"/>
               </a:ext>
             </a:extLst>
           </p:cNvPr>
           <p:cNvPicPr>
-            <a:picLocks noGrp="1" noChangeAspect="1"/>
+            <a:picLocks noChangeAspect="1"/>
           </p:cNvPicPr>
-          <p:nvPr>
-            <p:ph sz="quarter" idx="16"/>
-          </p:nvPr>
+          <p:nvPr/>
         </p:nvPicPr>
-        <p:blipFill>
-          <a:blip r:embed="rId3" cstate="screen">
-            <a:extLst>
-              <a:ext uri="{28A0092B-C50C-407E-A947-70E740481C1C}">
-                <a14:useLocalDpi xmlns:a14="http://schemas.microsoft.com/office/drawing/2010/main"/>
-              </a:ext>
-            </a:extLst>
-          </a:blip>
+        <p:blipFill rotWithShape="1">
+          <a:blip r:embed="rId3"/>
+          <a:srcRect l="3100" r="5064" b="1"/>
           <a:stretch/>
         </p:blipFill>
         <p:spPr>
           <a:xfrm>
-            <a:off x="0" y="1038"/>
-            <a:ext cx="4613275" cy="6855923"/>
-          </a:xfrm>
+            <a:off x="4695713" y="713436"/>
+            <a:ext cx="7500472" cy="5431128"/>
+          </a:xfrm>
+          <a:prstGeom prst="rect">
+            <a:avLst/>
+          </a:prstGeom>
         </p:spPr>
       </p:pic>
       <p:sp>
         <p:nvSpPr>
-          <p:cNvPr id="6" name="Content Placeholder 5">
-            <a:extLst>
-              <a:ext uri="{FF2B5EF4-FFF2-40B4-BE49-F238E27FC236}">
-                <a16:creationId xmlns:a16="http://schemas.microsoft.com/office/drawing/2014/main" id="{2BBAABBD-8A7F-A90C-3E5F-9B47E6255AA6}"/>
-              </a:ext>
-            </a:extLst>
-          </p:cNvPr>
-          <p:cNvSpPr>
-            <a:spLocks noGrp="1"/>
-          </p:cNvSpPr>
-          <p:nvPr>
-            <p:ph sz="quarter" idx="15"/>
-          </p:nvPr>
-        </p:nvSpPr>
-        <p:spPr/>
-        <p:txBody>
-          <a:bodyPr>
-            <a:normAutofit/>
-          </a:bodyPr>
-          <a:lstStyle/>
-          <a:p>
-            <a:r>
-              <a:rPr lang="en-US" dirty="0"/>
-              <a:t>Make eye contact with your audience to create a sense of intimacy and involvement</a:t>
-            </a:r>
-          </a:p>
-          <a:p>
-            <a:r>
-              <a:rPr lang="en-US" dirty="0"/>
-              <a:t>Weave relatable stories into your presentation using narratives that make your message memorable and impactful</a:t>
-            </a:r>
-          </a:p>
-          <a:p>
-            <a:r>
-              <a:rPr lang="en-US" dirty="0"/>
-              <a:t>Encourage questions and provide thoughtful responses to enhance audience participation</a:t>
-            </a:r>
-          </a:p>
-          <a:p>
-            <a:r>
-              <a:rPr lang="en-US" dirty="0"/>
-              <a:t>Use live polls or surveys to gather audience opinions, promoting engagement and making sure the audience feel involved</a:t>
-            </a:r>
+          <p:cNvPr id="61" name="Rectangle 60">
+            <a:extLst>
+              <a:ext uri="{FF2B5EF4-FFF2-40B4-BE49-F238E27FC236}">
+                <a16:creationId xmlns:a16="http://schemas.microsoft.com/office/drawing/2014/main" id="{BCF4857D-F003-4CA1-82AB-00900B1008BA}"/>
+              </a:ext>
+              <a:ext uri="{C183D7F6-B498-43B3-948B-1728B52AA6E4}">
+                <adec:decorative xmlns:adec="http://schemas.microsoft.com/office/drawing/2017/decorative" val="1"/>
+              </a:ext>
+            </a:extLst>
+          </p:cNvPr>
+          <p:cNvSpPr>
+            <a:spLocks noGrp="1" noRot="1" noChangeAspect="1" noMove="1" noResize="1" noEditPoints="1" noAdjustHandles="1" noChangeArrowheads="1" noChangeShapeType="1" noTextEdit="1"/>
+          </p:cNvSpPr>
+          <p:nvPr>
+            <p:extLst>
+              <p:ext uri="{386F3935-93C4-4BCD-93E2-E3B085C9AB24}">
+                <p16:designElem xmlns:p16="http://schemas.microsoft.com/office/powerpoint/2015/main" val="1"/>
+              </p:ext>
+            </p:extLst>
+          </p:nvPr>
+        </p:nvSpPr>
+        <p:spPr>
+          <a:xfrm flipH="1">
+            <a:off x="-6" y="6144564"/>
+            <a:ext cx="4656246" cy="713436"/>
+          </a:xfrm>
+          <a:prstGeom prst="rect">
+            <a:avLst/>
+          </a:prstGeom>
+          <a:solidFill>
+            <a:schemeClr val="accent1"/>
+          </a:solidFill>
+          <a:ln>
+            <a:noFill/>
+          </a:ln>
+        </p:spPr>
+        <p:style>
+          <a:lnRef idx="2">
+            <a:schemeClr val="accent1">
+              <a:shade val="50000"/>
+            </a:schemeClr>
+          </a:lnRef>
+          <a:fillRef idx="1">
+            <a:schemeClr val="accent1"/>
+          </a:fillRef>
+          <a:effectRef idx="0">
+            <a:schemeClr val="accent1"/>
+          </a:effectRef>
+          <a:fontRef idx="minor">
+            <a:schemeClr val="lt1"/>
+          </a:fontRef>
+        </p:style>
+        <p:txBody>
+          <a:bodyPr rtlCol="0" anchor="ctr"/>
+          <a:lstStyle/>
+          <a:p>
+            <a:pPr algn="ctr"/>
+            <a:endParaRPr lang="en-US"/>
+          </a:p>
+        </p:txBody>
+      </p:sp>
+      <p:sp>
+        <p:nvSpPr>
+          <p:cNvPr id="62" name="Rectangle 61">
+            <a:extLst>
+              <a:ext uri="{FF2B5EF4-FFF2-40B4-BE49-F238E27FC236}">
+                <a16:creationId xmlns:a16="http://schemas.microsoft.com/office/drawing/2014/main" id="{DB791336-FCAA-4174-9303-B3F374861110}"/>
+              </a:ext>
+              <a:ext uri="{C183D7F6-B498-43B3-948B-1728B52AA6E4}">
+                <adec:decorative xmlns:adec="http://schemas.microsoft.com/office/drawing/2017/decorative" val="1"/>
+              </a:ext>
+            </a:extLst>
+          </p:cNvPr>
+          <p:cNvSpPr>
+            <a:spLocks noGrp="1" noRot="1" noChangeAspect="1" noMove="1" noResize="1" noEditPoints="1" noAdjustHandles="1" noChangeArrowheads="1" noChangeShapeType="1" noTextEdit="1"/>
+          </p:cNvSpPr>
+          <p:nvPr>
+            <p:extLst>
+              <p:ext uri="{386F3935-93C4-4BCD-93E2-E3B085C9AB24}">
+                <p16:designElem xmlns:p16="http://schemas.microsoft.com/office/powerpoint/2015/main" val="1"/>
+              </p:ext>
+            </p:extLst>
+          </p:nvPr>
+        </p:nvSpPr>
+        <p:spPr>
+          <a:xfrm flipH="1">
+            <a:off x="4715122" y="6167615"/>
+            <a:ext cx="7473828" cy="690385"/>
+          </a:xfrm>
+          <a:prstGeom prst="rect">
+            <a:avLst/>
+          </a:prstGeom>
+          <a:solidFill>
+            <a:schemeClr val="bg1">
+              <a:alpha val="75000"/>
+            </a:schemeClr>
+          </a:solidFill>
+          <a:ln>
+            <a:noFill/>
+          </a:ln>
+        </p:spPr>
+        <p:style>
+          <a:lnRef idx="2">
+            <a:schemeClr val="accent1">
+              <a:shade val="50000"/>
+            </a:schemeClr>
+          </a:lnRef>
+          <a:fillRef idx="1">
+            <a:schemeClr val="accent1"/>
+          </a:fillRef>
+          <a:effectRef idx="0">
+            <a:schemeClr val="accent1"/>
+          </a:effectRef>
+          <a:fontRef idx="minor">
+            <a:schemeClr val="lt1"/>
+          </a:fontRef>
+        </p:style>
+        <p:txBody>
+          <a:bodyPr rtlCol="0" anchor="ctr"/>
+          <a:lstStyle/>
+          <a:p>
+            <a:pPr algn="ctr"/>
+            <a:endParaRPr lang="en-US"/>
+          </a:p>
+        </p:txBody>
+      </p:sp>
+      <p:sp>
+        <p:nvSpPr>
+          <p:cNvPr id="63" name="Rectangle 62">
+            <a:extLst>
+              <a:ext uri="{FF2B5EF4-FFF2-40B4-BE49-F238E27FC236}">
+                <a16:creationId xmlns:a16="http://schemas.microsoft.com/office/drawing/2014/main" id="{CA212158-300D-44D0-9CCE-472C3F669EE1}"/>
+              </a:ext>
+              <a:ext uri="{C183D7F6-B498-43B3-948B-1728B52AA6E4}">
+                <adec:decorative xmlns:adec="http://schemas.microsoft.com/office/drawing/2017/decorative" val="1"/>
+              </a:ext>
+            </a:extLst>
+          </p:cNvPr>
+          <p:cNvSpPr>
+            <a:spLocks noGrp="1" noRot="1" noChangeAspect="1" noMove="1" noResize="1" noEditPoints="1" noAdjustHandles="1" noChangeArrowheads="1" noChangeShapeType="1" noTextEdit="1"/>
+          </p:cNvSpPr>
+          <p:nvPr>
+            <p:extLst>
+              <p:ext uri="{386F3935-93C4-4BCD-93E2-E3B085C9AB24}">
+                <p16:designElem xmlns:p16="http://schemas.microsoft.com/office/powerpoint/2015/main" val="1"/>
+              </p:ext>
+            </p:extLst>
+          </p:nvPr>
+        </p:nvSpPr>
+        <p:spPr>
+          <a:xfrm>
+            <a:off x="1525" y="6109423"/>
+            <a:ext cx="12188951" cy="64008"/>
+          </a:xfrm>
+          <a:prstGeom prst="rect">
+            <a:avLst/>
+          </a:prstGeom>
+          <a:solidFill>
+            <a:schemeClr val="tx2"/>
+          </a:solidFill>
+          <a:ln>
+            <a:noFill/>
+          </a:ln>
+        </p:spPr>
+        <p:style>
+          <a:lnRef idx="2">
+            <a:schemeClr val="accent1">
+              <a:shade val="50000"/>
+            </a:schemeClr>
+          </a:lnRef>
+          <a:fillRef idx="1">
+            <a:schemeClr val="accent1"/>
+          </a:fillRef>
+          <a:effectRef idx="0">
+            <a:schemeClr val="accent1"/>
+          </a:effectRef>
+          <a:fontRef idx="minor">
+            <a:schemeClr val="lt1"/>
+          </a:fontRef>
+        </p:style>
+        <p:txBody>
+          <a:bodyPr rtlCol="0" anchor="ctr"/>
+          <a:lstStyle/>
+          <a:p>
+            <a:pPr algn="ctr"/>
+            <a:endParaRPr lang="en-US"/>
+          </a:p>
+        </p:txBody>
+      </p:sp>
+      <p:sp>
+        <p:nvSpPr>
+          <p:cNvPr id="64" name="Rectangle 63">
+            <a:extLst>
+              <a:ext uri="{FF2B5EF4-FFF2-40B4-BE49-F238E27FC236}">
+                <a16:creationId xmlns:a16="http://schemas.microsoft.com/office/drawing/2014/main" id="{988521F4-D44A-42C5-9BDB-5CA25554098B}"/>
+              </a:ext>
+              <a:ext uri="{C183D7F6-B498-43B3-948B-1728B52AA6E4}">
+                <adec:decorative xmlns:adec="http://schemas.microsoft.com/office/drawing/2017/decorative" val="1"/>
+              </a:ext>
+            </a:extLst>
+          </p:cNvPr>
+          <p:cNvSpPr>
+            <a:spLocks noGrp="1" noRot="1" noChangeAspect="1" noMove="1" noResize="1" noEditPoints="1" noAdjustHandles="1" noChangeArrowheads="1" noChangeShapeType="1" noTextEdit="1"/>
+          </p:cNvSpPr>
+          <p:nvPr>
+            <p:extLst>
+              <p:ext uri="{386F3935-93C4-4BCD-93E2-E3B085C9AB24}">
+                <p16:designElem xmlns:p16="http://schemas.microsoft.com/office/powerpoint/2015/main" val="1"/>
+              </p:ext>
+            </p:extLst>
+          </p:nvPr>
+        </p:nvSpPr>
+        <p:spPr>
+          <a:xfrm>
+            <a:off x="4656241" y="0"/>
+            <a:ext cx="64008" cy="6858000"/>
+          </a:xfrm>
+          <a:prstGeom prst="rect">
+            <a:avLst/>
+          </a:prstGeom>
+          <a:solidFill>
+            <a:schemeClr val="tx2"/>
+          </a:solidFill>
+          <a:ln>
+            <a:noFill/>
+          </a:ln>
+        </p:spPr>
+        <p:style>
+          <a:lnRef idx="2">
+            <a:schemeClr val="accent1">
+              <a:shade val="50000"/>
+            </a:schemeClr>
+          </a:lnRef>
+          <a:fillRef idx="1">
+            <a:schemeClr val="accent1"/>
+          </a:fillRef>
+          <a:effectRef idx="0">
+            <a:schemeClr val="accent1"/>
+          </a:effectRef>
+          <a:fontRef idx="minor">
+            <a:schemeClr val="lt1"/>
+          </a:fontRef>
+        </p:style>
+        <p:txBody>
+          <a:bodyPr rtlCol="0" anchor="ctr"/>
+          <a:lstStyle/>
+          <a:p>
+            <a:pPr algn="ctr"/>
+            <a:endParaRPr lang="en-US"/>
+          </a:p>
+        </p:txBody>
+      </p:sp>
+      <p:sp>
+        <p:nvSpPr>
+          <p:cNvPr id="65" name="Rectangle 64">
+            <a:extLst>
+              <a:ext uri="{FF2B5EF4-FFF2-40B4-BE49-F238E27FC236}">
+                <a16:creationId xmlns:a16="http://schemas.microsoft.com/office/drawing/2014/main" id="{5E6738EB-6FF0-4AF9-8462-57F4494B88B2}"/>
+              </a:ext>
+              <a:ext uri="{C183D7F6-B498-43B3-948B-1728B52AA6E4}">
+                <adec:decorative xmlns:adec="http://schemas.microsoft.com/office/drawing/2017/decorative" val="1"/>
+              </a:ext>
+            </a:extLst>
+          </p:cNvPr>
+          <p:cNvSpPr>
+            <a:spLocks noGrp="1" noRot="1" noChangeAspect="1" noMove="1" noResize="1" noEditPoints="1" noAdjustHandles="1" noChangeArrowheads="1" noChangeShapeType="1" noTextEdit="1"/>
+          </p:cNvSpPr>
+          <p:nvPr>
+            <p:extLst>
+              <p:ext uri="{386F3935-93C4-4BCD-93E2-E3B085C9AB24}">
+                <p16:designElem xmlns:p16="http://schemas.microsoft.com/office/powerpoint/2015/main" val="1"/>
+              </p:ext>
+            </p:extLst>
+          </p:nvPr>
+        </p:nvSpPr>
+        <p:spPr>
+          <a:xfrm>
+            <a:off x="1525" y="713436"/>
+            <a:ext cx="12188951" cy="64008"/>
+          </a:xfrm>
+          <a:prstGeom prst="rect">
+            <a:avLst/>
+          </a:prstGeom>
+          <a:solidFill>
+            <a:schemeClr val="tx2"/>
+          </a:solidFill>
+          <a:ln>
+            <a:noFill/>
+          </a:ln>
+        </p:spPr>
+        <p:style>
+          <a:lnRef idx="2">
+            <a:schemeClr val="accent1">
+              <a:shade val="50000"/>
+            </a:schemeClr>
+          </a:lnRef>
+          <a:fillRef idx="1">
+            <a:schemeClr val="accent1"/>
+          </a:fillRef>
+          <a:effectRef idx="0">
+            <a:schemeClr val="accent1"/>
+          </a:effectRef>
+          <a:fontRef idx="minor">
+            <a:schemeClr val="lt1"/>
+          </a:fontRef>
+        </p:style>
+        <p:txBody>
+          <a:bodyPr rtlCol="0" anchor="ctr"/>
+          <a:lstStyle/>
+          <a:p>
+            <a:pPr algn="ctr"/>
+            <a:endParaRPr lang="en-US"/>
           </a:p>
         </p:txBody>
       </p:sp>
     </p:spTree>
     <p:extLst>
       <p:ext uri="{BB962C8B-B14F-4D97-AF65-F5344CB8AC3E}">
-        <p14:creationId xmlns:p14="http://schemas.microsoft.com/office/powerpoint/2010/main" val="1170108823"/>
+        <p14:creationId xmlns:p14="http://schemas.microsoft.com/office/powerpoint/2010/main" val="2225637236"/>
       </p:ext>
     </p:extLst>
   </p:cSld>
@@ -16310,10 +12424,263 @@
       </p:grpSpPr>
       <p:sp>
         <p:nvSpPr>
-          <p:cNvPr id="7" name="Title 6">
-            <a:extLst>
-              <a:ext uri="{FF2B5EF4-FFF2-40B4-BE49-F238E27FC236}">
-                <a16:creationId xmlns:a16="http://schemas.microsoft.com/office/drawing/2014/main" id="{0814B6A3-5F3E-4909-8ED5-87FE82492264}"/>
+          <p:cNvPr id="36" name="Rectangle 35">
+            <a:extLst>
+              <a:ext uri="{FF2B5EF4-FFF2-40B4-BE49-F238E27FC236}">
+                <a16:creationId xmlns:a16="http://schemas.microsoft.com/office/drawing/2014/main" id="{0786F82F-1B47-46ED-8EAE-53EF71E59E9A}"/>
+              </a:ext>
+              <a:ext uri="{C183D7F6-B498-43B3-948B-1728B52AA6E4}">
+                <adec:decorative xmlns:adec="http://schemas.microsoft.com/office/drawing/2017/decorative" val="1"/>
+              </a:ext>
+            </a:extLst>
+          </p:cNvPr>
+          <p:cNvSpPr>
+            <a:spLocks noGrp="1" noRot="1" noChangeAspect="1" noMove="1" noResize="1" noEditPoints="1" noAdjustHandles="1" noChangeArrowheads="1" noChangeShapeType="1" noTextEdit="1"/>
+          </p:cNvSpPr>
+          <p:nvPr>
+            <p:extLst>
+              <p:ext uri="{386F3935-93C4-4BCD-93E2-E3B085C9AB24}">
+                <p16:designElem xmlns:p16="http://schemas.microsoft.com/office/powerpoint/2015/main" val="1"/>
+              </p:ext>
+            </p:extLst>
+          </p:nvPr>
+        </p:nvSpPr>
+        <p:spPr>
+          <a:xfrm>
+            <a:off x="4718302" y="0"/>
+            <a:ext cx="7473698" cy="6858000"/>
+          </a:xfrm>
+          <a:prstGeom prst="rect">
+            <a:avLst/>
+          </a:prstGeom>
+          <a:solidFill>
+            <a:schemeClr val="bg1">
+              <a:alpha val="75000"/>
+            </a:schemeClr>
+          </a:solidFill>
+          <a:ln>
+            <a:noFill/>
+          </a:ln>
+        </p:spPr>
+        <p:style>
+          <a:lnRef idx="2">
+            <a:schemeClr val="accent1">
+              <a:shade val="50000"/>
+            </a:schemeClr>
+          </a:lnRef>
+          <a:fillRef idx="1">
+            <a:schemeClr val="accent1"/>
+          </a:fillRef>
+          <a:effectRef idx="0">
+            <a:schemeClr val="accent1"/>
+          </a:effectRef>
+          <a:fontRef idx="minor">
+            <a:schemeClr val="lt1"/>
+          </a:fontRef>
+        </p:style>
+        <p:txBody>
+          <a:bodyPr rtlCol="0" anchor="ctr"/>
+          <a:lstStyle/>
+          <a:p>
+            <a:pPr algn="ctr"/>
+            <a:endParaRPr lang="en-US"/>
+          </a:p>
+        </p:txBody>
+      </p:sp>
+      <p:sp>
+        <p:nvSpPr>
+          <p:cNvPr id="38" name="Rectangle 37">
+            <a:extLst>
+              <a:ext uri="{FF2B5EF4-FFF2-40B4-BE49-F238E27FC236}">
+                <a16:creationId xmlns:a16="http://schemas.microsoft.com/office/drawing/2014/main" id="{EF1BAF6F-6275-4646-9C59-331B29B9550F}"/>
+              </a:ext>
+              <a:ext uri="{C183D7F6-B498-43B3-948B-1728B52AA6E4}">
+                <adec:decorative xmlns:adec="http://schemas.microsoft.com/office/drawing/2017/decorative" val="1"/>
+              </a:ext>
+            </a:extLst>
+          </p:cNvPr>
+          <p:cNvSpPr>
+            <a:spLocks noGrp="1" noRot="1" noChangeAspect="1" noMove="1" noResize="1" noEditPoints="1" noAdjustHandles="1" noChangeArrowheads="1" noChangeShapeType="1" noTextEdit="1"/>
+          </p:cNvSpPr>
+          <p:nvPr>
+            <p:extLst>
+              <p:ext uri="{386F3935-93C4-4BCD-93E2-E3B085C9AB24}">
+                <p16:designElem xmlns:p16="http://schemas.microsoft.com/office/powerpoint/2015/main" val="1"/>
+              </p:ext>
+            </p:extLst>
+          </p:nvPr>
+        </p:nvSpPr>
+        <p:spPr>
+          <a:xfrm rot="5400000">
+            <a:off x="1257298" y="3396997"/>
+            <a:ext cx="6858002" cy="64008"/>
+          </a:xfrm>
+          <a:prstGeom prst="rect">
+            <a:avLst/>
+          </a:prstGeom>
+          <a:solidFill>
+            <a:schemeClr val="tx2"/>
+          </a:solidFill>
+          <a:ln>
+            <a:noFill/>
+          </a:ln>
+        </p:spPr>
+        <p:style>
+          <a:lnRef idx="2">
+            <a:schemeClr val="accent1">
+              <a:shade val="50000"/>
+            </a:schemeClr>
+          </a:lnRef>
+          <a:fillRef idx="1">
+            <a:schemeClr val="accent1"/>
+          </a:fillRef>
+          <a:effectRef idx="0">
+            <a:schemeClr val="accent1"/>
+          </a:effectRef>
+          <a:fontRef idx="minor">
+            <a:schemeClr val="lt1"/>
+          </a:fontRef>
+        </p:style>
+        <p:txBody>
+          <a:bodyPr rtlCol="0" anchor="ctr"/>
+          <a:lstStyle/>
+          <a:p>
+            <a:pPr algn="ctr"/>
+            <a:endParaRPr lang="en-US"/>
+          </a:p>
+        </p:txBody>
+      </p:sp>
+      <p:sp useBgFill="1">
+        <p:nvSpPr>
+          <p:cNvPr id="40" name="Rectangle 39">
+            <a:extLst>
+              <a:ext uri="{FF2B5EF4-FFF2-40B4-BE49-F238E27FC236}">
+                <a16:creationId xmlns:a16="http://schemas.microsoft.com/office/drawing/2014/main" id="{099405E2-1A96-4DBA-A9DC-4C2A1B421CA9}"/>
+              </a:ext>
+              <a:ext uri="{C183D7F6-B498-43B3-948B-1728B52AA6E4}">
+                <adec:decorative xmlns:adec="http://schemas.microsoft.com/office/drawing/2017/decorative" val="1"/>
+              </a:ext>
+            </a:extLst>
+          </p:cNvPr>
+          <p:cNvSpPr>
+            <a:spLocks noGrp="1" noRot="1" noChangeAspect="1" noMove="1" noResize="1" noEditPoints="1" noAdjustHandles="1" noChangeArrowheads="1" noChangeShapeType="1" noTextEdit="1"/>
+          </p:cNvSpPr>
+          <p:nvPr>
+            <p:extLst>
+              <p:ext uri="{386F3935-93C4-4BCD-93E2-E3B085C9AB24}">
+                <p16:designElem xmlns:p16="http://schemas.microsoft.com/office/powerpoint/2015/main" val="1"/>
+              </p:ext>
+            </p:extLst>
+          </p:nvPr>
+        </p:nvSpPr>
+        <p:spPr>
+          <a:xfrm flipH="1">
+            <a:off x="0" y="0"/>
+            <a:ext cx="12192001" cy="6858000"/>
+          </a:xfrm>
+          <a:prstGeom prst="rect">
+            <a:avLst/>
+          </a:prstGeom>
+          <a:ln>
+            <a:noFill/>
+          </a:ln>
+        </p:spPr>
+        <p:style>
+          <a:lnRef idx="2">
+            <a:schemeClr val="accent1">
+              <a:shade val="50000"/>
+            </a:schemeClr>
+          </a:lnRef>
+          <a:fillRef idx="1">
+            <a:schemeClr val="accent1"/>
+          </a:fillRef>
+          <a:effectRef idx="0">
+            <a:schemeClr val="accent1"/>
+          </a:effectRef>
+          <a:fontRef idx="minor">
+            <a:schemeClr val="lt1"/>
+          </a:fontRef>
+        </p:style>
+        <p:txBody>
+          <a:bodyPr rtlCol="0" anchor="ctr"/>
+          <a:lstStyle/>
+          <a:p>
+            <a:pPr algn="ctr"/>
+            <a:endParaRPr lang="en-US" dirty="0"/>
+          </a:p>
+        </p:txBody>
+      </p:sp>
+      <p:sp>
+        <p:nvSpPr>
+          <p:cNvPr id="42" name="Rectangle 41">
+            <a:extLst>
+              <a:ext uri="{FF2B5EF4-FFF2-40B4-BE49-F238E27FC236}">
+                <a16:creationId xmlns:a16="http://schemas.microsoft.com/office/drawing/2014/main" id="{79855050-A75B-4DD0-9B56-8B1C7722D884}"/>
+              </a:ext>
+              <a:ext uri="{C183D7F6-B498-43B3-948B-1728B52AA6E4}">
+                <adec:decorative xmlns:adec="http://schemas.microsoft.com/office/drawing/2017/decorative" val="1"/>
+              </a:ext>
+            </a:extLst>
+          </p:cNvPr>
+          <p:cNvSpPr>
+            <a:spLocks noGrp="1" noRot="1" noChangeAspect="1" noMove="1" noResize="1" noEditPoints="1" noAdjustHandles="1" noChangeArrowheads="1" noChangeShapeType="1" noTextEdit="1"/>
+          </p:cNvSpPr>
+          <p:nvPr>
+            <p:extLst>
+              <p:ext uri="{386F3935-93C4-4BCD-93E2-E3B085C9AB24}">
+                <p16:designElem xmlns:p16="http://schemas.microsoft.com/office/powerpoint/2015/main" val="1"/>
+              </p:ext>
+            </p:extLst>
+          </p:nvPr>
+        </p:nvSpPr>
+        <p:spPr>
+          <a:xfrm flipH="1">
+            <a:off x="-7235" y="758246"/>
+            <a:ext cx="4658480" cy="5386318"/>
+          </a:xfrm>
+          <a:prstGeom prst="rect">
+            <a:avLst/>
+          </a:prstGeom>
+          <a:solidFill>
+            <a:schemeClr val="bg1">
+              <a:alpha val="75000"/>
+            </a:schemeClr>
+          </a:solidFill>
+          <a:ln>
+            <a:noFill/>
+          </a:ln>
+        </p:spPr>
+        <p:style>
+          <a:lnRef idx="2">
+            <a:schemeClr val="accent1">
+              <a:shade val="50000"/>
+            </a:schemeClr>
+          </a:lnRef>
+          <a:fillRef idx="1">
+            <a:schemeClr val="accent1"/>
+          </a:fillRef>
+          <a:effectRef idx="0">
+            <a:schemeClr val="accent1"/>
+          </a:effectRef>
+          <a:fontRef idx="minor">
+            <a:schemeClr val="lt1"/>
+          </a:fontRef>
+        </p:style>
+        <p:txBody>
+          <a:bodyPr rtlCol="0" anchor="ctr"/>
+          <a:lstStyle/>
+          <a:p>
+            <a:pPr algn="ctr"/>
+            <a:endParaRPr lang="en-US"/>
+          </a:p>
+        </p:txBody>
+      </p:sp>
+      <p:sp>
+        <p:nvSpPr>
+          <p:cNvPr id="2" name="Title 1">
+            <a:extLst>
+              <a:ext uri="{FF2B5EF4-FFF2-40B4-BE49-F238E27FC236}">
+                <a16:creationId xmlns:a16="http://schemas.microsoft.com/office/drawing/2014/main" id="{E2D30E0F-10C6-298A-C347-E831FFF4ECB8}"/>
               </a:ext>
             </a:extLst>
           </p:cNvPr>
@@ -16321,29 +12688,111 @@
             <a:spLocks noGrp="1"/>
           </p:cNvSpPr>
           <p:nvPr>
-            <p:ph type="ctrTitle"/>
-          </p:nvPr>
-        </p:nvSpPr>
-        <p:spPr/>
-        <p:txBody>
-          <a:bodyPr vert="horz" lIns="109728" tIns="109728" rIns="109728" bIns="91440" rtlCol="0" anchor="b">
+            <p:ph type="title"/>
+          </p:nvPr>
+        </p:nvSpPr>
+        <p:spPr>
+          <a:xfrm>
+            <a:off x="211574" y="1072110"/>
+            <a:ext cx="4042373" cy="1862345"/>
+          </a:xfrm>
+        </p:spPr>
+        <p:txBody>
+          <a:bodyPr vert="horz" lIns="109728" tIns="109728" rIns="109728" bIns="91440" rtlCol="0" anchor="ctr">
             <a:normAutofit/>
           </a:bodyPr>
           <a:lstStyle/>
           <a:p>
-            <a:r>
-              <a:rPr lang="en-US" dirty="0"/>
-              <a:t>Selecting visual aids</a:t>
-            </a:r>
-          </a:p>
-        </p:txBody>
-      </p:sp>
-      <p:sp>
-        <p:nvSpPr>
-          <p:cNvPr id="6" name="Text Placeholder 5">
-            <a:extLst>
-              <a:ext uri="{FF2B5EF4-FFF2-40B4-BE49-F238E27FC236}">
-                <a16:creationId xmlns:a16="http://schemas.microsoft.com/office/drawing/2014/main" id="{7C94F61A-46C1-B831-7EC4-687DF1C757C5}"/>
+            <a:pPr>
+              <a:lnSpc>
+                <a:spcPct val="150000"/>
+              </a:lnSpc>
+            </a:pPr>
+            <a:r>
+              <a:rPr lang="en-US" sz="3600" dirty="0">
+                <a:solidFill>
+                  <a:schemeClr val="tx1">
+                    <a:lumMod val="75000"/>
+                    <a:lumOff val="25000"/>
+                  </a:schemeClr>
+                </a:solidFill>
+              </a:rPr>
+              <a:t>Data Preparation</a:t>
+            </a:r>
+          </a:p>
+        </p:txBody>
+      </p:sp>
+      <p:sp>
+        <p:nvSpPr>
+          <p:cNvPr id="44" name="Rectangle 43">
+            <a:extLst>
+              <a:ext uri="{FF2B5EF4-FFF2-40B4-BE49-F238E27FC236}">
+                <a16:creationId xmlns:a16="http://schemas.microsoft.com/office/drawing/2014/main" id="{2060C0F7-61A6-4E64-A77E-AFBD81127352}"/>
+              </a:ext>
+              <a:ext uri="{C183D7F6-B498-43B3-948B-1728B52AA6E4}">
+                <adec:decorative xmlns:adec="http://schemas.microsoft.com/office/drawing/2017/decorative" val="1"/>
+              </a:ext>
+            </a:extLst>
+          </p:cNvPr>
+          <p:cNvSpPr>
+            <a:spLocks noGrp="1" noRot="1" noChangeAspect="1" noMove="1" noResize="1" noEditPoints="1" noAdjustHandles="1" noChangeArrowheads="1" noChangeShapeType="1" noTextEdit="1"/>
+          </p:cNvSpPr>
+          <p:nvPr>
+            <p:extLst>
+              <p:ext uri="{386F3935-93C4-4BCD-93E2-E3B085C9AB24}">
+                <p16:designElem xmlns:p16="http://schemas.microsoft.com/office/powerpoint/2015/main" val="1"/>
+              </p:ext>
+            </p:extLst>
+          </p:nvPr>
+        </p:nvSpPr>
+        <p:spPr>
+          <a:xfrm flipH="1">
+            <a:off x="4684060" y="0"/>
+            <a:ext cx="7507940" cy="765228"/>
+          </a:xfrm>
+          <a:prstGeom prst="rect">
+            <a:avLst/>
+          </a:prstGeom>
+          <a:solidFill>
+            <a:schemeClr val="bg1">
+              <a:alpha val="75000"/>
+            </a:schemeClr>
+          </a:solidFill>
+          <a:ln>
+            <a:noFill/>
+          </a:ln>
+        </p:spPr>
+        <p:style>
+          <a:lnRef idx="2">
+            <a:schemeClr val="accent1">
+              <a:shade val="50000"/>
+            </a:schemeClr>
+          </a:lnRef>
+          <a:fillRef idx="1">
+            <a:schemeClr val="accent1"/>
+          </a:fillRef>
+          <a:effectRef idx="0">
+            <a:schemeClr val="accent1"/>
+          </a:effectRef>
+          <a:fontRef idx="minor">
+            <a:schemeClr val="lt1"/>
+          </a:fontRef>
+        </p:style>
+        <p:txBody>
+          <a:bodyPr rtlCol="0" anchor="ctr"/>
+          <a:lstStyle/>
+          <a:p>
+            <a:pPr algn="ctr"/>
+            <a:endParaRPr lang="en-US"/>
+          </a:p>
+        </p:txBody>
+      </p:sp>
+      <p:sp>
+        <p:nvSpPr>
+          <p:cNvPr id="3" name="Content Placeholder 2">
+            <a:extLst>
+              <a:ext uri="{FF2B5EF4-FFF2-40B4-BE49-F238E27FC236}">
+                <a16:creationId xmlns:a16="http://schemas.microsoft.com/office/drawing/2014/main" id="{41191CC7-9CF2-71F0-1AD4-791EA9CBAD97}"/>
               </a:ext>
             </a:extLst>
           </p:cNvPr>
@@ -16351,25 +12800,437 @@
             <a:spLocks noGrp="1"/>
           </p:cNvSpPr>
           <p:nvPr>
-            <p:ph type="body" sz="quarter" idx="10"/>
-          </p:nvPr>
-        </p:nvSpPr>
-        <p:spPr/>
-        <p:txBody>
-          <a:bodyPr/>
-          <a:lstStyle/>
-          <a:p>
-            <a:r>
-              <a:rPr lang="en-US" dirty="0"/>
-              <a:t>Enhancing your presentation</a:t>
-            </a:r>
+            <p:ph sz="quarter" idx="18"/>
+          </p:nvPr>
+        </p:nvSpPr>
+        <p:spPr>
+          <a:xfrm>
+            <a:off x="215758" y="2934455"/>
+            <a:ext cx="4038190" cy="2840139"/>
+          </a:xfrm>
+        </p:spPr>
+        <p:txBody>
+          <a:bodyPr vert="horz" lIns="109728" tIns="109728" rIns="109728" bIns="91440" rtlCol="0" anchor="t">
+            <a:normAutofit fontScale="92500" lnSpcReduction="20000"/>
+          </a:bodyPr>
+          <a:lstStyle/>
+          <a:p>
+            <a:pPr>
+              <a:lnSpc>
+                <a:spcPct val="130000"/>
+              </a:lnSpc>
+            </a:pPr>
+            <a:r>
+              <a:rPr lang="en-US" sz="1400" dirty="0"/>
+              <a:t>- Tokenization: Breaking the text into individual words or tokens using the `</a:t>
+            </a:r>
+            <a:r>
+              <a:rPr lang="en-US" sz="1400" dirty="0" err="1"/>
+              <a:t>nltk.tokenize.word_tokenize</a:t>
+            </a:r>
+            <a:r>
+              <a:rPr lang="en-US" sz="1400" dirty="0"/>
+              <a:t>` function.</a:t>
+            </a:r>
+          </a:p>
+          <a:p>
+            <a:pPr>
+              <a:lnSpc>
+                <a:spcPct val="130000"/>
+              </a:lnSpc>
+            </a:pPr>
+            <a:r>
+              <a:rPr lang="en-US" sz="1400" dirty="0"/>
+              <a:t>- </a:t>
+            </a:r>
+            <a:r>
+              <a:rPr lang="en-US" sz="1400" dirty="0" err="1"/>
+              <a:t>Stopword</a:t>
+            </a:r>
+            <a:r>
+              <a:rPr lang="en-US" sz="1400" dirty="0"/>
+              <a:t> Removal: Removing common </a:t>
+            </a:r>
+            <a:r>
+              <a:rPr lang="en-US" sz="1400" dirty="0" err="1"/>
+              <a:t>stopwords</a:t>
+            </a:r>
+            <a:r>
+              <a:rPr lang="en-US" sz="1400" dirty="0"/>
+              <a:t> (e.g., "the", "is", "and") using the `</a:t>
+            </a:r>
+            <a:r>
+              <a:rPr lang="en-US" sz="1400" dirty="0" err="1"/>
+              <a:t>nltk.corpus.stopwords</a:t>
+            </a:r>
+            <a:r>
+              <a:rPr lang="en-US" sz="1400" dirty="0"/>
+              <a:t>` module.</a:t>
+            </a:r>
+          </a:p>
+          <a:p>
+            <a:pPr>
+              <a:lnSpc>
+                <a:spcPct val="130000"/>
+              </a:lnSpc>
+            </a:pPr>
+            <a:r>
+              <a:rPr lang="en-US" sz="1400" dirty="0"/>
+              <a:t>- Stemming: Reducing words to their root</a:t>
+            </a:r>
+          </a:p>
+        </p:txBody>
+      </p:sp>
+      <p:pic>
+        <p:nvPicPr>
+          <p:cNvPr id="8" name="Picture 7">
+            <a:extLst>
+              <a:ext uri="{FF2B5EF4-FFF2-40B4-BE49-F238E27FC236}">
+                <a16:creationId xmlns:a16="http://schemas.microsoft.com/office/drawing/2014/main" id="{01824B0A-2244-AA5C-0F9D-E3DA22A1600C}"/>
+              </a:ext>
+            </a:extLst>
+          </p:cNvPr>
+          <p:cNvPicPr>
+            <a:picLocks noChangeAspect="1"/>
+          </p:cNvPicPr>
+          <p:nvPr/>
+        </p:nvPicPr>
+        <p:blipFill rotWithShape="1">
+          <a:blip r:embed="rId3"/>
+          <a:srcRect t="7531" r="-1" b="7530"/>
+          <a:stretch/>
+        </p:blipFill>
+        <p:spPr>
+          <a:xfrm>
+            <a:off x="4695713" y="713436"/>
+            <a:ext cx="7500472" cy="5431128"/>
+          </a:xfrm>
+          <a:prstGeom prst="rect">
+            <a:avLst/>
+          </a:prstGeom>
+        </p:spPr>
+      </p:pic>
+      <p:sp>
+        <p:nvSpPr>
+          <p:cNvPr id="46" name="Rectangle 45">
+            <a:extLst>
+              <a:ext uri="{FF2B5EF4-FFF2-40B4-BE49-F238E27FC236}">
+                <a16:creationId xmlns:a16="http://schemas.microsoft.com/office/drawing/2014/main" id="{BCF4857D-F003-4CA1-82AB-00900B1008BA}"/>
+              </a:ext>
+              <a:ext uri="{C183D7F6-B498-43B3-948B-1728B52AA6E4}">
+                <adec:decorative xmlns:adec="http://schemas.microsoft.com/office/drawing/2017/decorative" val="1"/>
+              </a:ext>
+            </a:extLst>
+          </p:cNvPr>
+          <p:cNvSpPr>
+            <a:spLocks noGrp="1" noRot="1" noChangeAspect="1" noMove="1" noResize="1" noEditPoints="1" noAdjustHandles="1" noChangeArrowheads="1" noChangeShapeType="1" noTextEdit="1"/>
+          </p:cNvSpPr>
+          <p:nvPr>
+            <p:extLst>
+              <p:ext uri="{386F3935-93C4-4BCD-93E2-E3B085C9AB24}">
+                <p16:designElem xmlns:p16="http://schemas.microsoft.com/office/powerpoint/2015/main" val="1"/>
+              </p:ext>
+            </p:extLst>
+          </p:nvPr>
+        </p:nvSpPr>
+        <p:spPr>
+          <a:xfrm flipH="1">
+            <a:off x="-6" y="6144564"/>
+            <a:ext cx="4656246" cy="713436"/>
+          </a:xfrm>
+          <a:prstGeom prst="rect">
+            <a:avLst/>
+          </a:prstGeom>
+          <a:solidFill>
+            <a:schemeClr val="accent1"/>
+          </a:solidFill>
+          <a:ln>
+            <a:noFill/>
+          </a:ln>
+        </p:spPr>
+        <p:style>
+          <a:lnRef idx="2">
+            <a:schemeClr val="accent1">
+              <a:shade val="50000"/>
+            </a:schemeClr>
+          </a:lnRef>
+          <a:fillRef idx="1">
+            <a:schemeClr val="accent1"/>
+          </a:fillRef>
+          <a:effectRef idx="0">
+            <a:schemeClr val="accent1"/>
+          </a:effectRef>
+          <a:fontRef idx="minor">
+            <a:schemeClr val="lt1"/>
+          </a:fontRef>
+        </p:style>
+        <p:txBody>
+          <a:bodyPr rtlCol="0" anchor="ctr"/>
+          <a:lstStyle/>
+          <a:p>
+            <a:pPr algn="ctr"/>
+            <a:endParaRPr lang="en-US"/>
+          </a:p>
+        </p:txBody>
+      </p:sp>
+      <p:sp>
+        <p:nvSpPr>
+          <p:cNvPr id="48" name="Rectangle 47">
+            <a:extLst>
+              <a:ext uri="{FF2B5EF4-FFF2-40B4-BE49-F238E27FC236}">
+                <a16:creationId xmlns:a16="http://schemas.microsoft.com/office/drawing/2014/main" id="{DB791336-FCAA-4174-9303-B3F374861110}"/>
+              </a:ext>
+              <a:ext uri="{C183D7F6-B498-43B3-948B-1728B52AA6E4}">
+                <adec:decorative xmlns:adec="http://schemas.microsoft.com/office/drawing/2017/decorative" val="1"/>
+              </a:ext>
+            </a:extLst>
+          </p:cNvPr>
+          <p:cNvSpPr>
+            <a:spLocks noGrp="1" noRot="1" noChangeAspect="1" noMove="1" noResize="1" noEditPoints="1" noAdjustHandles="1" noChangeArrowheads="1" noChangeShapeType="1" noTextEdit="1"/>
+          </p:cNvSpPr>
+          <p:nvPr>
+            <p:extLst>
+              <p:ext uri="{386F3935-93C4-4BCD-93E2-E3B085C9AB24}">
+                <p16:designElem xmlns:p16="http://schemas.microsoft.com/office/powerpoint/2015/main" val="1"/>
+              </p:ext>
+            </p:extLst>
+          </p:nvPr>
+        </p:nvSpPr>
+        <p:spPr>
+          <a:xfrm flipH="1">
+            <a:off x="4715122" y="6167615"/>
+            <a:ext cx="7473828" cy="690385"/>
+          </a:xfrm>
+          <a:prstGeom prst="rect">
+            <a:avLst/>
+          </a:prstGeom>
+          <a:solidFill>
+            <a:schemeClr val="bg1">
+              <a:alpha val="75000"/>
+            </a:schemeClr>
+          </a:solidFill>
+          <a:ln>
+            <a:noFill/>
+          </a:ln>
+        </p:spPr>
+        <p:style>
+          <a:lnRef idx="2">
+            <a:schemeClr val="accent1">
+              <a:shade val="50000"/>
+            </a:schemeClr>
+          </a:lnRef>
+          <a:fillRef idx="1">
+            <a:schemeClr val="accent1"/>
+          </a:fillRef>
+          <a:effectRef idx="0">
+            <a:schemeClr val="accent1"/>
+          </a:effectRef>
+          <a:fontRef idx="minor">
+            <a:schemeClr val="lt1"/>
+          </a:fontRef>
+        </p:style>
+        <p:txBody>
+          <a:bodyPr rtlCol="0" anchor="ctr"/>
+          <a:lstStyle/>
+          <a:p>
+            <a:pPr algn="ctr"/>
+            <a:endParaRPr lang="en-US"/>
+          </a:p>
+        </p:txBody>
+      </p:sp>
+      <p:sp>
+        <p:nvSpPr>
+          <p:cNvPr id="50" name="Rectangle 49">
+            <a:extLst>
+              <a:ext uri="{FF2B5EF4-FFF2-40B4-BE49-F238E27FC236}">
+                <a16:creationId xmlns:a16="http://schemas.microsoft.com/office/drawing/2014/main" id="{CA212158-300D-44D0-9CCE-472C3F669EE1}"/>
+              </a:ext>
+              <a:ext uri="{C183D7F6-B498-43B3-948B-1728B52AA6E4}">
+                <adec:decorative xmlns:adec="http://schemas.microsoft.com/office/drawing/2017/decorative" val="1"/>
+              </a:ext>
+            </a:extLst>
+          </p:cNvPr>
+          <p:cNvSpPr>
+            <a:spLocks noGrp="1" noRot="1" noChangeAspect="1" noMove="1" noResize="1" noEditPoints="1" noAdjustHandles="1" noChangeArrowheads="1" noChangeShapeType="1" noTextEdit="1"/>
+          </p:cNvSpPr>
+          <p:nvPr>
+            <p:extLst>
+              <p:ext uri="{386F3935-93C4-4BCD-93E2-E3B085C9AB24}">
+                <p16:designElem xmlns:p16="http://schemas.microsoft.com/office/powerpoint/2015/main" val="1"/>
+              </p:ext>
+            </p:extLst>
+          </p:nvPr>
+        </p:nvSpPr>
+        <p:spPr>
+          <a:xfrm>
+            <a:off x="1525" y="6109423"/>
+            <a:ext cx="12188951" cy="64008"/>
+          </a:xfrm>
+          <a:prstGeom prst="rect">
+            <a:avLst/>
+          </a:prstGeom>
+          <a:solidFill>
+            <a:schemeClr val="tx2"/>
+          </a:solidFill>
+          <a:ln>
+            <a:noFill/>
+          </a:ln>
+        </p:spPr>
+        <p:style>
+          <a:lnRef idx="2">
+            <a:schemeClr val="accent1">
+              <a:shade val="50000"/>
+            </a:schemeClr>
+          </a:lnRef>
+          <a:fillRef idx="1">
+            <a:schemeClr val="accent1"/>
+          </a:fillRef>
+          <a:effectRef idx="0">
+            <a:schemeClr val="accent1"/>
+          </a:effectRef>
+          <a:fontRef idx="minor">
+            <a:schemeClr val="lt1"/>
+          </a:fontRef>
+        </p:style>
+        <p:txBody>
+          <a:bodyPr rtlCol="0" anchor="ctr"/>
+          <a:lstStyle/>
+          <a:p>
+            <a:pPr algn="ctr"/>
+            <a:endParaRPr lang="en-US"/>
+          </a:p>
+        </p:txBody>
+      </p:sp>
+      <p:sp>
+        <p:nvSpPr>
+          <p:cNvPr id="52" name="Rectangle 51">
+            <a:extLst>
+              <a:ext uri="{FF2B5EF4-FFF2-40B4-BE49-F238E27FC236}">
+                <a16:creationId xmlns:a16="http://schemas.microsoft.com/office/drawing/2014/main" id="{988521F4-D44A-42C5-9BDB-5CA25554098B}"/>
+              </a:ext>
+              <a:ext uri="{C183D7F6-B498-43B3-948B-1728B52AA6E4}">
+                <adec:decorative xmlns:adec="http://schemas.microsoft.com/office/drawing/2017/decorative" val="1"/>
+              </a:ext>
+            </a:extLst>
+          </p:cNvPr>
+          <p:cNvSpPr>
+            <a:spLocks noGrp="1" noRot="1" noChangeAspect="1" noMove="1" noResize="1" noEditPoints="1" noAdjustHandles="1" noChangeArrowheads="1" noChangeShapeType="1" noTextEdit="1"/>
+          </p:cNvSpPr>
+          <p:nvPr>
+            <p:extLst>
+              <p:ext uri="{386F3935-93C4-4BCD-93E2-E3B085C9AB24}">
+                <p16:designElem xmlns:p16="http://schemas.microsoft.com/office/powerpoint/2015/main" val="1"/>
+              </p:ext>
+            </p:extLst>
+          </p:nvPr>
+        </p:nvSpPr>
+        <p:spPr>
+          <a:xfrm>
+            <a:off x="4656241" y="0"/>
+            <a:ext cx="64008" cy="6858000"/>
+          </a:xfrm>
+          <a:prstGeom prst="rect">
+            <a:avLst/>
+          </a:prstGeom>
+          <a:solidFill>
+            <a:schemeClr val="tx2"/>
+          </a:solidFill>
+          <a:ln>
+            <a:noFill/>
+          </a:ln>
+        </p:spPr>
+        <p:style>
+          <a:lnRef idx="2">
+            <a:schemeClr val="accent1">
+              <a:shade val="50000"/>
+            </a:schemeClr>
+          </a:lnRef>
+          <a:fillRef idx="1">
+            <a:schemeClr val="accent1"/>
+          </a:fillRef>
+          <a:effectRef idx="0">
+            <a:schemeClr val="accent1"/>
+          </a:effectRef>
+          <a:fontRef idx="minor">
+            <a:schemeClr val="lt1"/>
+          </a:fontRef>
+        </p:style>
+        <p:txBody>
+          <a:bodyPr rtlCol="0" anchor="ctr"/>
+          <a:lstStyle/>
+          <a:p>
+            <a:pPr algn="ctr"/>
+            <a:endParaRPr lang="en-US"/>
+          </a:p>
+        </p:txBody>
+      </p:sp>
+      <p:sp>
+        <p:nvSpPr>
+          <p:cNvPr id="54" name="Rectangle 53">
+            <a:extLst>
+              <a:ext uri="{FF2B5EF4-FFF2-40B4-BE49-F238E27FC236}">
+                <a16:creationId xmlns:a16="http://schemas.microsoft.com/office/drawing/2014/main" id="{5E6738EB-6FF0-4AF9-8462-57F4494B88B2}"/>
+              </a:ext>
+              <a:ext uri="{C183D7F6-B498-43B3-948B-1728B52AA6E4}">
+                <adec:decorative xmlns:adec="http://schemas.microsoft.com/office/drawing/2017/decorative" val="1"/>
+              </a:ext>
+            </a:extLst>
+          </p:cNvPr>
+          <p:cNvSpPr>
+            <a:spLocks noGrp="1" noRot="1" noChangeAspect="1" noMove="1" noResize="1" noEditPoints="1" noAdjustHandles="1" noChangeArrowheads="1" noChangeShapeType="1" noTextEdit="1"/>
+          </p:cNvSpPr>
+          <p:nvPr>
+            <p:extLst>
+              <p:ext uri="{386F3935-93C4-4BCD-93E2-E3B085C9AB24}">
+                <p16:designElem xmlns:p16="http://schemas.microsoft.com/office/powerpoint/2015/main" val="1"/>
+              </p:ext>
+            </p:extLst>
+          </p:nvPr>
+        </p:nvSpPr>
+        <p:spPr>
+          <a:xfrm>
+            <a:off x="1525" y="713436"/>
+            <a:ext cx="12188951" cy="64008"/>
+          </a:xfrm>
+          <a:prstGeom prst="rect">
+            <a:avLst/>
+          </a:prstGeom>
+          <a:solidFill>
+            <a:schemeClr val="tx2"/>
+          </a:solidFill>
+          <a:ln>
+            <a:noFill/>
+          </a:ln>
+        </p:spPr>
+        <p:style>
+          <a:lnRef idx="2">
+            <a:schemeClr val="accent1">
+              <a:shade val="50000"/>
+            </a:schemeClr>
+          </a:lnRef>
+          <a:fillRef idx="1">
+            <a:schemeClr val="accent1"/>
+          </a:fillRef>
+          <a:effectRef idx="0">
+            <a:schemeClr val="accent1"/>
+          </a:effectRef>
+          <a:fontRef idx="minor">
+            <a:schemeClr val="lt1"/>
+          </a:fontRef>
+        </p:style>
+        <p:txBody>
+          <a:bodyPr rtlCol="0" anchor="ctr"/>
+          <a:lstStyle/>
+          <a:p>
+            <a:pPr algn="ctr"/>
+            <a:endParaRPr lang="en-US"/>
           </a:p>
         </p:txBody>
       </p:sp>
     </p:spTree>
     <p:extLst>
       <p:ext uri="{BB962C8B-B14F-4D97-AF65-F5344CB8AC3E}">
-        <p14:creationId xmlns:p14="http://schemas.microsoft.com/office/powerpoint/2010/main" val="3111549375"/>
+        <p14:creationId xmlns:p14="http://schemas.microsoft.com/office/powerpoint/2010/main" val="262449224"/>
       </p:ext>
     </p:extLst>
   </p:cSld>
@@ -16382,6 +13243,14 @@
 <file path=ppt/slides/slide7.xml><?xml version="1.0" encoding="utf-8"?>
 <p:sld xmlns:a="http://schemas.openxmlformats.org/drawingml/2006/main" xmlns:r="http://schemas.openxmlformats.org/officeDocument/2006/relationships" xmlns:p="http://schemas.openxmlformats.org/presentationml/2006/main">
   <p:cSld>
+    <p:bg>
+      <p:bgPr>
+        <a:solidFill>
+          <a:schemeClr val="bg2"/>
+        </a:solidFill>
+        <a:effectLst/>
+      </p:bgPr>
+    </p:bg>
     <p:spTree>
       <p:nvGrpSpPr>
         <p:cNvPr id="1" name=""/>
@@ -16398,6 +13267,259 @@
       </p:grpSpPr>
       <p:sp>
         <p:nvSpPr>
+          <p:cNvPr id="13" name="Rectangle 12">
+            <a:extLst>
+              <a:ext uri="{FF2B5EF4-FFF2-40B4-BE49-F238E27FC236}">
+                <a16:creationId xmlns:a16="http://schemas.microsoft.com/office/drawing/2014/main" id="{0786F82F-1B47-46ED-8EAE-53EF71E59E9A}"/>
+              </a:ext>
+              <a:ext uri="{C183D7F6-B498-43B3-948B-1728B52AA6E4}">
+                <adec:decorative xmlns:adec="http://schemas.microsoft.com/office/drawing/2017/decorative" val="1"/>
+              </a:ext>
+            </a:extLst>
+          </p:cNvPr>
+          <p:cNvSpPr>
+            <a:spLocks noGrp="1" noRot="1" noChangeAspect="1" noMove="1" noResize="1" noEditPoints="1" noAdjustHandles="1" noChangeArrowheads="1" noChangeShapeType="1" noTextEdit="1"/>
+          </p:cNvSpPr>
+          <p:nvPr>
+            <p:extLst>
+              <p:ext uri="{386F3935-93C4-4BCD-93E2-E3B085C9AB24}">
+                <p16:designElem xmlns:p16="http://schemas.microsoft.com/office/powerpoint/2015/main" val="1"/>
+              </p:ext>
+            </p:extLst>
+          </p:nvPr>
+        </p:nvSpPr>
+        <p:spPr>
+          <a:xfrm>
+            <a:off x="4718302" y="0"/>
+            <a:ext cx="7473698" cy="6858000"/>
+          </a:xfrm>
+          <a:prstGeom prst="rect">
+            <a:avLst/>
+          </a:prstGeom>
+          <a:solidFill>
+            <a:schemeClr val="bg1">
+              <a:alpha val="75000"/>
+            </a:schemeClr>
+          </a:solidFill>
+          <a:ln>
+            <a:noFill/>
+          </a:ln>
+        </p:spPr>
+        <p:style>
+          <a:lnRef idx="2">
+            <a:schemeClr val="accent1">
+              <a:shade val="50000"/>
+            </a:schemeClr>
+          </a:lnRef>
+          <a:fillRef idx="1">
+            <a:schemeClr val="accent1"/>
+          </a:fillRef>
+          <a:effectRef idx="0">
+            <a:schemeClr val="accent1"/>
+          </a:effectRef>
+          <a:fontRef idx="minor">
+            <a:schemeClr val="lt1"/>
+          </a:fontRef>
+        </p:style>
+        <p:txBody>
+          <a:bodyPr rtlCol="0" anchor="ctr"/>
+          <a:lstStyle/>
+          <a:p>
+            <a:pPr algn="ctr"/>
+            <a:endParaRPr lang="en-US"/>
+          </a:p>
+        </p:txBody>
+      </p:sp>
+      <p:sp>
+        <p:nvSpPr>
+          <p:cNvPr id="15" name="Rectangle 14">
+            <a:extLst>
+              <a:ext uri="{FF2B5EF4-FFF2-40B4-BE49-F238E27FC236}">
+                <a16:creationId xmlns:a16="http://schemas.microsoft.com/office/drawing/2014/main" id="{EF1BAF6F-6275-4646-9C59-331B29B9550F}"/>
+              </a:ext>
+              <a:ext uri="{C183D7F6-B498-43B3-948B-1728B52AA6E4}">
+                <adec:decorative xmlns:adec="http://schemas.microsoft.com/office/drawing/2017/decorative" val="1"/>
+              </a:ext>
+            </a:extLst>
+          </p:cNvPr>
+          <p:cNvSpPr>
+            <a:spLocks noGrp="1" noRot="1" noChangeAspect="1" noMove="1" noResize="1" noEditPoints="1" noAdjustHandles="1" noChangeArrowheads="1" noChangeShapeType="1" noTextEdit="1"/>
+          </p:cNvSpPr>
+          <p:nvPr>
+            <p:extLst>
+              <p:ext uri="{386F3935-93C4-4BCD-93E2-E3B085C9AB24}">
+                <p16:designElem xmlns:p16="http://schemas.microsoft.com/office/powerpoint/2015/main" val="1"/>
+              </p:ext>
+            </p:extLst>
+          </p:nvPr>
+        </p:nvSpPr>
+        <p:spPr>
+          <a:xfrm rot="5400000">
+            <a:off x="1257298" y="3396997"/>
+            <a:ext cx="6858002" cy="64008"/>
+          </a:xfrm>
+          <a:prstGeom prst="rect">
+            <a:avLst/>
+          </a:prstGeom>
+          <a:solidFill>
+            <a:schemeClr val="tx2"/>
+          </a:solidFill>
+          <a:ln>
+            <a:noFill/>
+          </a:ln>
+        </p:spPr>
+        <p:style>
+          <a:lnRef idx="2">
+            <a:schemeClr val="accent1">
+              <a:shade val="50000"/>
+            </a:schemeClr>
+          </a:lnRef>
+          <a:fillRef idx="1">
+            <a:schemeClr val="accent1"/>
+          </a:fillRef>
+          <a:effectRef idx="0">
+            <a:schemeClr val="accent1"/>
+          </a:effectRef>
+          <a:fontRef idx="minor">
+            <a:schemeClr val="lt1"/>
+          </a:fontRef>
+        </p:style>
+        <p:txBody>
+          <a:bodyPr rtlCol="0" anchor="ctr"/>
+          <a:lstStyle/>
+          <a:p>
+            <a:pPr algn="ctr"/>
+            <a:endParaRPr lang="en-US"/>
+          </a:p>
+        </p:txBody>
+      </p:sp>
+      <p:sp useBgFill="1">
+        <p:nvSpPr>
+          <p:cNvPr id="17" name="Rectangle 16">
+            <a:extLst>
+              <a:ext uri="{FF2B5EF4-FFF2-40B4-BE49-F238E27FC236}">
+                <a16:creationId xmlns:a16="http://schemas.microsoft.com/office/drawing/2014/main" id="{099405E2-1A96-4DBA-A9DC-4C2A1B421CA9}"/>
+              </a:ext>
+              <a:ext uri="{C183D7F6-B498-43B3-948B-1728B52AA6E4}">
+                <adec:decorative xmlns:adec="http://schemas.microsoft.com/office/drawing/2017/decorative" val="1"/>
+              </a:ext>
+            </a:extLst>
+          </p:cNvPr>
+          <p:cNvSpPr>
+            <a:spLocks noGrp="1" noRot="1" noChangeAspect="1" noMove="1" noResize="1" noEditPoints="1" noAdjustHandles="1" noChangeArrowheads="1" noChangeShapeType="1" noTextEdit="1"/>
+          </p:cNvSpPr>
+          <p:nvPr>
+            <p:extLst>
+              <p:ext uri="{386F3935-93C4-4BCD-93E2-E3B085C9AB24}">
+                <p16:designElem xmlns:p16="http://schemas.microsoft.com/office/powerpoint/2015/main" val="1"/>
+              </p:ext>
+            </p:extLst>
+          </p:nvPr>
+        </p:nvSpPr>
+        <p:spPr>
+          <a:xfrm flipH="1">
+            <a:off x="0" y="0"/>
+            <a:ext cx="12192001" cy="6858000"/>
+          </a:xfrm>
+          <a:prstGeom prst="rect">
+            <a:avLst/>
+          </a:prstGeom>
+          <a:ln>
+            <a:noFill/>
+          </a:ln>
+        </p:spPr>
+        <p:style>
+          <a:lnRef idx="2">
+            <a:schemeClr val="accent1">
+              <a:shade val="50000"/>
+            </a:schemeClr>
+          </a:lnRef>
+          <a:fillRef idx="1">
+            <a:schemeClr val="accent1"/>
+          </a:fillRef>
+          <a:effectRef idx="0">
+            <a:schemeClr val="accent1"/>
+          </a:effectRef>
+          <a:fontRef idx="minor">
+            <a:schemeClr val="lt1"/>
+          </a:fontRef>
+        </p:style>
+        <p:txBody>
+          <a:bodyPr rtlCol="0" anchor="ctr"/>
+          <a:lstStyle/>
+          <a:p>
+            <a:pPr algn="ctr"/>
+            <a:endParaRPr lang="en-US" dirty="0"/>
+          </a:p>
+        </p:txBody>
+      </p:sp>
+      <p:sp>
+        <p:nvSpPr>
+          <p:cNvPr id="19" name="Rectangle 18">
+            <a:extLst>
+              <a:ext uri="{FF2B5EF4-FFF2-40B4-BE49-F238E27FC236}">
+                <a16:creationId xmlns:a16="http://schemas.microsoft.com/office/drawing/2014/main" id="{79855050-A75B-4DD0-9B56-8B1C7722D884}"/>
+              </a:ext>
+              <a:ext uri="{C183D7F6-B498-43B3-948B-1728B52AA6E4}">
+                <adec:decorative xmlns:adec="http://schemas.microsoft.com/office/drawing/2017/decorative" val="1"/>
+              </a:ext>
+            </a:extLst>
+          </p:cNvPr>
+          <p:cNvSpPr>
+            <a:spLocks noGrp="1" noRot="1" noChangeAspect="1" noMove="1" noResize="1" noEditPoints="1" noAdjustHandles="1" noChangeArrowheads="1" noChangeShapeType="1" noTextEdit="1"/>
+          </p:cNvSpPr>
+          <p:nvPr>
+            <p:extLst>
+              <p:ext uri="{386F3935-93C4-4BCD-93E2-E3B085C9AB24}">
+                <p16:designElem xmlns:p16="http://schemas.microsoft.com/office/powerpoint/2015/main" val="1"/>
+              </p:ext>
+            </p:extLst>
+          </p:nvPr>
+        </p:nvSpPr>
+        <p:spPr>
+          <a:xfrm flipH="1">
+            <a:off x="-7235" y="758246"/>
+            <a:ext cx="4658480" cy="5386318"/>
+          </a:xfrm>
+          <a:prstGeom prst="rect">
+            <a:avLst/>
+          </a:prstGeom>
+          <a:solidFill>
+            <a:schemeClr val="bg1">
+              <a:alpha val="75000"/>
+            </a:schemeClr>
+          </a:solidFill>
+          <a:ln>
+            <a:noFill/>
+          </a:ln>
+        </p:spPr>
+        <p:style>
+          <a:lnRef idx="2">
+            <a:schemeClr val="accent1">
+              <a:shade val="50000"/>
+            </a:schemeClr>
+          </a:lnRef>
+          <a:fillRef idx="1">
+            <a:schemeClr val="accent1"/>
+          </a:fillRef>
+          <a:effectRef idx="0">
+            <a:schemeClr val="accent1"/>
+          </a:effectRef>
+          <a:fontRef idx="minor">
+            <a:schemeClr val="lt1"/>
+          </a:fontRef>
+        </p:style>
+        <p:txBody>
+          <a:bodyPr rtlCol="0" anchor="ctr"/>
+          <a:lstStyle/>
+          <a:p>
+            <a:pPr algn="ctr"/>
+            <a:endParaRPr lang="en-US"/>
+          </a:p>
+        </p:txBody>
+      </p:sp>
+      <p:sp>
+        <p:nvSpPr>
           <p:cNvPr id="2" name="Title 1">
             <a:extLst>
               <a:ext uri="{FF2B5EF4-FFF2-40B4-BE49-F238E27FC236}">
@@ -16412,75 +13534,108 @@
             <p:ph type="title"/>
           </p:nvPr>
         </p:nvSpPr>
-        <p:spPr/>
-        <p:txBody>
-          <a:bodyPr/>
-          <a:lstStyle/>
-          <a:p>
-            <a:r>
-              <a:rPr lang="en-US" dirty="0"/>
-              <a:t>Effective delivery techniques</a:t>
-            </a:r>
-          </a:p>
-        </p:txBody>
-      </p:sp>
-      <p:sp>
-        <p:nvSpPr>
-          <p:cNvPr id="3" name="Content Placeholder 2">
-            <a:extLst>
-              <a:ext uri="{FF2B5EF4-FFF2-40B4-BE49-F238E27FC236}">
-                <a16:creationId xmlns:a16="http://schemas.microsoft.com/office/drawing/2014/main" id="{41191CC7-9CF2-71F0-1AD4-791EA9CBAD97}"/>
-              </a:ext>
-            </a:extLst>
-          </p:cNvPr>
-          <p:cNvSpPr>
-            <a:spLocks noGrp="1"/>
-          </p:cNvSpPr>
-          <p:nvPr>
-            <p:ph sz="quarter" idx="18"/>
-          </p:nvPr>
-        </p:nvSpPr>
-        <p:spPr/>
-        <p:txBody>
-          <a:bodyPr>
+        <p:spPr>
+          <a:xfrm>
+            <a:off x="170478" y="1072110"/>
+            <a:ext cx="4083469" cy="1862345"/>
+          </a:xfrm>
+        </p:spPr>
+        <p:txBody>
+          <a:bodyPr vert="horz" lIns="109728" tIns="109728" rIns="109728" bIns="91440" rtlCol="0" anchor="ctr">
             <a:normAutofit/>
           </a:bodyPr>
           <a:lstStyle/>
           <a:p>
-            <a:r>
-              <a:rPr lang="en-US" dirty="0"/>
-              <a:t>Voice modulation is a powerful tool in public speaking. It involves varying pitch, tone, and volume to convey emotion, emphasize points, and maintain interest:</a:t>
-            </a:r>
-          </a:p>
-          <a:p>
-            <a:pPr lvl="1"/>
-            <a:r>
-              <a:rPr lang="en-US" dirty="0"/>
-              <a:t>Pitch variation</a:t>
-            </a:r>
-          </a:p>
-          <a:p>
-            <a:pPr lvl="1"/>
-            <a:r>
-              <a:rPr lang="en-US" dirty="0"/>
-              <a:t>Tone inflection</a:t>
-            </a:r>
-          </a:p>
-          <a:p>
-            <a:pPr lvl="1"/>
-            <a:r>
-              <a:rPr lang="en-US" dirty="0"/>
-              <a:t>Volume control</a:t>
-            </a:r>
-          </a:p>
-        </p:txBody>
-      </p:sp>
-      <p:sp>
-        <p:nvSpPr>
-          <p:cNvPr id="4" name="Content Placeholder 3">
-            <a:extLst>
-              <a:ext uri="{FF2B5EF4-FFF2-40B4-BE49-F238E27FC236}">
-                <a16:creationId xmlns:a16="http://schemas.microsoft.com/office/drawing/2014/main" id="{4B1BF1AC-C624-2AD2-DA0F-335AB7BA2CA8}"/>
+            <a:pPr>
+              <a:lnSpc>
+                <a:spcPct val="150000"/>
+              </a:lnSpc>
+            </a:pPr>
+            <a:r>
+              <a:rPr lang="en-US" sz="3600" dirty="0">
+                <a:solidFill>
+                  <a:schemeClr val="tx1">
+                    <a:lumMod val="75000"/>
+                    <a:lumOff val="25000"/>
+                  </a:schemeClr>
+                </a:solidFill>
+              </a:rPr>
+              <a:t>Graph Construction</a:t>
+            </a:r>
+          </a:p>
+        </p:txBody>
+      </p:sp>
+      <p:sp>
+        <p:nvSpPr>
+          <p:cNvPr id="21" name="Rectangle 20">
+            <a:extLst>
+              <a:ext uri="{FF2B5EF4-FFF2-40B4-BE49-F238E27FC236}">
+                <a16:creationId xmlns:a16="http://schemas.microsoft.com/office/drawing/2014/main" id="{2060C0F7-61A6-4E64-A77E-AFBD81127352}"/>
+              </a:ext>
+              <a:ext uri="{C183D7F6-B498-43B3-948B-1728B52AA6E4}">
+                <adec:decorative xmlns:adec="http://schemas.microsoft.com/office/drawing/2017/decorative" val="1"/>
+              </a:ext>
+            </a:extLst>
+          </p:cNvPr>
+          <p:cNvSpPr>
+            <a:spLocks noGrp="1" noRot="1" noChangeAspect="1" noMove="1" noResize="1" noEditPoints="1" noAdjustHandles="1" noChangeArrowheads="1" noChangeShapeType="1" noTextEdit="1"/>
+          </p:cNvSpPr>
+          <p:nvPr>
+            <p:extLst>
+              <p:ext uri="{386F3935-93C4-4BCD-93E2-E3B085C9AB24}">
+                <p16:designElem xmlns:p16="http://schemas.microsoft.com/office/powerpoint/2015/main" val="1"/>
+              </p:ext>
+            </p:extLst>
+          </p:nvPr>
+        </p:nvSpPr>
+        <p:spPr>
+          <a:xfrm flipH="1">
+            <a:off x="4684060" y="0"/>
+            <a:ext cx="7507940" cy="765228"/>
+          </a:xfrm>
+          <a:prstGeom prst="rect">
+            <a:avLst/>
+          </a:prstGeom>
+          <a:solidFill>
+            <a:schemeClr val="bg1">
+              <a:alpha val="75000"/>
+            </a:schemeClr>
+          </a:solidFill>
+          <a:ln>
+            <a:noFill/>
+          </a:ln>
+        </p:spPr>
+        <p:style>
+          <a:lnRef idx="2">
+            <a:schemeClr val="accent1">
+              <a:shade val="50000"/>
+            </a:schemeClr>
+          </a:lnRef>
+          <a:fillRef idx="1">
+            <a:schemeClr val="accent1"/>
+          </a:fillRef>
+          <a:effectRef idx="0">
+            <a:schemeClr val="accent1"/>
+          </a:effectRef>
+          <a:fontRef idx="minor">
+            <a:schemeClr val="lt1"/>
+          </a:fontRef>
+        </p:style>
+        <p:txBody>
+          <a:bodyPr rtlCol="0" anchor="ctr"/>
+          <a:lstStyle/>
+          <a:p>
+            <a:pPr algn="ctr"/>
+            <a:endParaRPr lang="en-US"/>
+          </a:p>
+        </p:txBody>
+      </p:sp>
+      <p:sp>
+        <p:nvSpPr>
+          <p:cNvPr id="3" name="Content Placeholder 2">
+            <a:extLst>
+              <a:ext uri="{FF2B5EF4-FFF2-40B4-BE49-F238E27FC236}">
+                <a16:creationId xmlns:a16="http://schemas.microsoft.com/office/drawing/2014/main" id="{41191CC7-9CF2-71F0-1AD4-791EA9CBAD97}"/>
               </a:ext>
             </a:extLst>
           </p:cNvPr>
@@ -16488,58 +13643,405 @@
             <a:spLocks noGrp="1"/>
           </p:cNvSpPr>
           <p:nvPr>
-            <p:ph sz="quarter" idx="19"/>
-          </p:nvPr>
-        </p:nvSpPr>
-        <p:spPr/>
-        <p:txBody>
-          <a:bodyPr/>
-          <a:lstStyle/>
-          <a:p>
-            <a:r>
-              <a:rPr lang="en-US" dirty="0"/>
-              <a:t>Effective body language enhances your message, making it more impactful </a:t>
-            </a:r>
-            <a:r>
-              <a:rPr lang="en-US"/>
-              <a:t>and memorable:</a:t>
-            </a:r>
-            <a:endParaRPr lang="en-US" dirty="0"/>
-          </a:p>
-          <a:p>
-            <a:pPr lvl="1"/>
-            <a:r>
-              <a:rPr lang="en-US" dirty="0"/>
-              <a:t>Meaningful eye contact</a:t>
-            </a:r>
-          </a:p>
-          <a:p>
-            <a:pPr lvl="1"/>
-            <a:r>
-              <a:rPr lang="en-US" dirty="0"/>
-              <a:t>Purposeful gestures</a:t>
-            </a:r>
-          </a:p>
-          <a:p>
-            <a:pPr lvl="1"/>
-            <a:r>
-              <a:rPr lang="en-US" dirty="0"/>
-              <a:t>Maintain good posture</a:t>
-            </a:r>
-          </a:p>
-          <a:p>
-            <a:pPr lvl="1"/>
-            <a:r>
-              <a:rPr lang="en-US" dirty="0"/>
-              <a:t>Control your expressions</a:t>
-            </a:r>
+            <p:ph sz="quarter" idx="18"/>
+          </p:nvPr>
+        </p:nvSpPr>
+        <p:spPr>
+          <a:xfrm>
+            <a:off x="174662" y="2934455"/>
+            <a:ext cx="4079286" cy="2840139"/>
+          </a:xfrm>
+        </p:spPr>
+        <p:txBody>
+          <a:bodyPr vert="horz" lIns="109728" tIns="109728" rIns="109728" bIns="91440" rtlCol="0" anchor="t">
+            <a:normAutofit fontScale="85000" lnSpcReduction="10000"/>
+          </a:bodyPr>
+          <a:lstStyle/>
+          <a:p>
+            <a:pPr>
+              <a:lnSpc>
+                <a:spcPct val="130000"/>
+              </a:lnSpc>
+            </a:pPr>
+            <a:r>
+              <a:rPr lang="en-US" sz="1600" dirty="0"/>
+              <a:t>- Reading the preprocessed text data from each document.</a:t>
+            </a:r>
+          </a:p>
+          <a:p>
+            <a:pPr>
+              <a:lnSpc>
+                <a:spcPct val="130000"/>
+              </a:lnSpc>
+            </a:pPr>
+            <a:r>
+              <a:rPr lang="en-US" sz="1600" dirty="0"/>
+              <a:t>- Splitting the text into individual words to create nodes in the graph.</a:t>
+            </a:r>
+          </a:p>
+          <a:p>
+            <a:pPr>
+              <a:lnSpc>
+                <a:spcPct val="130000"/>
+              </a:lnSpc>
+            </a:pPr>
+            <a:r>
+              <a:rPr lang="en-US" sz="1600" dirty="0"/>
+              <a:t>- Connecting adjacent words in the text with directed edges to represent the sequential order of terms.</a:t>
+            </a:r>
+          </a:p>
+        </p:txBody>
+      </p:sp>
+      <p:pic>
+        <p:nvPicPr>
+          <p:cNvPr id="8" name="Picture 7">
+            <a:extLst>
+              <a:ext uri="{FF2B5EF4-FFF2-40B4-BE49-F238E27FC236}">
+                <a16:creationId xmlns:a16="http://schemas.microsoft.com/office/drawing/2014/main" id="{01824B0A-2244-AA5C-0F9D-E3DA22A1600C}"/>
+              </a:ext>
+            </a:extLst>
+          </p:cNvPr>
+          <p:cNvPicPr>
+            <a:picLocks noChangeAspect="1"/>
+          </p:cNvPicPr>
+          <p:nvPr/>
+        </p:nvPicPr>
+        <p:blipFill rotWithShape="1">
+          <a:blip r:embed="rId3"/>
+          <a:srcRect t="13560" r="-1" b="13112"/>
+          <a:stretch/>
+        </p:blipFill>
+        <p:spPr>
+          <a:xfrm>
+            <a:off x="4695713" y="713436"/>
+            <a:ext cx="7500472" cy="5431128"/>
+          </a:xfrm>
+          <a:prstGeom prst="rect">
+            <a:avLst/>
+          </a:prstGeom>
+        </p:spPr>
+      </p:pic>
+      <p:sp>
+        <p:nvSpPr>
+          <p:cNvPr id="23" name="Rectangle 22">
+            <a:extLst>
+              <a:ext uri="{FF2B5EF4-FFF2-40B4-BE49-F238E27FC236}">
+                <a16:creationId xmlns:a16="http://schemas.microsoft.com/office/drawing/2014/main" id="{BCF4857D-F003-4CA1-82AB-00900B1008BA}"/>
+              </a:ext>
+              <a:ext uri="{C183D7F6-B498-43B3-948B-1728B52AA6E4}">
+                <adec:decorative xmlns:adec="http://schemas.microsoft.com/office/drawing/2017/decorative" val="1"/>
+              </a:ext>
+            </a:extLst>
+          </p:cNvPr>
+          <p:cNvSpPr>
+            <a:spLocks noGrp="1" noRot="1" noChangeAspect="1" noMove="1" noResize="1" noEditPoints="1" noAdjustHandles="1" noChangeArrowheads="1" noChangeShapeType="1" noTextEdit="1"/>
+          </p:cNvSpPr>
+          <p:nvPr>
+            <p:extLst>
+              <p:ext uri="{386F3935-93C4-4BCD-93E2-E3B085C9AB24}">
+                <p16:designElem xmlns:p16="http://schemas.microsoft.com/office/powerpoint/2015/main" val="1"/>
+              </p:ext>
+            </p:extLst>
+          </p:nvPr>
+        </p:nvSpPr>
+        <p:spPr>
+          <a:xfrm flipH="1">
+            <a:off x="-6" y="6144564"/>
+            <a:ext cx="4656246" cy="713436"/>
+          </a:xfrm>
+          <a:prstGeom prst="rect">
+            <a:avLst/>
+          </a:prstGeom>
+          <a:solidFill>
+            <a:schemeClr val="accent1"/>
+          </a:solidFill>
+          <a:ln>
+            <a:noFill/>
+          </a:ln>
+        </p:spPr>
+        <p:style>
+          <a:lnRef idx="2">
+            <a:schemeClr val="accent1">
+              <a:shade val="50000"/>
+            </a:schemeClr>
+          </a:lnRef>
+          <a:fillRef idx="1">
+            <a:schemeClr val="accent1"/>
+          </a:fillRef>
+          <a:effectRef idx="0">
+            <a:schemeClr val="accent1"/>
+          </a:effectRef>
+          <a:fontRef idx="minor">
+            <a:schemeClr val="lt1"/>
+          </a:fontRef>
+        </p:style>
+        <p:txBody>
+          <a:bodyPr rtlCol="0" anchor="ctr"/>
+          <a:lstStyle/>
+          <a:p>
+            <a:pPr algn="ctr"/>
+            <a:endParaRPr lang="en-US"/>
+          </a:p>
+        </p:txBody>
+      </p:sp>
+      <p:sp>
+        <p:nvSpPr>
+          <p:cNvPr id="25" name="Rectangle 24">
+            <a:extLst>
+              <a:ext uri="{FF2B5EF4-FFF2-40B4-BE49-F238E27FC236}">
+                <a16:creationId xmlns:a16="http://schemas.microsoft.com/office/drawing/2014/main" id="{DB791336-FCAA-4174-9303-B3F374861110}"/>
+              </a:ext>
+              <a:ext uri="{C183D7F6-B498-43B3-948B-1728B52AA6E4}">
+                <adec:decorative xmlns:adec="http://schemas.microsoft.com/office/drawing/2017/decorative" val="1"/>
+              </a:ext>
+            </a:extLst>
+          </p:cNvPr>
+          <p:cNvSpPr>
+            <a:spLocks noGrp="1" noRot="1" noChangeAspect="1" noMove="1" noResize="1" noEditPoints="1" noAdjustHandles="1" noChangeArrowheads="1" noChangeShapeType="1" noTextEdit="1"/>
+          </p:cNvSpPr>
+          <p:nvPr>
+            <p:extLst>
+              <p:ext uri="{386F3935-93C4-4BCD-93E2-E3B085C9AB24}">
+                <p16:designElem xmlns:p16="http://schemas.microsoft.com/office/powerpoint/2015/main" val="1"/>
+              </p:ext>
+            </p:extLst>
+          </p:nvPr>
+        </p:nvSpPr>
+        <p:spPr>
+          <a:xfrm flipH="1">
+            <a:off x="4715122" y="6167615"/>
+            <a:ext cx="7473828" cy="690385"/>
+          </a:xfrm>
+          <a:prstGeom prst="rect">
+            <a:avLst/>
+          </a:prstGeom>
+          <a:solidFill>
+            <a:schemeClr val="bg1">
+              <a:alpha val="75000"/>
+            </a:schemeClr>
+          </a:solidFill>
+          <a:ln>
+            <a:noFill/>
+          </a:ln>
+        </p:spPr>
+        <p:style>
+          <a:lnRef idx="2">
+            <a:schemeClr val="accent1">
+              <a:shade val="50000"/>
+            </a:schemeClr>
+          </a:lnRef>
+          <a:fillRef idx="1">
+            <a:schemeClr val="accent1"/>
+          </a:fillRef>
+          <a:effectRef idx="0">
+            <a:schemeClr val="accent1"/>
+          </a:effectRef>
+          <a:fontRef idx="minor">
+            <a:schemeClr val="lt1"/>
+          </a:fontRef>
+        </p:style>
+        <p:txBody>
+          <a:bodyPr rtlCol="0" anchor="ctr"/>
+          <a:lstStyle/>
+          <a:p>
+            <a:pPr algn="ctr"/>
+            <a:endParaRPr lang="en-US"/>
+          </a:p>
+        </p:txBody>
+      </p:sp>
+      <p:sp>
+        <p:nvSpPr>
+          <p:cNvPr id="27" name="Rectangle 26">
+            <a:extLst>
+              <a:ext uri="{FF2B5EF4-FFF2-40B4-BE49-F238E27FC236}">
+                <a16:creationId xmlns:a16="http://schemas.microsoft.com/office/drawing/2014/main" id="{CA212158-300D-44D0-9CCE-472C3F669EE1}"/>
+              </a:ext>
+              <a:ext uri="{C183D7F6-B498-43B3-948B-1728B52AA6E4}">
+                <adec:decorative xmlns:adec="http://schemas.microsoft.com/office/drawing/2017/decorative" val="1"/>
+              </a:ext>
+            </a:extLst>
+          </p:cNvPr>
+          <p:cNvSpPr>
+            <a:spLocks noGrp="1" noRot="1" noChangeAspect="1" noMove="1" noResize="1" noEditPoints="1" noAdjustHandles="1" noChangeArrowheads="1" noChangeShapeType="1" noTextEdit="1"/>
+          </p:cNvSpPr>
+          <p:nvPr>
+            <p:extLst>
+              <p:ext uri="{386F3935-93C4-4BCD-93E2-E3B085C9AB24}">
+                <p16:designElem xmlns:p16="http://schemas.microsoft.com/office/powerpoint/2015/main" val="1"/>
+              </p:ext>
+            </p:extLst>
+          </p:nvPr>
+        </p:nvSpPr>
+        <p:spPr>
+          <a:xfrm>
+            <a:off x="1525" y="6109423"/>
+            <a:ext cx="12188951" cy="64008"/>
+          </a:xfrm>
+          <a:prstGeom prst="rect">
+            <a:avLst/>
+          </a:prstGeom>
+          <a:solidFill>
+            <a:schemeClr val="tx2"/>
+          </a:solidFill>
+          <a:ln>
+            <a:noFill/>
+          </a:ln>
+        </p:spPr>
+        <p:style>
+          <a:lnRef idx="2">
+            <a:schemeClr val="accent1">
+              <a:shade val="50000"/>
+            </a:schemeClr>
+          </a:lnRef>
+          <a:fillRef idx="1">
+            <a:schemeClr val="accent1"/>
+          </a:fillRef>
+          <a:effectRef idx="0">
+            <a:schemeClr val="accent1"/>
+          </a:effectRef>
+          <a:fontRef idx="minor">
+            <a:schemeClr val="lt1"/>
+          </a:fontRef>
+        </p:style>
+        <p:txBody>
+          <a:bodyPr rtlCol="0" anchor="ctr"/>
+          <a:lstStyle/>
+          <a:p>
+            <a:pPr algn="ctr"/>
+            <a:endParaRPr lang="en-US"/>
+          </a:p>
+        </p:txBody>
+      </p:sp>
+      <p:sp>
+        <p:nvSpPr>
+          <p:cNvPr id="29" name="Rectangle 28">
+            <a:extLst>
+              <a:ext uri="{FF2B5EF4-FFF2-40B4-BE49-F238E27FC236}">
+                <a16:creationId xmlns:a16="http://schemas.microsoft.com/office/drawing/2014/main" id="{988521F4-D44A-42C5-9BDB-5CA25554098B}"/>
+              </a:ext>
+              <a:ext uri="{C183D7F6-B498-43B3-948B-1728B52AA6E4}">
+                <adec:decorative xmlns:adec="http://schemas.microsoft.com/office/drawing/2017/decorative" val="1"/>
+              </a:ext>
+            </a:extLst>
+          </p:cNvPr>
+          <p:cNvSpPr>
+            <a:spLocks noGrp="1" noRot="1" noChangeAspect="1" noMove="1" noResize="1" noEditPoints="1" noAdjustHandles="1" noChangeArrowheads="1" noChangeShapeType="1" noTextEdit="1"/>
+          </p:cNvSpPr>
+          <p:nvPr>
+            <p:extLst>
+              <p:ext uri="{386F3935-93C4-4BCD-93E2-E3B085C9AB24}">
+                <p16:designElem xmlns:p16="http://schemas.microsoft.com/office/powerpoint/2015/main" val="1"/>
+              </p:ext>
+            </p:extLst>
+          </p:nvPr>
+        </p:nvSpPr>
+        <p:spPr>
+          <a:xfrm>
+            <a:off x="4656241" y="0"/>
+            <a:ext cx="64008" cy="6858000"/>
+          </a:xfrm>
+          <a:prstGeom prst="rect">
+            <a:avLst/>
+          </a:prstGeom>
+          <a:solidFill>
+            <a:schemeClr val="tx2"/>
+          </a:solidFill>
+          <a:ln>
+            <a:noFill/>
+          </a:ln>
+        </p:spPr>
+        <p:style>
+          <a:lnRef idx="2">
+            <a:schemeClr val="accent1">
+              <a:shade val="50000"/>
+            </a:schemeClr>
+          </a:lnRef>
+          <a:fillRef idx="1">
+            <a:schemeClr val="accent1"/>
+          </a:fillRef>
+          <a:effectRef idx="0">
+            <a:schemeClr val="accent1"/>
+          </a:effectRef>
+          <a:fontRef idx="minor">
+            <a:schemeClr val="lt1"/>
+          </a:fontRef>
+        </p:style>
+        <p:txBody>
+          <a:bodyPr rtlCol="0" anchor="ctr"/>
+          <a:lstStyle/>
+          <a:p>
+            <a:pPr algn="ctr"/>
+            <a:endParaRPr lang="en-US"/>
+          </a:p>
+        </p:txBody>
+      </p:sp>
+      <p:sp>
+        <p:nvSpPr>
+          <p:cNvPr id="31" name="Rectangle 30">
+            <a:extLst>
+              <a:ext uri="{FF2B5EF4-FFF2-40B4-BE49-F238E27FC236}">
+                <a16:creationId xmlns:a16="http://schemas.microsoft.com/office/drawing/2014/main" id="{5E6738EB-6FF0-4AF9-8462-57F4494B88B2}"/>
+              </a:ext>
+              <a:ext uri="{C183D7F6-B498-43B3-948B-1728B52AA6E4}">
+                <adec:decorative xmlns:adec="http://schemas.microsoft.com/office/drawing/2017/decorative" val="1"/>
+              </a:ext>
+            </a:extLst>
+          </p:cNvPr>
+          <p:cNvSpPr>
+            <a:spLocks noGrp="1" noRot="1" noChangeAspect="1" noMove="1" noResize="1" noEditPoints="1" noAdjustHandles="1" noChangeArrowheads="1" noChangeShapeType="1" noTextEdit="1"/>
+          </p:cNvSpPr>
+          <p:nvPr>
+            <p:extLst>
+              <p:ext uri="{386F3935-93C4-4BCD-93E2-E3B085C9AB24}">
+                <p16:designElem xmlns:p16="http://schemas.microsoft.com/office/powerpoint/2015/main" val="1"/>
+              </p:ext>
+            </p:extLst>
+          </p:nvPr>
+        </p:nvSpPr>
+        <p:spPr>
+          <a:xfrm>
+            <a:off x="1525" y="713436"/>
+            <a:ext cx="12188951" cy="64008"/>
+          </a:xfrm>
+          <a:prstGeom prst="rect">
+            <a:avLst/>
+          </a:prstGeom>
+          <a:solidFill>
+            <a:schemeClr val="tx2"/>
+          </a:solidFill>
+          <a:ln>
+            <a:noFill/>
+          </a:ln>
+        </p:spPr>
+        <p:style>
+          <a:lnRef idx="2">
+            <a:schemeClr val="accent1">
+              <a:shade val="50000"/>
+            </a:schemeClr>
+          </a:lnRef>
+          <a:fillRef idx="1">
+            <a:schemeClr val="accent1"/>
+          </a:fillRef>
+          <a:effectRef idx="0">
+            <a:schemeClr val="accent1"/>
+          </a:effectRef>
+          <a:fontRef idx="minor">
+            <a:schemeClr val="lt1"/>
+          </a:fontRef>
+        </p:style>
+        <p:txBody>
+          <a:bodyPr rtlCol="0" anchor="ctr"/>
+          <a:lstStyle/>
+          <a:p>
+            <a:pPr algn="ctr"/>
+            <a:endParaRPr lang="en-US"/>
           </a:p>
         </p:txBody>
       </p:sp>
     </p:spTree>
     <p:extLst>
       <p:ext uri="{BB962C8B-B14F-4D97-AF65-F5344CB8AC3E}">
-        <p14:creationId xmlns:p14="http://schemas.microsoft.com/office/powerpoint/2010/main" val="1230700268"/>
+        <p14:creationId xmlns:p14="http://schemas.microsoft.com/office/powerpoint/2010/main" val="1807755000"/>
       </p:ext>
     </p:extLst>
   </p:cSld>
@@ -16552,6 +14054,14 @@
 <file path=ppt/slides/slide8.xml><?xml version="1.0" encoding="utf-8"?>
 <p:sld xmlns:a="http://schemas.openxmlformats.org/drawingml/2006/main" xmlns:r="http://schemas.openxmlformats.org/officeDocument/2006/relationships" xmlns:p="http://schemas.openxmlformats.org/presentationml/2006/main">
   <p:cSld>
+    <p:bg>
+      <p:bgPr>
+        <a:solidFill>
+          <a:schemeClr val="bg2"/>
+        </a:solidFill>
+        <a:effectLst/>
+      </p:bgPr>
+    </p:bg>
     <p:spTree>
       <p:nvGrpSpPr>
         <p:cNvPr id="1" name=""/>
@@ -16568,6 +14078,259 @@
       </p:grpSpPr>
       <p:sp>
         <p:nvSpPr>
+          <p:cNvPr id="36" name="Rectangle 35">
+            <a:extLst>
+              <a:ext uri="{FF2B5EF4-FFF2-40B4-BE49-F238E27FC236}">
+                <a16:creationId xmlns:a16="http://schemas.microsoft.com/office/drawing/2014/main" id="{0786F82F-1B47-46ED-8EAE-53EF71E59E9A}"/>
+              </a:ext>
+              <a:ext uri="{C183D7F6-B498-43B3-948B-1728B52AA6E4}">
+                <adec:decorative xmlns:adec="http://schemas.microsoft.com/office/drawing/2017/decorative" val="1"/>
+              </a:ext>
+            </a:extLst>
+          </p:cNvPr>
+          <p:cNvSpPr>
+            <a:spLocks noGrp="1" noRot="1" noChangeAspect="1" noMove="1" noResize="1" noEditPoints="1" noAdjustHandles="1" noChangeArrowheads="1" noChangeShapeType="1" noTextEdit="1"/>
+          </p:cNvSpPr>
+          <p:nvPr>
+            <p:extLst>
+              <p:ext uri="{386F3935-93C4-4BCD-93E2-E3B085C9AB24}">
+                <p16:designElem xmlns:p16="http://schemas.microsoft.com/office/powerpoint/2015/main" val="1"/>
+              </p:ext>
+            </p:extLst>
+          </p:nvPr>
+        </p:nvSpPr>
+        <p:spPr>
+          <a:xfrm>
+            <a:off x="4718302" y="0"/>
+            <a:ext cx="7473698" cy="6858000"/>
+          </a:xfrm>
+          <a:prstGeom prst="rect">
+            <a:avLst/>
+          </a:prstGeom>
+          <a:solidFill>
+            <a:schemeClr val="bg1">
+              <a:alpha val="75000"/>
+            </a:schemeClr>
+          </a:solidFill>
+          <a:ln>
+            <a:noFill/>
+          </a:ln>
+        </p:spPr>
+        <p:style>
+          <a:lnRef idx="2">
+            <a:schemeClr val="accent1">
+              <a:shade val="50000"/>
+            </a:schemeClr>
+          </a:lnRef>
+          <a:fillRef idx="1">
+            <a:schemeClr val="accent1"/>
+          </a:fillRef>
+          <a:effectRef idx="0">
+            <a:schemeClr val="accent1"/>
+          </a:effectRef>
+          <a:fontRef idx="minor">
+            <a:schemeClr val="lt1"/>
+          </a:fontRef>
+        </p:style>
+        <p:txBody>
+          <a:bodyPr rtlCol="0" anchor="ctr"/>
+          <a:lstStyle/>
+          <a:p>
+            <a:pPr algn="ctr"/>
+            <a:endParaRPr lang="en-US"/>
+          </a:p>
+        </p:txBody>
+      </p:sp>
+      <p:sp>
+        <p:nvSpPr>
+          <p:cNvPr id="38" name="Rectangle 37">
+            <a:extLst>
+              <a:ext uri="{FF2B5EF4-FFF2-40B4-BE49-F238E27FC236}">
+                <a16:creationId xmlns:a16="http://schemas.microsoft.com/office/drawing/2014/main" id="{EF1BAF6F-6275-4646-9C59-331B29B9550F}"/>
+              </a:ext>
+              <a:ext uri="{C183D7F6-B498-43B3-948B-1728B52AA6E4}">
+                <adec:decorative xmlns:adec="http://schemas.microsoft.com/office/drawing/2017/decorative" val="1"/>
+              </a:ext>
+            </a:extLst>
+          </p:cNvPr>
+          <p:cNvSpPr>
+            <a:spLocks noGrp="1" noRot="1" noChangeAspect="1" noMove="1" noResize="1" noEditPoints="1" noAdjustHandles="1" noChangeArrowheads="1" noChangeShapeType="1" noTextEdit="1"/>
+          </p:cNvSpPr>
+          <p:nvPr>
+            <p:extLst>
+              <p:ext uri="{386F3935-93C4-4BCD-93E2-E3B085C9AB24}">
+                <p16:designElem xmlns:p16="http://schemas.microsoft.com/office/powerpoint/2015/main" val="1"/>
+              </p:ext>
+            </p:extLst>
+          </p:nvPr>
+        </p:nvSpPr>
+        <p:spPr>
+          <a:xfrm rot="5400000">
+            <a:off x="1257298" y="3396997"/>
+            <a:ext cx="6858002" cy="64008"/>
+          </a:xfrm>
+          <a:prstGeom prst="rect">
+            <a:avLst/>
+          </a:prstGeom>
+          <a:solidFill>
+            <a:schemeClr val="tx2"/>
+          </a:solidFill>
+          <a:ln>
+            <a:noFill/>
+          </a:ln>
+        </p:spPr>
+        <p:style>
+          <a:lnRef idx="2">
+            <a:schemeClr val="accent1">
+              <a:shade val="50000"/>
+            </a:schemeClr>
+          </a:lnRef>
+          <a:fillRef idx="1">
+            <a:schemeClr val="accent1"/>
+          </a:fillRef>
+          <a:effectRef idx="0">
+            <a:schemeClr val="accent1"/>
+          </a:effectRef>
+          <a:fontRef idx="minor">
+            <a:schemeClr val="lt1"/>
+          </a:fontRef>
+        </p:style>
+        <p:txBody>
+          <a:bodyPr rtlCol="0" anchor="ctr"/>
+          <a:lstStyle/>
+          <a:p>
+            <a:pPr algn="ctr"/>
+            <a:endParaRPr lang="en-US"/>
+          </a:p>
+        </p:txBody>
+      </p:sp>
+      <p:sp useBgFill="1">
+        <p:nvSpPr>
+          <p:cNvPr id="40" name="Rectangle 39">
+            <a:extLst>
+              <a:ext uri="{FF2B5EF4-FFF2-40B4-BE49-F238E27FC236}">
+                <a16:creationId xmlns:a16="http://schemas.microsoft.com/office/drawing/2014/main" id="{099405E2-1A96-4DBA-A9DC-4C2A1B421CA9}"/>
+              </a:ext>
+              <a:ext uri="{C183D7F6-B498-43B3-948B-1728B52AA6E4}">
+                <adec:decorative xmlns:adec="http://schemas.microsoft.com/office/drawing/2017/decorative" val="1"/>
+              </a:ext>
+            </a:extLst>
+          </p:cNvPr>
+          <p:cNvSpPr>
+            <a:spLocks noGrp="1" noRot="1" noChangeAspect="1" noMove="1" noResize="1" noEditPoints="1" noAdjustHandles="1" noChangeArrowheads="1" noChangeShapeType="1" noTextEdit="1"/>
+          </p:cNvSpPr>
+          <p:nvPr>
+            <p:extLst>
+              <p:ext uri="{386F3935-93C4-4BCD-93E2-E3B085C9AB24}">
+                <p16:designElem xmlns:p16="http://schemas.microsoft.com/office/powerpoint/2015/main" val="1"/>
+              </p:ext>
+            </p:extLst>
+          </p:nvPr>
+        </p:nvSpPr>
+        <p:spPr>
+          <a:xfrm flipH="1">
+            <a:off x="0" y="0"/>
+            <a:ext cx="12192001" cy="6858000"/>
+          </a:xfrm>
+          <a:prstGeom prst="rect">
+            <a:avLst/>
+          </a:prstGeom>
+          <a:ln>
+            <a:noFill/>
+          </a:ln>
+        </p:spPr>
+        <p:style>
+          <a:lnRef idx="2">
+            <a:schemeClr val="accent1">
+              <a:shade val="50000"/>
+            </a:schemeClr>
+          </a:lnRef>
+          <a:fillRef idx="1">
+            <a:schemeClr val="accent1"/>
+          </a:fillRef>
+          <a:effectRef idx="0">
+            <a:schemeClr val="accent1"/>
+          </a:effectRef>
+          <a:fontRef idx="minor">
+            <a:schemeClr val="lt1"/>
+          </a:fontRef>
+        </p:style>
+        <p:txBody>
+          <a:bodyPr rtlCol="0" anchor="ctr"/>
+          <a:lstStyle/>
+          <a:p>
+            <a:pPr algn="ctr"/>
+            <a:endParaRPr lang="en-US" dirty="0"/>
+          </a:p>
+        </p:txBody>
+      </p:sp>
+      <p:sp>
+        <p:nvSpPr>
+          <p:cNvPr id="42" name="Rectangle 41">
+            <a:extLst>
+              <a:ext uri="{FF2B5EF4-FFF2-40B4-BE49-F238E27FC236}">
+                <a16:creationId xmlns:a16="http://schemas.microsoft.com/office/drawing/2014/main" id="{79855050-A75B-4DD0-9B56-8B1C7722D884}"/>
+              </a:ext>
+              <a:ext uri="{C183D7F6-B498-43B3-948B-1728B52AA6E4}">
+                <adec:decorative xmlns:adec="http://schemas.microsoft.com/office/drawing/2017/decorative" val="1"/>
+              </a:ext>
+            </a:extLst>
+          </p:cNvPr>
+          <p:cNvSpPr>
+            <a:spLocks noGrp="1" noRot="1" noChangeAspect="1" noMove="1" noResize="1" noEditPoints="1" noAdjustHandles="1" noChangeArrowheads="1" noChangeShapeType="1" noTextEdit="1"/>
+          </p:cNvSpPr>
+          <p:nvPr>
+            <p:extLst>
+              <p:ext uri="{386F3935-93C4-4BCD-93E2-E3B085C9AB24}">
+                <p16:designElem xmlns:p16="http://schemas.microsoft.com/office/powerpoint/2015/main" val="1"/>
+              </p:ext>
+            </p:extLst>
+          </p:nvPr>
+        </p:nvSpPr>
+        <p:spPr>
+          <a:xfrm flipH="1">
+            <a:off x="-7235" y="758246"/>
+            <a:ext cx="4658480" cy="5386318"/>
+          </a:xfrm>
+          <a:prstGeom prst="rect">
+            <a:avLst/>
+          </a:prstGeom>
+          <a:solidFill>
+            <a:schemeClr val="bg1">
+              <a:alpha val="75000"/>
+            </a:schemeClr>
+          </a:solidFill>
+          <a:ln>
+            <a:noFill/>
+          </a:ln>
+        </p:spPr>
+        <p:style>
+          <a:lnRef idx="2">
+            <a:schemeClr val="accent1">
+              <a:shade val="50000"/>
+            </a:schemeClr>
+          </a:lnRef>
+          <a:fillRef idx="1">
+            <a:schemeClr val="accent1"/>
+          </a:fillRef>
+          <a:effectRef idx="0">
+            <a:schemeClr val="accent1"/>
+          </a:effectRef>
+          <a:fontRef idx="minor">
+            <a:schemeClr val="lt1"/>
+          </a:fontRef>
+        </p:style>
+        <p:txBody>
+          <a:bodyPr rtlCol="0" anchor="ctr"/>
+          <a:lstStyle/>
+          <a:p>
+            <a:pPr algn="ctr"/>
+            <a:endParaRPr lang="en-US"/>
+          </a:p>
+        </p:txBody>
+      </p:sp>
+      <p:sp>
+        <p:nvSpPr>
           <p:cNvPr id="2" name="Title 1">
             <a:extLst>
               <a:ext uri="{FF2B5EF4-FFF2-40B4-BE49-F238E27FC236}">
@@ -16582,85 +14345,108 @@
             <p:ph type="title"/>
           </p:nvPr>
         </p:nvSpPr>
-        <p:spPr/>
-        <p:txBody>
-          <a:bodyPr/>
-          <a:lstStyle/>
-          <a:p>
-            <a:r>
-              <a:rPr lang="en-US" dirty="0"/>
-              <a:t>Navigating Q&amp;A sessions</a:t>
-            </a:r>
-          </a:p>
-        </p:txBody>
-      </p:sp>
-      <p:sp>
-        <p:nvSpPr>
-          <p:cNvPr id="3" name="Content Placeholder 2">
-            <a:extLst>
-              <a:ext uri="{FF2B5EF4-FFF2-40B4-BE49-F238E27FC236}">
-                <a16:creationId xmlns:a16="http://schemas.microsoft.com/office/drawing/2014/main" id="{41191CC7-9CF2-71F0-1AD4-791EA9CBAD97}"/>
-              </a:ext>
-            </a:extLst>
-          </p:cNvPr>
-          <p:cNvSpPr>
-            <a:spLocks noGrp="1"/>
-          </p:cNvSpPr>
-          <p:nvPr>
-            <p:ph sz="quarter" idx="18"/>
-          </p:nvPr>
-        </p:nvSpPr>
-        <p:spPr/>
-        <p:txBody>
-          <a:bodyPr>
+        <p:spPr>
+          <a:xfrm>
+            <a:off x="642918" y="1072110"/>
+            <a:ext cx="3611029" cy="1862345"/>
+          </a:xfrm>
+        </p:spPr>
+        <p:txBody>
+          <a:bodyPr vert="horz" lIns="109728" tIns="109728" rIns="109728" bIns="91440" rtlCol="0" anchor="ctr">
             <a:normAutofit/>
           </a:bodyPr>
           <a:lstStyle/>
           <a:p>
-            <a:r>
-              <a:rPr lang="en-US" dirty="0"/>
-              <a:t>Maintaining composure during the Q&amp;A session is essential for projecting confidence and authority. Consider the following tips for staying composed:</a:t>
-            </a:r>
-          </a:p>
-          <a:p>
-            <a:pPr lvl="1"/>
-            <a:r>
-              <a:rPr lang="en-US" dirty="0"/>
-              <a:t>Stay calm</a:t>
-            </a:r>
-          </a:p>
-          <a:p>
-            <a:pPr lvl="1"/>
-            <a:r>
-              <a:rPr lang="en-US" dirty="0"/>
-              <a:t>Actively listen</a:t>
-            </a:r>
-          </a:p>
-          <a:p>
-            <a:pPr lvl="1"/>
-            <a:r>
-              <a:rPr lang="en-US" dirty="0"/>
-              <a:t>Pause and reflect</a:t>
-            </a:r>
-          </a:p>
-          <a:p>
-            <a:pPr lvl="1"/>
-            <a:r>
-              <a:rPr lang="en-US" dirty="0"/>
-              <a:t>Maintain eye contact</a:t>
-            </a:r>
-          </a:p>
-          <a:p>
-            <a:endParaRPr lang="en-US" dirty="0"/>
-          </a:p>
-        </p:txBody>
-      </p:sp>
-      <p:sp>
-        <p:nvSpPr>
-          <p:cNvPr id="4" name="Content Placeholder 3">
-            <a:extLst>
-              <a:ext uri="{FF2B5EF4-FFF2-40B4-BE49-F238E27FC236}">
-                <a16:creationId xmlns:a16="http://schemas.microsoft.com/office/drawing/2014/main" id="{4B1BF1AC-C624-2AD2-DA0F-335AB7BA2CA8}"/>
+            <a:pPr>
+              <a:lnSpc>
+                <a:spcPct val="150000"/>
+              </a:lnSpc>
+            </a:pPr>
+            <a:r>
+              <a:rPr lang="en-US" sz="3300">
+                <a:solidFill>
+                  <a:schemeClr val="tx1">
+                    <a:lumMod val="75000"/>
+                    <a:lumOff val="25000"/>
+                  </a:schemeClr>
+                </a:solidFill>
+              </a:rPr>
+              <a:t>KNN Classification</a:t>
+            </a:r>
+          </a:p>
+        </p:txBody>
+      </p:sp>
+      <p:sp>
+        <p:nvSpPr>
+          <p:cNvPr id="44" name="Rectangle 43">
+            <a:extLst>
+              <a:ext uri="{FF2B5EF4-FFF2-40B4-BE49-F238E27FC236}">
+                <a16:creationId xmlns:a16="http://schemas.microsoft.com/office/drawing/2014/main" id="{2060C0F7-61A6-4E64-A77E-AFBD81127352}"/>
+              </a:ext>
+              <a:ext uri="{C183D7F6-B498-43B3-948B-1728B52AA6E4}">
+                <adec:decorative xmlns:adec="http://schemas.microsoft.com/office/drawing/2017/decorative" val="1"/>
+              </a:ext>
+            </a:extLst>
+          </p:cNvPr>
+          <p:cNvSpPr>
+            <a:spLocks noGrp="1" noRot="1" noChangeAspect="1" noMove="1" noResize="1" noEditPoints="1" noAdjustHandles="1" noChangeArrowheads="1" noChangeShapeType="1" noTextEdit="1"/>
+          </p:cNvSpPr>
+          <p:nvPr>
+            <p:extLst>
+              <p:ext uri="{386F3935-93C4-4BCD-93E2-E3B085C9AB24}">
+                <p16:designElem xmlns:p16="http://schemas.microsoft.com/office/powerpoint/2015/main" val="1"/>
+              </p:ext>
+            </p:extLst>
+          </p:nvPr>
+        </p:nvSpPr>
+        <p:spPr>
+          <a:xfrm flipH="1">
+            <a:off x="4684060" y="0"/>
+            <a:ext cx="7507940" cy="765228"/>
+          </a:xfrm>
+          <a:prstGeom prst="rect">
+            <a:avLst/>
+          </a:prstGeom>
+          <a:solidFill>
+            <a:schemeClr val="bg1">
+              <a:alpha val="75000"/>
+            </a:schemeClr>
+          </a:solidFill>
+          <a:ln>
+            <a:noFill/>
+          </a:ln>
+        </p:spPr>
+        <p:style>
+          <a:lnRef idx="2">
+            <a:schemeClr val="accent1">
+              <a:shade val="50000"/>
+            </a:schemeClr>
+          </a:lnRef>
+          <a:fillRef idx="1">
+            <a:schemeClr val="accent1"/>
+          </a:fillRef>
+          <a:effectRef idx="0">
+            <a:schemeClr val="accent1"/>
+          </a:effectRef>
+          <a:fontRef idx="minor">
+            <a:schemeClr val="lt1"/>
+          </a:fontRef>
+        </p:style>
+        <p:txBody>
+          <a:bodyPr rtlCol="0" anchor="ctr"/>
+          <a:lstStyle/>
+          <a:p>
+            <a:pPr algn="ctr"/>
+            <a:endParaRPr lang="en-US"/>
+          </a:p>
+        </p:txBody>
+      </p:sp>
+      <p:sp>
+        <p:nvSpPr>
+          <p:cNvPr id="3" name="Content Placeholder 2">
+            <a:extLst>
+              <a:ext uri="{FF2B5EF4-FFF2-40B4-BE49-F238E27FC236}">
+                <a16:creationId xmlns:a16="http://schemas.microsoft.com/office/drawing/2014/main" id="{41191CC7-9CF2-71F0-1AD4-791EA9CBAD97}"/>
               </a:ext>
             </a:extLst>
           </p:cNvPr>
@@ -16668,42 +14454,427 @@
             <a:spLocks noGrp="1"/>
           </p:cNvSpPr>
           <p:nvPr>
-            <p:ph sz="quarter" idx="17"/>
-          </p:nvPr>
-        </p:nvSpPr>
-        <p:spPr/>
-        <p:txBody>
-          <a:bodyPr>
+            <p:ph sz="quarter" idx="18"/>
+          </p:nvPr>
+        </p:nvSpPr>
+        <p:spPr>
+          <a:xfrm>
+            <a:off x="637874" y="2934455"/>
+            <a:ext cx="3616073" cy="2840139"/>
+          </a:xfrm>
+        </p:spPr>
+        <p:txBody>
+          <a:bodyPr vert="horz" lIns="109728" tIns="109728" rIns="109728" bIns="91440" rtlCol="0" anchor="t">
             <a:normAutofit/>
           </a:bodyPr>
           <a:lstStyle/>
           <a:p>
-            <a:r>
-              <a:rPr lang="en-US" dirty="0"/>
-              <a:t>Know your material in advance</a:t>
-            </a:r>
-          </a:p>
-          <a:p>
-            <a:r>
-              <a:rPr lang="en-US" dirty="0"/>
-              <a:t>Anticipate common questions</a:t>
-            </a:r>
-          </a:p>
-          <a:p>
-            <a:r>
-              <a:rPr lang="en-US" dirty="0"/>
-              <a:t>Rehearse your responses</a:t>
-            </a:r>
-          </a:p>
-          <a:p>
-            <a:endParaRPr lang="en-US" dirty="0"/>
+            <a:pPr>
+              <a:lnSpc>
+                <a:spcPct val="130000"/>
+              </a:lnSpc>
+            </a:pPr>
+            <a:r>
+              <a:rPr lang="en-US"/>
+              <a:t>1. Data Preprocessing</a:t>
+            </a:r>
+          </a:p>
+          <a:p>
+            <a:pPr>
+              <a:lnSpc>
+                <a:spcPct val="130000"/>
+              </a:lnSpc>
+            </a:pPr>
+            <a:r>
+              <a:rPr lang="en-US"/>
+              <a:t>2. KNN Model Creation</a:t>
+            </a:r>
+          </a:p>
+          <a:p>
+            <a:pPr>
+              <a:lnSpc>
+                <a:spcPct val="130000"/>
+              </a:lnSpc>
+            </a:pPr>
+            <a:r>
+              <a:rPr lang="en-US"/>
+              <a:t>3. Model Training</a:t>
+            </a:r>
+          </a:p>
+          <a:p>
+            <a:pPr>
+              <a:lnSpc>
+                <a:spcPct val="130000"/>
+              </a:lnSpc>
+            </a:pPr>
+            <a:r>
+              <a:rPr lang="en-US"/>
+              <a:t>4. Prediction on Test Set</a:t>
+            </a:r>
+          </a:p>
+          <a:p>
+            <a:pPr>
+              <a:lnSpc>
+                <a:spcPct val="130000"/>
+              </a:lnSpc>
+            </a:pPr>
+            <a:r>
+              <a:rPr lang="en-US"/>
+              <a:t>5. Evaluation</a:t>
+            </a:r>
+          </a:p>
+        </p:txBody>
+      </p:sp>
+      <p:pic>
+        <p:nvPicPr>
+          <p:cNvPr id="8" name="Picture 7" descr="A screen shot of a computer program&#10;&#10;Description automatically generated">
+            <a:extLst>
+              <a:ext uri="{FF2B5EF4-FFF2-40B4-BE49-F238E27FC236}">
+                <a16:creationId xmlns:a16="http://schemas.microsoft.com/office/drawing/2014/main" id="{01824B0A-2244-AA5C-0F9D-E3DA22A1600C}"/>
+              </a:ext>
+            </a:extLst>
+          </p:cNvPr>
+          <p:cNvPicPr>
+            <a:picLocks noChangeAspect="1"/>
+          </p:cNvPicPr>
+          <p:nvPr/>
+        </p:nvPicPr>
+        <p:blipFill rotWithShape="1">
+          <a:blip r:embed="rId3"/>
+          <a:srcRect l="3755" r="5787" b="-2"/>
+          <a:stretch/>
+        </p:blipFill>
+        <p:spPr>
+          <a:xfrm>
+            <a:off x="4695713" y="713436"/>
+            <a:ext cx="7500472" cy="5431128"/>
+          </a:xfrm>
+          <a:prstGeom prst="rect">
+            <a:avLst/>
+          </a:prstGeom>
+        </p:spPr>
+      </p:pic>
+      <p:sp>
+        <p:nvSpPr>
+          <p:cNvPr id="46" name="Rectangle 45">
+            <a:extLst>
+              <a:ext uri="{FF2B5EF4-FFF2-40B4-BE49-F238E27FC236}">
+                <a16:creationId xmlns:a16="http://schemas.microsoft.com/office/drawing/2014/main" id="{BCF4857D-F003-4CA1-82AB-00900B1008BA}"/>
+              </a:ext>
+              <a:ext uri="{C183D7F6-B498-43B3-948B-1728B52AA6E4}">
+                <adec:decorative xmlns:adec="http://schemas.microsoft.com/office/drawing/2017/decorative" val="1"/>
+              </a:ext>
+            </a:extLst>
+          </p:cNvPr>
+          <p:cNvSpPr>
+            <a:spLocks noGrp="1" noRot="1" noChangeAspect="1" noMove="1" noResize="1" noEditPoints="1" noAdjustHandles="1" noChangeArrowheads="1" noChangeShapeType="1" noTextEdit="1"/>
+          </p:cNvSpPr>
+          <p:nvPr>
+            <p:extLst>
+              <p:ext uri="{386F3935-93C4-4BCD-93E2-E3B085C9AB24}">
+                <p16:designElem xmlns:p16="http://schemas.microsoft.com/office/powerpoint/2015/main" val="1"/>
+              </p:ext>
+            </p:extLst>
+          </p:nvPr>
+        </p:nvSpPr>
+        <p:spPr>
+          <a:xfrm flipH="1">
+            <a:off x="-6" y="6144564"/>
+            <a:ext cx="4656246" cy="713436"/>
+          </a:xfrm>
+          <a:prstGeom prst="rect">
+            <a:avLst/>
+          </a:prstGeom>
+          <a:solidFill>
+            <a:schemeClr val="accent1"/>
+          </a:solidFill>
+          <a:ln>
+            <a:noFill/>
+          </a:ln>
+        </p:spPr>
+        <p:style>
+          <a:lnRef idx="2">
+            <a:schemeClr val="accent1">
+              <a:shade val="50000"/>
+            </a:schemeClr>
+          </a:lnRef>
+          <a:fillRef idx="1">
+            <a:schemeClr val="accent1"/>
+          </a:fillRef>
+          <a:effectRef idx="0">
+            <a:schemeClr val="accent1"/>
+          </a:effectRef>
+          <a:fontRef idx="minor">
+            <a:schemeClr val="lt1"/>
+          </a:fontRef>
+        </p:style>
+        <p:txBody>
+          <a:bodyPr rtlCol="0" anchor="ctr"/>
+          <a:lstStyle/>
+          <a:p>
+            <a:pPr algn="ctr"/>
+            <a:endParaRPr lang="en-US"/>
+          </a:p>
+        </p:txBody>
+      </p:sp>
+      <p:sp>
+        <p:nvSpPr>
+          <p:cNvPr id="48" name="Rectangle 47">
+            <a:extLst>
+              <a:ext uri="{FF2B5EF4-FFF2-40B4-BE49-F238E27FC236}">
+                <a16:creationId xmlns:a16="http://schemas.microsoft.com/office/drawing/2014/main" id="{DB791336-FCAA-4174-9303-B3F374861110}"/>
+              </a:ext>
+              <a:ext uri="{C183D7F6-B498-43B3-948B-1728B52AA6E4}">
+                <adec:decorative xmlns:adec="http://schemas.microsoft.com/office/drawing/2017/decorative" val="1"/>
+              </a:ext>
+            </a:extLst>
+          </p:cNvPr>
+          <p:cNvSpPr>
+            <a:spLocks noGrp="1" noRot="1" noChangeAspect="1" noMove="1" noResize="1" noEditPoints="1" noAdjustHandles="1" noChangeArrowheads="1" noChangeShapeType="1" noTextEdit="1"/>
+          </p:cNvSpPr>
+          <p:nvPr>
+            <p:extLst>
+              <p:ext uri="{386F3935-93C4-4BCD-93E2-E3B085C9AB24}">
+                <p16:designElem xmlns:p16="http://schemas.microsoft.com/office/powerpoint/2015/main" val="1"/>
+              </p:ext>
+            </p:extLst>
+          </p:nvPr>
+        </p:nvSpPr>
+        <p:spPr>
+          <a:xfrm flipH="1">
+            <a:off x="4715122" y="6167615"/>
+            <a:ext cx="7473828" cy="690385"/>
+          </a:xfrm>
+          <a:prstGeom prst="rect">
+            <a:avLst/>
+          </a:prstGeom>
+          <a:solidFill>
+            <a:schemeClr val="bg1">
+              <a:alpha val="75000"/>
+            </a:schemeClr>
+          </a:solidFill>
+          <a:ln>
+            <a:noFill/>
+          </a:ln>
+        </p:spPr>
+        <p:style>
+          <a:lnRef idx="2">
+            <a:schemeClr val="accent1">
+              <a:shade val="50000"/>
+            </a:schemeClr>
+          </a:lnRef>
+          <a:fillRef idx="1">
+            <a:schemeClr val="accent1"/>
+          </a:fillRef>
+          <a:effectRef idx="0">
+            <a:schemeClr val="accent1"/>
+          </a:effectRef>
+          <a:fontRef idx="minor">
+            <a:schemeClr val="lt1"/>
+          </a:fontRef>
+        </p:style>
+        <p:txBody>
+          <a:bodyPr rtlCol="0" anchor="ctr"/>
+          <a:lstStyle/>
+          <a:p>
+            <a:pPr algn="ctr"/>
+            <a:endParaRPr lang="en-US"/>
+          </a:p>
+        </p:txBody>
+      </p:sp>
+      <p:sp>
+        <p:nvSpPr>
+          <p:cNvPr id="50" name="Rectangle 49">
+            <a:extLst>
+              <a:ext uri="{FF2B5EF4-FFF2-40B4-BE49-F238E27FC236}">
+                <a16:creationId xmlns:a16="http://schemas.microsoft.com/office/drawing/2014/main" id="{CA212158-300D-44D0-9CCE-472C3F669EE1}"/>
+              </a:ext>
+              <a:ext uri="{C183D7F6-B498-43B3-948B-1728B52AA6E4}">
+                <adec:decorative xmlns:adec="http://schemas.microsoft.com/office/drawing/2017/decorative" val="1"/>
+              </a:ext>
+            </a:extLst>
+          </p:cNvPr>
+          <p:cNvSpPr>
+            <a:spLocks noGrp="1" noRot="1" noChangeAspect="1" noMove="1" noResize="1" noEditPoints="1" noAdjustHandles="1" noChangeArrowheads="1" noChangeShapeType="1" noTextEdit="1"/>
+          </p:cNvSpPr>
+          <p:nvPr>
+            <p:extLst>
+              <p:ext uri="{386F3935-93C4-4BCD-93E2-E3B085C9AB24}">
+                <p16:designElem xmlns:p16="http://schemas.microsoft.com/office/powerpoint/2015/main" val="1"/>
+              </p:ext>
+            </p:extLst>
+          </p:nvPr>
+        </p:nvSpPr>
+        <p:spPr>
+          <a:xfrm>
+            <a:off x="1525" y="6109423"/>
+            <a:ext cx="12188951" cy="64008"/>
+          </a:xfrm>
+          <a:prstGeom prst="rect">
+            <a:avLst/>
+          </a:prstGeom>
+          <a:solidFill>
+            <a:schemeClr val="tx2"/>
+          </a:solidFill>
+          <a:ln>
+            <a:noFill/>
+          </a:ln>
+        </p:spPr>
+        <p:style>
+          <a:lnRef idx="2">
+            <a:schemeClr val="accent1">
+              <a:shade val="50000"/>
+            </a:schemeClr>
+          </a:lnRef>
+          <a:fillRef idx="1">
+            <a:schemeClr val="accent1"/>
+          </a:fillRef>
+          <a:effectRef idx="0">
+            <a:schemeClr val="accent1"/>
+          </a:effectRef>
+          <a:fontRef idx="minor">
+            <a:schemeClr val="lt1"/>
+          </a:fontRef>
+        </p:style>
+        <p:txBody>
+          <a:bodyPr rtlCol="0" anchor="ctr"/>
+          <a:lstStyle/>
+          <a:p>
+            <a:pPr algn="ctr"/>
+            <a:endParaRPr lang="en-US"/>
+          </a:p>
+        </p:txBody>
+      </p:sp>
+      <p:sp>
+        <p:nvSpPr>
+          <p:cNvPr id="52" name="Rectangle 51">
+            <a:extLst>
+              <a:ext uri="{FF2B5EF4-FFF2-40B4-BE49-F238E27FC236}">
+                <a16:creationId xmlns:a16="http://schemas.microsoft.com/office/drawing/2014/main" id="{988521F4-D44A-42C5-9BDB-5CA25554098B}"/>
+              </a:ext>
+              <a:ext uri="{C183D7F6-B498-43B3-948B-1728B52AA6E4}">
+                <adec:decorative xmlns:adec="http://schemas.microsoft.com/office/drawing/2017/decorative" val="1"/>
+              </a:ext>
+            </a:extLst>
+          </p:cNvPr>
+          <p:cNvSpPr>
+            <a:spLocks noGrp="1" noRot="1" noChangeAspect="1" noMove="1" noResize="1" noEditPoints="1" noAdjustHandles="1" noChangeArrowheads="1" noChangeShapeType="1" noTextEdit="1"/>
+          </p:cNvSpPr>
+          <p:nvPr>
+            <p:extLst>
+              <p:ext uri="{386F3935-93C4-4BCD-93E2-E3B085C9AB24}">
+                <p16:designElem xmlns:p16="http://schemas.microsoft.com/office/powerpoint/2015/main" val="1"/>
+              </p:ext>
+            </p:extLst>
+          </p:nvPr>
+        </p:nvSpPr>
+        <p:spPr>
+          <a:xfrm>
+            <a:off x="4656241" y="0"/>
+            <a:ext cx="64008" cy="6858000"/>
+          </a:xfrm>
+          <a:prstGeom prst="rect">
+            <a:avLst/>
+          </a:prstGeom>
+          <a:solidFill>
+            <a:schemeClr val="tx2"/>
+          </a:solidFill>
+          <a:ln>
+            <a:noFill/>
+          </a:ln>
+        </p:spPr>
+        <p:style>
+          <a:lnRef idx="2">
+            <a:schemeClr val="accent1">
+              <a:shade val="50000"/>
+            </a:schemeClr>
+          </a:lnRef>
+          <a:fillRef idx="1">
+            <a:schemeClr val="accent1"/>
+          </a:fillRef>
+          <a:effectRef idx="0">
+            <a:schemeClr val="accent1"/>
+          </a:effectRef>
+          <a:fontRef idx="minor">
+            <a:schemeClr val="lt1"/>
+          </a:fontRef>
+        </p:style>
+        <p:txBody>
+          <a:bodyPr rtlCol="0" anchor="ctr"/>
+          <a:lstStyle/>
+          <a:p>
+            <a:pPr algn="ctr"/>
+            <a:endParaRPr lang="en-US"/>
+          </a:p>
+        </p:txBody>
+      </p:sp>
+      <p:sp>
+        <p:nvSpPr>
+          <p:cNvPr id="54" name="Rectangle 53">
+            <a:extLst>
+              <a:ext uri="{FF2B5EF4-FFF2-40B4-BE49-F238E27FC236}">
+                <a16:creationId xmlns:a16="http://schemas.microsoft.com/office/drawing/2014/main" id="{5E6738EB-6FF0-4AF9-8462-57F4494B88B2}"/>
+              </a:ext>
+              <a:ext uri="{C183D7F6-B498-43B3-948B-1728B52AA6E4}">
+                <adec:decorative xmlns:adec="http://schemas.microsoft.com/office/drawing/2017/decorative" val="1"/>
+              </a:ext>
+            </a:extLst>
+          </p:cNvPr>
+          <p:cNvSpPr>
+            <a:spLocks noGrp="1" noRot="1" noChangeAspect="1" noMove="1" noResize="1" noEditPoints="1" noAdjustHandles="1" noChangeArrowheads="1" noChangeShapeType="1" noTextEdit="1"/>
+          </p:cNvSpPr>
+          <p:nvPr>
+            <p:extLst>
+              <p:ext uri="{386F3935-93C4-4BCD-93E2-E3B085C9AB24}">
+                <p16:designElem xmlns:p16="http://schemas.microsoft.com/office/powerpoint/2015/main" val="1"/>
+              </p:ext>
+            </p:extLst>
+          </p:nvPr>
+        </p:nvSpPr>
+        <p:spPr>
+          <a:xfrm>
+            <a:off x="1525" y="713436"/>
+            <a:ext cx="12188951" cy="64008"/>
+          </a:xfrm>
+          <a:prstGeom prst="rect">
+            <a:avLst/>
+          </a:prstGeom>
+          <a:solidFill>
+            <a:schemeClr val="tx2"/>
+          </a:solidFill>
+          <a:ln>
+            <a:noFill/>
+          </a:ln>
+        </p:spPr>
+        <p:style>
+          <a:lnRef idx="2">
+            <a:schemeClr val="accent1">
+              <a:shade val="50000"/>
+            </a:schemeClr>
+          </a:lnRef>
+          <a:fillRef idx="1">
+            <a:schemeClr val="accent1"/>
+          </a:fillRef>
+          <a:effectRef idx="0">
+            <a:schemeClr val="accent1"/>
+          </a:effectRef>
+          <a:fontRef idx="minor">
+            <a:schemeClr val="lt1"/>
+          </a:fontRef>
+        </p:style>
+        <p:txBody>
+          <a:bodyPr rtlCol="0" anchor="ctr"/>
+          <a:lstStyle/>
+          <a:p>
+            <a:pPr algn="ctr"/>
+            <a:endParaRPr lang="en-US"/>
           </a:p>
         </p:txBody>
       </p:sp>
     </p:spTree>
     <p:extLst>
       <p:ext uri="{BB962C8B-B14F-4D97-AF65-F5344CB8AC3E}">
-        <p14:creationId xmlns:p14="http://schemas.microsoft.com/office/powerpoint/2010/main" val="2225637236"/>
+        <p14:creationId xmlns:p14="http://schemas.microsoft.com/office/powerpoint/2010/main" val="1671970522"/>
       </p:ext>
     </p:extLst>
   </p:cSld>
@@ -16735,7 +14906,7 @@
           <p:cNvPr id="2" name="Title 1">
             <a:extLst>
               <a:ext uri="{FF2B5EF4-FFF2-40B4-BE49-F238E27FC236}">
-                <a16:creationId xmlns:a16="http://schemas.microsoft.com/office/drawing/2014/main" id="{6A0D2769-08DE-E62F-163A-27A5442A9FFA}"/>
+                <a16:creationId xmlns:a16="http://schemas.microsoft.com/office/drawing/2014/main" id="{E2D30E0F-10C6-298A-C347-E831FFF4ECB8}"/>
               </a:ext>
             </a:extLst>
           </p:cNvPr>
@@ -16753,7 +14924,7 @@
           <a:p>
             <a:r>
               <a:rPr lang="en-US" dirty="0"/>
-              <a:t>Speaking impact</a:t>
+              <a:t>Results and Challenges</a:t>
             </a:r>
           </a:p>
         </p:txBody>
@@ -16763,7 +14934,7 @@
           <p:cNvPr id="3" name="Content Placeholder 2">
             <a:extLst>
               <a:ext uri="{FF2B5EF4-FFF2-40B4-BE49-F238E27FC236}">
-                <a16:creationId xmlns:a16="http://schemas.microsoft.com/office/drawing/2014/main" id="{3EAD3192-D337-8C2E-FAAC-9B46B5DFBD21}"/>
+                <a16:creationId xmlns:a16="http://schemas.microsoft.com/office/drawing/2014/main" id="{41191CC7-9CF2-71F0-1AD4-791EA9CBAD97}"/>
               </a:ext>
             </a:extLst>
           </p:cNvPr>
@@ -16771,10 +14942,15 @@
             <a:spLocks noGrp="1"/>
           </p:cNvSpPr>
           <p:nvPr>
-            <p:ph sz="quarter" idx="16"/>
-          </p:nvPr>
-        </p:nvSpPr>
-        <p:spPr/>
+            <p:ph sz="quarter" idx="14"/>
+          </p:nvPr>
+        </p:nvSpPr>
+        <p:spPr>
+          <a:xfrm>
+            <a:off x="648934" y="1646102"/>
+            <a:ext cx="5447063" cy="4160520"/>
+          </a:xfrm>
+        </p:spPr>
         <p:txBody>
           <a:bodyPr>
             <a:normAutofit/>
@@ -16783,13 +14959,57 @@
           <a:p>
             <a:r>
               <a:rPr lang="en-US" dirty="0"/>
-              <a:t>Your ability to communicate effectively will leave a lasting impact on your audience</a:t>
+              <a:t>Balanced Dataset: Achieved 15 pages (~300 words/page) for each topic (travel, fashion, diseases).</a:t>
             </a:r>
           </a:p>
           <a:p>
             <a:r>
               <a:rPr lang="en-US" dirty="0"/>
-              <a:t>Effectively communicating involves not only delivering a message but also resonating with the experiences, values, and emotions of those listening </a:t>
+              <a:t>Creative Approach: Utilized graph theory by representing documents as graphs and extracting common subgraphs, leading to a more nuanced understanding of document content.</a:t>
+            </a:r>
+          </a:p>
+          <a:p>
+            <a:endParaRPr lang="en-US" dirty="0"/>
+          </a:p>
+        </p:txBody>
+      </p:sp>
+      <p:sp>
+        <p:nvSpPr>
+          <p:cNvPr id="7" name="Content Placeholder 6">
+            <a:extLst>
+              <a:ext uri="{FF2B5EF4-FFF2-40B4-BE49-F238E27FC236}">
+                <a16:creationId xmlns:a16="http://schemas.microsoft.com/office/drawing/2014/main" id="{7078F1DC-7EF8-5514-E97B-D47663F284D3}"/>
+              </a:ext>
+            </a:extLst>
+          </p:cNvPr>
+          <p:cNvSpPr>
+            <a:spLocks noGrp="1"/>
+          </p:cNvSpPr>
+          <p:nvPr>
+            <p:ph sz="quarter" idx="19"/>
+          </p:nvPr>
+        </p:nvSpPr>
+        <p:spPr>
+          <a:xfrm>
+            <a:off x="6096000" y="1646102"/>
+            <a:ext cx="5447063" cy="4160520"/>
+          </a:xfrm>
+        </p:spPr>
+        <p:txBody>
+          <a:bodyPr>
+            <a:normAutofit/>
+          </a:bodyPr>
+          <a:lstStyle/>
+          <a:p>
+            <a:r>
+              <a:rPr lang="en-US" dirty="0"/>
+              <a:t>Clear Methodology: Defined steps including data collection, preprocessing, graph representation, and feature extraction using common subgraphs.</a:t>
+            </a:r>
+          </a:p>
+          <a:p>
+            <a:r>
+              <a:rPr lang="en-US" dirty="0"/>
+              <a:t>Challenges Acknowledged: Potential difficulties like managing large data, data collection limitations, and finding maximum common subgraphs are recognized for future improvements.</a:t>
             </a:r>
           </a:p>
         </p:txBody>
@@ -16797,7 +15017,7 @@
     </p:spTree>
     <p:extLst>
       <p:ext uri="{BB962C8B-B14F-4D97-AF65-F5344CB8AC3E}">
-        <p14:creationId xmlns:p14="http://schemas.microsoft.com/office/powerpoint/2010/main" val="4065057152"/>
+        <p14:creationId xmlns:p14="http://schemas.microsoft.com/office/powerpoint/2010/main" val="4153247059"/>
       </p:ext>
     </p:extLst>
   </p:cSld>
@@ -17581,23 +15801,12 @@
 </file>
 
 <file path=customXml/item1.xml><?xml version="1.0" encoding="utf-8"?>
-<p:properties xmlns:p="http://schemas.microsoft.com/office/2006/metadata/properties" xmlns:xsi="http://www.w3.org/2001/XMLSchema-instance" xmlns:pc="http://schemas.microsoft.com/office/infopath/2007/PartnerControls">
-  <documentManagement>
-    <_ip_UnifiedCompliancePolicyUIAction xmlns="http://schemas.microsoft.com/sharepoint/v3" xsi:nil="true"/>
-    <Image xmlns="71af3243-3dd4-4a8d-8c0d-dd76da1f02a5">
-      <Url xsi:nil="true"/>
-      <Description xsi:nil="true"/>
-    </Image>
-    <Status xmlns="71af3243-3dd4-4a8d-8c0d-dd76da1f02a5">Not started</Status>
-    <Background xmlns="71af3243-3dd4-4a8d-8c0d-dd76da1f02a5">false</Background>
-    <_ip_UnifiedCompliancePolicyProperties xmlns="http://schemas.microsoft.com/sharepoint/v3" xsi:nil="true"/>
-    <ImageTagsTaxHTField xmlns="71af3243-3dd4-4a8d-8c0d-dd76da1f02a5">
-      <Terms xmlns="http://schemas.microsoft.com/office/infopath/2007/PartnerControls"/>
-    </ImageTagsTaxHTField>
-    <TaxCatchAll xmlns="230e9df3-be65-4c73-a93b-d1236ebd677e" xsi:nil="true"/>
-    <MediaServiceKeyPoints xmlns="71af3243-3dd4-4a8d-8c0d-dd76da1f02a5" xsi:nil="true"/>
-  </documentManagement>
-</p:properties>
+<?mso-contentType ?>
+<FormTemplates xmlns="http://schemas.microsoft.com/sharepoint/v3/contenttype/forms">
+  <Display>DocumentLibraryForm</Display>
+  <Edit>DocumentLibraryForm</Edit>
+  <New>DocumentLibraryForm</New>
+</FormTemplates>
 </file>
 
 <file path=customXml/item2.xml><?xml version="1.0" encoding="utf-8"?>
@@ -17913,22 +16122,29 @@
 </file>
 
 <file path=customXml/item3.xml><?xml version="1.0" encoding="utf-8"?>
-<?mso-contentType ?>
-<FormTemplates xmlns="http://schemas.microsoft.com/sharepoint/v3/contenttype/forms">
-  <Display>DocumentLibraryForm</Display>
-  <Edit>DocumentLibraryForm</Edit>
-  <New>DocumentLibraryForm</New>
-</FormTemplates>
+<p:properties xmlns:p="http://schemas.microsoft.com/office/2006/metadata/properties" xmlns:xsi="http://www.w3.org/2001/XMLSchema-instance" xmlns:pc="http://schemas.microsoft.com/office/infopath/2007/PartnerControls">
+  <documentManagement>
+    <_ip_UnifiedCompliancePolicyUIAction xmlns="http://schemas.microsoft.com/sharepoint/v3" xsi:nil="true"/>
+    <Image xmlns="71af3243-3dd4-4a8d-8c0d-dd76da1f02a5">
+      <Url xsi:nil="true"/>
+      <Description xsi:nil="true"/>
+    </Image>
+    <Status xmlns="71af3243-3dd4-4a8d-8c0d-dd76da1f02a5">Not started</Status>
+    <Background xmlns="71af3243-3dd4-4a8d-8c0d-dd76da1f02a5">false</Background>
+    <_ip_UnifiedCompliancePolicyProperties xmlns="http://schemas.microsoft.com/sharepoint/v3" xsi:nil="true"/>
+    <ImageTagsTaxHTField xmlns="71af3243-3dd4-4a8d-8c0d-dd76da1f02a5">
+      <Terms xmlns="http://schemas.microsoft.com/office/infopath/2007/PartnerControls"/>
+    </ImageTagsTaxHTField>
+    <TaxCatchAll xmlns="230e9df3-be65-4c73-a93b-d1236ebd677e" xsi:nil="true"/>
+    <MediaServiceKeyPoints xmlns="71af3243-3dd4-4a8d-8c0d-dd76da1f02a5" xsi:nil="true"/>
+  </documentManagement>
+</p:properties>
 </file>
 
 <file path=customXml/itemProps1.xml><?xml version="1.0" encoding="utf-8"?>
-<ds:datastoreItem xmlns:ds="http://schemas.openxmlformats.org/officeDocument/2006/customXml" ds:itemID="{57FF477C-132F-44F8-8C56-EBFF95FAF97B}">
+<ds:datastoreItem xmlns:ds="http://schemas.openxmlformats.org/officeDocument/2006/customXml" ds:itemID="{6F36CB81-A037-44A8-88EB-C0C0F17FD4B1}">
   <ds:schemaRefs>
-    <ds:schemaRef ds:uri="http://schemas.microsoft.com/office/2006/metadata/properties"/>
-    <ds:schemaRef ds:uri="http://schemas.microsoft.com/office/infopath/2007/PartnerControls"/>
-    <ds:schemaRef ds:uri="http://schemas.microsoft.com/sharepoint/v3"/>
-    <ds:schemaRef ds:uri="71af3243-3dd4-4a8d-8c0d-dd76da1f02a5"/>
-    <ds:schemaRef ds:uri="230e9df3-be65-4c73-a93b-d1236ebd677e"/>
+    <ds:schemaRef ds:uri="http://schemas.microsoft.com/sharepoint/v3/contenttype/forms"/>
   </ds:schemaRefs>
 </ds:datastoreItem>
 </file>
@@ -17955,9 +16171,13 @@
 </file>
 
 <file path=customXml/itemProps3.xml><?xml version="1.0" encoding="utf-8"?>
-<ds:datastoreItem xmlns:ds="http://schemas.openxmlformats.org/officeDocument/2006/customXml" ds:itemID="{6F36CB81-A037-44A8-88EB-C0C0F17FD4B1}">
+<ds:datastoreItem xmlns:ds="http://schemas.openxmlformats.org/officeDocument/2006/customXml" ds:itemID="{57FF477C-132F-44F8-8C56-EBFF95FAF97B}">
   <ds:schemaRefs>
-    <ds:schemaRef ds:uri="http://schemas.microsoft.com/sharepoint/v3/contenttype/forms"/>
+    <ds:schemaRef ds:uri="http://schemas.microsoft.com/office/2006/metadata/properties"/>
+    <ds:schemaRef ds:uri="http://schemas.microsoft.com/office/infopath/2007/PartnerControls"/>
+    <ds:schemaRef ds:uri="http://schemas.microsoft.com/sharepoint/v3"/>
+    <ds:schemaRef ds:uri="71af3243-3dd4-4a8d-8c0d-dd76da1f02a5"/>
+    <ds:schemaRef ds:uri="230e9df3-be65-4c73-a93b-d1236ebd677e"/>
   </ds:schemaRefs>
 </ds:datastoreItem>
 </file>
